--- a/Chapter_1_Abstraction & Interface_Tran Ngoc Dan_Nguyen Trong Thuan.pptx
+++ b/Chapter_1_Abstraction & Interface_Tran Ngoc Dan_Nguyen Trong Thuan.pptx
@@ -1,41 +1,40 @@
 
 <file path=ppt/presentation.xml><?xml version="1.0" encoding="utf-8"?>
-<p:presentation xmlns:a="http://schemas.openxmlformats.org/drawingml/2006/main" xmlns:r="http://schemas.openxmlformats.org/officeDocument/2006/relationships" xmlns:mc="http://schemas.openxmlformats.org/markup-compatibility/2006" xmlns:mv="urn:schemas-microsoft-com:mac:vml" xmlns:p="http://schemas.openxmlformats.org/presentationml/2006/main" xmlns:c="http://schemas.openxmlformats.org/drawingml/2006/chart" xmlns:dgm="http://schemas.openxmlformats.org/drawingml/2006/diagram" xmlns:o="urn:schemas-microsoft-com:office:office" xmlns:v="urn:schemas-microsoft-com:vml" xmlns:pvml="urn:schemas-microsoft-com:office:powerpoint" xmlns:com="http://schemas.openxmlformats.org/drawingml/2006/compatibility" xmlns:p14="http://schemas.microsoft.com/office/powerpoint/2010/main" autoCompressPictures="0" embedTrueTypeFonts="1" strictFirstAndLastChars="0" saveSubsetFonts="1">
+<p:presentation xmlns:a="http://schemas.openxmlformats.org/drawingml/2006/main" xmlns:r="http://schemas.openxmlformats.org/officeDocument/2006/relationships" xmlns:p="http://schemas.openxmlformats.org/presentationml/2006/main" strictFirstAndLastChars="0" embedTrueTypeFonts="1" saveSubsetFonts="1" autoCompressPictures="0">
   <p:sldMasterIdLst>
-    <p:sldMasterId id="2147483670" r:id="rId3"/>
-    <p:sldMasterId id="2147483671" r:id="rId4"/>
+    <p:sldMasterId id="2147483670" r:id="rId1"/>
+    <p:sldMasterId id="2147483671" r:id="rId2"/>
   </p:sldMasterIdLst>
   <p:notesMasterIdLst>
-    <p:notesMasterId r:id="rId5"/>
+    <p:notesMasterId r:id="rId11"/>
   </p:notesMasterIdLst>
   <p:sldIdLst>
-    <p:sldId id="256" r:id="rId6"/>
-    <p:sldId id="257" r:id="rId7"/>
-    <p:sldId id="258" r:id="rId8"/>
-    <p:sldId id="259" r:id="rId9"/>
-    <p:sldId id="260" r:id="rId10"/>
-    <p:sldId id="261" r:id="rId11"/>
-    <p:sldId id="262" r:id="rId12"/>
-    <p:sldId id="263" r:id="rId13"/>
-    <p:sldId id="264" r:id="rId14"/>
+    <p:sldId id="256" r:id="rId3"/>
+    <p:sldId id="257" r:id="rId4"/>
+    <p:sldId id="258" r:id="rId5"/>
+    <p:sldId id="259" r:id="rId6"/>
+    <p:sldId id="260" r:id="rId7"/>
+    <p:sldId id="262" r:id="rId8"/>
+    <p:sldId id="263" r:id="rId9"/>
+    <p:sldId id="264" r:id="rId10"/>
   </p:sldIdLst>
-  <p:sldSz cy="5143500" cx="9144000"/>
+  <p:sldSz cx="9144000" cy="5143500" type="screen16x9"/>
   <p:notesSz cx="6858000" cy="9144000"/>
   <p:embeddedFontLst>
     <p:embeddedFont>
-      <p:font typeface="Proxima Nova"/>
-      <p:regular r:id="rId15"/>
-      <p:bold r:id="rId16"/>
-      <p:italic r:id="rId17"/>
-      <p:boldItalic r:id="rId18"/>
+      <p:font typeface="Proxima Nova" panose="020B0604020202020204" charset="0"/>
+      <p:regular r:id="rId12"/>
+      <p:bold r:id="rId13"/>
+      <p:italic r:id="rId14"/>
+      <p:boldItalic r:id="rId15"/>
     </p:embeddedFont>
     <p:embeddedFont>
-      <p:font typeface="Alfa Slab One"/>
-      <p:regular r:id="rId19"/>
+      <p:font typeface="Alfa Slab One" panose="020B0604020202020204" charset="0"/>
+      <p:regular r:id="rId16"/>
     </p:embeddedFont>
   </p:embeddedFontLst>
   <p:defaultTextStyle>
-    <a:defPPr lvl="0" marR="0" rtl="0" algn="l">
+    <a:defPPr marR="0" lvl="0" algn="l" rtl="0">
       <a:lnSpc>
         <a:spcPct val="100000"/>
       </a:lnSpc>
@@ -46,7 +45,7 @@
         <a:spcPts val="0"/>
       </a:spcAft>
     </a:defPPr>
-    <a:lvl1pPr lvl="0" marR="0" rtl="0" algn="l">
+    <a:lvl1pPr marR="0" lvl="0" algn="l" rtl="0">
       <a:lnSpc>
         <a:spcPct val="100000"/>
       </a:lnSpc>
@@ -57,7 +56,7 @@
         <a:spcPts val="0"/>
       </a:spcAft>
       <a:buNone/>
-      <a:defRPr b="0" i="0" sz="1400" u="none" cap="none" strike="noStrike">
+      <a:defRPr sz="1400" b="0" i="0" u="none" strike="noStrike" cap="none">
         <a:solidFill>
           <a:srgbClr val="000000"/>
         </a:solidFill>
@@ -67,7 +66,7 @@
         <a:sym typeface="Arial"/>
       </a:defRPr>
     </a:lvl1pPr>
-    <a:lvl2pPr lvl="1" marR="0" rtl="0" algn="l">
+    <a:lvl2pPr marR="0" lvl="1" algn="l" rtl="0">
       <a:lnSpc>
         <a:spcPct val="100000"/>
       </a:lnSpc>
@@ -78,7 +77,7 @@
         <a:spcPts val="0"/>
       </a:spcAft>
       <a:buNone/>
-      <a:defRPr b="0" i="0" sz="1400" u="none" cap="none" strike="noStrike">
+      <a:defRPr sz="1400" b="0" i="0" u="none" strike="noStrike" cap="none">
         <a:solidFill>
           <a:srgbClr val="000000"/>
         </a:solidFill>
@@ -88,7 +87,7 @@
         <a:sym typeface="Arial"/>
       </a:defRPr>
     </a:lvl2pPr>
-    <a:lvl3pPr lvl="2" marR="0" rtl="0" algn="l">
+    <a:lvl3pPr marR="0" lvl="2" algn="l" rtl="0">
       <a:lnSpc>
         <a:spcPct val="100000"/>
       </a:lnSpc>
@@ -99,7 +98,7 @@
         <a:spcPts val="0"/>
       </a:spcAft>
       <a:buNone/>
-      <a:defRPr b="0" i="0" sz="1400" u="none" cap="none" strike="noStrike">
+      <a:defRPr sz="1400" b="0" i="0" u="none" strike="noStrike" cap="none">
         <a:solidFill>
           <a:srgbClr val="000000"/>
         </a:solidFill>
@@ -109,7 +108,7 @@
         <a:sym typeface="Arial"/>
       </a:defRPr>
     </a:lvl3pPr>
-    <a:lvl4pPr lvl="3" marR="0" rtl="0" algn="l">
+    <a:lvl4pPr marR="0" lvl="3" algn="l" rtl="0">
       <a:lnSpc>
         <a:spcPct val="100000"/>
       </a:lnSpc>
@@ -120,7 +119,7 @@
         <a:spcPts val="0"/>
       </a:spcAft>
       <a:buNone/>
-      <a:defRPr b="0" i="0" sz="1400" u="none" cap="none" strike="noStrike">
+      <a:defRPr sz="1400" b="0" i="0" u="none" strike="noStrike" cap="none">
         <a:solidFill>
           <a:srgbClr val="000000"/>
         </a:solidFill>
@@ -130,7 +129,7 @@
         <a:sym typeface="Arial"/>
       </a:defRPr>
     </a:lvl4pPr>
-    <a:lvl5pPr lvl="4" marR="0" rtl="0" algn="l">
+    <a:lvl5pPr marR="0" lvl="4" algn="l" rtl="0">
       <a:lnSpc>
         <a:spcPct val="100000"/>
       </a:lnSpc>
@@ -141,7 +140,7 @@
         <a:spcPts val="0"/>
       </a:spcAft>
       <a:buNone/>
-      <a:defRPr b="0" i="0" sz="1400" u="none" cap="none" strike="noStrike">
+      <a:defRPr sz="1400" b="0" i="0" u="none" strike="noStrike" cap="none">
         <a:solidFill>
           <a:srgbClr val="000000"/>
         </a:solidFill>
@@ -151,7 +150,7 @@
         <a:sym typeface="Arial"/>
       </a:defRPr>
     </a:lvl5pPr>
-    <a:lvl6pPr lvl="5" marR="0" rtl="0" algn="l">
+    <a:lvl6pPr marR="0" lvl="5" algn="l" rtl="0">
       <a:lnSpc>
         <a:spcPct val="100000"/>
       </a:lnSpc>
@@ -162,7 +161,7 @@
         <a:spcPts val="0"/>
       </a:spcAft>
       <a:buNone/>
-      <a:defRPr b="0" i="0" sz="1400" u="none" cap="none" strike="noStrike">
+      <a:defRPr sz="1400" b="0" i="0" u="none" strike="noStrike" cap="none">
         <a:solidFill>
           <a:srgbClr val="000000"/>
         </a:solidFill>
@@ -172,7 +171,7 @@
         <a:sym typeface="Arial"/>
       </a:defRPr>
     </a:lvl6pPr>
-    <a:lvl7pPr lvl="6" marR="0" rtl="0" algn="l">
+    <a:lvl7pPr marR="0" lvl="6" algn="l" rtl="0">
       <a:lnSpc>
         <a:spcPct val="100000"/>
       </a:lnSpc>
@@ -183,7 +182,7 @@
         <a:spcPts val="0"/>
       </a:spcAft>
       <a:buNone/>
-      <a:defRPr b="0" i="0" sz="1400" u="none" cap="none" strike="noStrike">
+      <a:defRPr sz="1400" b="0" i="0" u="none" strike="noStrike" cap="none">
         <a:solidFill>
           <a:srgbClr val="000000"/>
         </a:solidFill>
@@ -193,7 +192,7 @@
         <a:sym typeface="Arial"/>
       </a:defRPr>
     </a:lvl7pPr>
-    <a:lvl8pPr lvl="7" marR="0" rtl="0" algn="l">
+    <a:lvl8pPr marR="0" lvl="7" algn="l" rtl="0">
       <a:lnSpc>
         <a:spcPct val="100000"/>
       </a:lnSpc>
@@ -204,7 +203,7 @@
         <a:spcPts val="0"/>
       </a:spcAft>
       <a:buNone/>
-      <a:defRPr b="0" i="0" sz="1400" u="none" cap="none" strike="noStrike">
+      <a:defRPr sz="1400" b="0" i="0" u="none" strike="noStrike" cap="none">
         <a:solidFill>
           <a:srgbClr val="000000"/>
         </a:solidFill>
@@ -214,7 +213,7 @@
         <a:sym typeface="Arial"/>
       </a:defRPr>
     </a:lvl8pPr>
-    <a:lvl9pPr lvl="8" marR="0" rtl="0" algn="l">
+    <a:lvl9pPr marR="0" lvl="8" algn="l" rtl="0">
       <a:lnSpc>
         <a:spcPct val="100000"/>
       </a:lnSpc>
@@ -225,7 +224,7 @@
         <a:spcPts val="0"/>
       </a:spcAft>
       <a:buNone/>
-      <a:defRPr b="0" i="0" sz="1400" u="none" cap="none" strike="noStrike">
+      <a:defRPr sz="1400" b="0" i="0" u="none" strike="noStrike" cap="none">
         <a:solidFill>
           <a:srgbClr val="000000"/>
         </a:solidFill>
@@ -240,11 +239,16 @@
 </file>
 
 <file path=ppt/notesMasters/notesMaster1.xml><?xml version="1.0" encoding="utf-8"?>
-<p:notesMaster xmlns:a="http://schemas.openxmlformats.org/drawingml/2006/main" xmlns:r="http://schemas.openxmlformats.org/officeDocument/2006/relationships" xmlns:mc="http://schemas.openxmlformats.org/markup-compatibility/2006" xmlns:mv="urn:schemas-microsoft-com:mac:vml" xmlns:p="http://schemas.openxmlformats.org/presentationml/2006/main" xmlns:c="http://schemas.openxmlformats.org/drawingml/2006/chart" xmlns:dgm="http://schemas.openxmlformats.org/drawingml/2006/diagram" xmlns:o="urn:schemas-microsoft-com:office:office" xmlns:v="urn:schemas-microsoft-com:vml" xmlns:pvml="urn:schemas-microsoft-com:office:powerpoint" xmlns:com="http://schemas.openxmlformats.org/drawingml/2006/compatibility" xmlns:p14="http://schemas.microsoft.com/office/powerpoint/2010/main">
+<p:notesMaster xmlns:a="http://schemas.openxmlformats.org/drawingml/2006/main" xmlns:r="http://schemas.openxmlformats.org/officeDocument/2006/relationships" xmlns:p="http://schemas.openxmlformats.org/presentationml/2006/main">
   <p:cSld>
+    <p:bg>
+      <p:bgRef idx="1001">
+        <a:schemeClr val="bg1"/>
+      </p:bgRef>
+    </p:bg>
     <p:spTree>
       <p:nvGrpSpPr>
-        <p:cNvPr id="2" name="Shape 2"/>
+        <p:cNvPr id="1" name="Shape 2"/>
         <p:cNvGrpSpPr/>
         <p:nvPr/>
       </p:nvGrpSpPr>
@@ -259,9 +263,11 @@
       <p:sp>
         <p:nvSpPr>
           <p:cNvPr id="3" name="Shape 3"/>
-          <p:cNvSpPr/>
+          <p:cNvSpPr>
+            <a:spLocks noGrp="1" noRot="1" noChangeAspect="1"/>
+          </p:cNvSpPr>
           <p:nvPr>
-            <p:ph idx="2" type="sldImg"/>
+            <p:ph type="sldImg" idx="2"/>
           </p:nvPr>
         </p:nvSpPr>
         <p:spPr>
@@ -270,8 +276,13 @@
             <a:ext cx="6096075" cy="3429000"/>
           </a:xfrm>
           <a:custGeom>
+            <a:avLst/>
+            <a:gdLst/>
+            <a:ahLst/>
+            <a:cxnLst/>
+            <a:rect l="0" t="0" r="0" b="0"/>
             <a:pathLst>
-              <a:path extrusionOk="0" h="120000" w="120000">
+              <a:path w="120000" h="120000" extrusionOk="0">
                 <a:moveTo>
                   <a:pt x="0" y="0"/>
                 </a:moveTo>
@@ -289,23 +300,25 @@
             </a:pathLst>
           </a:custGeom>
           <a:noFill/>
-          <a:ln cap="flat" cmpd="sng" w="9525">
+          <a:ln w="9525" cap="flat" cmpd="sng">
             <a:solidFill>
               <a:srgbClr val="000000"/>
             </a:solidFill>
             <a:prstDash val="solid"/>
             <a:round/>
-            <a:headEnd len="med" w="med" type="none"/>
-            <a:tailEnd len="med" w="med" type="none"/>
+            <a:headEnd type="none" w="med" len="med"/>
+            <a:tailEnd type="none" w="med" len="med"/>
           </a:ln>
         </p:spPr>
       </p:sp>
       <p:sp>
         <p:nvSpPr>
           <p:cNvPr id="4" name="Shape 4"/>
-          <p:cNvSpPr txBox="1"/>
+          <p:cNvSpPr txBox="1">
+            <a:spLocks noGrp="1"/>
+          </p:cNvSpPr>
           <p:nvPr>
-            <p:ph idx="1" type="body"/>
+            <p:ph type="body" idx="1"/>
           </p:nvPr>
         </p:nvSpPr>
         <p:spPr>
@@ -322,7 +335,7 @@
           </a:ln>
         </p:spPr>
         <p:txBody>
-          <a:bodyPr anchorCtr="0" anchor="t" bIns="91425" lIns="91425" rIns="91425" tIns="91425"/>
+          <a:bodyPr lIns="91425" tIns="91425" rIns="91425" bIns="91425" anchor="t" anchorCtr="0"/>
           <a:lstStyle>
             <a:lvl1pPr lvl="0">
               <a:spcBef>
@@ -379,21 +392,120 @@
               <a:defRPr sz="1100"/>
             </a:lvl9pPr>
           </a:lstStyle>
-          <a:p/>
+          <a:p>
+            <a:endParaRPr/>
+          </a:p>
         </p:txBody>
       </p:sp>
     </p:spTree>
+    <p:extLst>
+      <p:ext uri="{BB962C8B-B14F-4D97-AF65-F5344CB8AC3E}">
+        <p14:creationId xmlns:p14="http://schemas.microsoft.com/office/powerpoint/2010/main" val="1555276207"/>
+      </p:ext>
+    </p:extLst>
   </p:cSld>
-  <p:clrMap accent1="accent1" accent2="accent2" accent3="accent3" accent4="accent4" accent5="accent5" accent6="accent6" bg1="lt1" bg2="dk2" tx1="dk1" tx2="lt2" folHlink="folHlink" hlink="hlink"/>
+  <p:clrMap bg1="lt1" tx1="dk1" bg2="dk2" tx2="lt2" accent1="accent1" accent2="accent2" accent3="accent3" accent4="accent4" accent5="accent5" accent6="accent6" hlink="hlink" folHlink="folHlink"/>
+  <p:notesStyle>
+    <a:lvl1pPr marL="0" algn="l" defTabSz="914400" rtl="0" eaLnBrk="1" latinLnBrk="0" hangingPunct="1">
+      <a:defRPr sz="1200" kern="1200">
+        <a:solidFill>
+          <a:schemeClr val="tx1"/>
+        </a:solidFill>
+        <a:latin typeface="+mn-lt"/>
+        <a:ea typeface="+mn-ea"/>
+        <a:cs typeface="+mn-cs"/>
+      </a:defRPr>
+    </a:lvl1pPr>
+    <a:lvl2pPr marL="457200" algn="l" defTabSz="914400" rtl="0" eaLnBrk="1" latinLnBrk="0" hangingPunct="1">
+      <a:defRPr sz="1200" kern="1200">
+        <a:solidFill>
+          <a:schemeClr val="tx1"/>
+        </a:solidFill>
+        <a:latin typeface="+mn-lt"/>
+        <a:ea typeface="+mn-ea"/>
+        <a:cs typeface="+mn-cs"/>
+      </a:defRPr>
+    </a:lvl2pPr>
+    <a:lvl3pPr marL="914400" algn="l" defTabSz="914400" rtl="0" eaLnBrk="1" latinLnBrk="0" hangingPunct="1">
+      <a:defRPr sz="1200" kern="1200">
+        <a:solidFill>
+          <a:schemeClr val="tx1"/>
+        </a:solidFill>
+        <a:latin typeface="+mn-lt"/>
+        <a:ea typeface="+mn-ea"/>
+        <a:cs typeface="+mn-cs"/>
+      </a:defRPr>
+    </a:lvl3pPr>
+    <a:lvl4pPr marL="1371600" algn="l" defTabSz="914400" rtl="0" eaLnBrk="1" latinLnBrk="0" hangingPunct="1">
+      <a:defRPr sz="1200" kern="1200">
+        <a:solidFill>
+          <a:schemeClr val="tx1"/>
+        </a:solidFill>
+        <a:latin typeface="+mn-lt"/>
+        <a:ea typeface="+mn-ea"/>
+        <a:cs typeface="+mn-cs"/>
+      </a:defRPr>
+    </a:lvl4pPr>
+    <a:lvl5pPr marL="1828800" algn="l" defTabSz="914400" rtl="0" eaLnBrk="1" latinLnBrk="0" hangingPunct="1">
+      <a:defRPr sz="1200" kern="1200">
+        <a:solidFill>
+          <a:schemeClr val="tx1"/>
+        </a:solidFill>
+        <a:latin typeface="+mn-lt"/>
+        <a:ea typeface="+mn-ea"/>
+        <a:cs typeface="+mn-cs"/>
+      </a:defRPr>
+    </a:lvl5pPr>
+    <a:lvl6pPr marL="2286000" algn="l" defTabSz="914400" rtl="0" eaLnBrk="1" latinLnBrk="0" hangingPunct="1">
+      <a:defRPr sz="1200" kern="1200">
+        <a:solidFill>
+          <a:schemeClr val="tx1"/>
+        </a:solidFill>
+        <a:latin typeface="+mn-lt"/>
+        <a:ea typeface="+mn-ea"/>
+        <a:cs typeface="+mn-cs"/>
+      </a:defRPr>
+    </a:lvl6pPr>
+    <a:lvl7pPr marL="2743200" algn="l" defTabSz="914400" rtl="0" eaLnBrk="1" latinLnBrk="0" hangingPunct="1">
+      <a:defRPr sz="1200" kern="1200">
+        <a:solidFill>
+          <a:schemeClr val="tx1"/>
+        </a:solidFill>
+        <a:latin typeface="+mn-lt"/>
+        <a:ea typeface="+mn-ea"/>
+        <a:cs typeface="+mn-cs"/>
+      </a:defRPr>
+    </a:lvl7pPr>
+    <a:lvl8pPr marL="3200400" algn="l" defTabSz="914400" rtl="0" eaLnBrk="1" latinLnBrk="0" hangingPunct="1">
+      <a:defRPr sz="1200" kern="1200">
+        <a:solidFill>
+          <a:schemeClr val="tx1"/>
+        </a:solidFill>
+        <a:latin typeface="+mn-lt"/>
+        <a:ea typeface="+mn-ea"/>
+        <a:cs typeface="+mn-cs"/>
+      </a:defRPr>
+    </a:lvl8pPr>
+    <a:lvl9pPr marL="3657600" algn="l" defTabSz="914400" rtl="0" eaLnBrk="1" latinLnBrk="0" hangingPunct="1">
+      <a:defRPr sz="1200" kern="1200">
+        <a:solidFill>
+          <a:schemeClr val="tx1"/>
+        </a:solidFill>
+        <a:latin typeface="+mn-lt"/>
+        <a:ea typeface="+mn-ea"/>
+        <a:cs typeface="+mn-cs"/>
+      </a:defRPr>
+    </a:lvl9pPr>
+  </p:notesStyle>
 </p:notesMaster>
 </file>
 
 <file path=ppt/notesSlides/notesSlide1.xml><?xml version="1.0" encoding="utf-8"?>
-<p:notes xmlns:a="http://schemas.openxmlformats.org/drawingml/2006/main" xmlns:r="http://schemas.openxmlformats.org/officeDocument/2006/relationships" xmlns:mc="http://schemas.openxmlformats.org/markup-compatibility/2006" xmlns:mv="urn:schemas-microsoft-com:mac:vml" xmlns:p="http://schemas.openxmlformats.org/presentationml/2006/main" xmlns:c="http://schemas.openxmlformats.org/drawingml/2006/chart" xmlns:dgm="http://schemas.openxmlformats.org/drawingml/2006/diagram" xmlns:o="urn:schemas-microsoft-com:office:office" xmlns:v="urn:schemas-microsoft-com:vml" xmlns:pvml="urn:schemas-microsoft-com:office:powerpoint" xmlns:com="http://schemas.openxmlformats.org/drawingml/2006/compatibility" xmlns:p14="http://schemas.microsoft.com/office/powerpoint/2010/main" showMasterPhAnim="0" showMasterSp="0">
+<p:notes xmlns:a="http://schemas.openxmlformats.org/drawingml/2006/main" xmlns:r="http://schemas.openxmlformats.org/officeDocument/2006/relationships" xmlns:p="http://schemas.openxmlformats.org/presentationml/2006/main" showMasterSp="0" showMasterPhAnim="0">
   <p:cSld>
     <p:spTree>
       <p:nvGrpSpPr>
-        <p:cNvPr id="97" name="Shape 97"/>
+        <p:cNvPr id="1" name="Shape 97"/>
         <p:cNvGrpSpPr/>
         <p:nvPr/>
       </p:nvGrpSpPr>
@@ -408,19 +520,26 @@
       <p:sp>
         <p:nvSpPr>
           <p:cNvPr id="98" name="Shape 98"/>
-          <p:cNvSpPr/>
+          <p:cNvSpPr>
+            <a:spLocks noGrp="1" noRot="1" noChangeAspect="1"/>
+          </p:cNvSpPr>
           <p:nvPr>
-            <p:ph idx="2" type="sldImg"/>
+            <p:ph type="sldImg" idx="2"/>
           </p:nvPr>
         </p:nvSpPr>
         <p:spPr>
           <a:xfrm>
-            <a:off x="381300" y="685800"/>
-            <a:ext cx="6096075" cy="3429000"/>
+            <a:off x="381000" y="685800"/>
+            <a:ext cx="6096000" cy="3429000"/>
           </a:xfrm>
           <a:custGeom>
+            <a:avLst/>
+            <a:gdLst/>
+            <a:ahLst/>
+            <a:cxnLst/>
+            <a:rect l="0" t="0" r="0" b="0"/>
             <a:pathLst>
-              <a:path extrusionOk="0" h="120000" w="120000">
+              <a:path w="120000" h="120000" extrusionOk="0">
                 <a:moveTo>
                   <a:pt x="0" y="0"/>
                 </a:moveTo>
@@ -442,9 +561,11 @@
       <p:sp>
         <p:nvSpPr>
           <p:cNvPr id="99" name="Shape 99"/>
-          <p:cNvSpPr txBox="1"/>
+          <p:cNvSpPr txBox="1">
+            <a:spLocks noGrp="1"/>
+          </p:cNvSpPr>
           <p:nvPr>
-            <p:ph idx="1" type="body"/>
+            <p:ph type="body" idx="1"/>
           </p:nvPr>
         </p:nvSpPr>
         <p:spPr>
@@ -457,7 +578,7 @@
           </a:prstGeom>
         </p:spPr>
         <p:txBody>
-          <a:bodyPr anchorCtr="0" anchor="t" bIns="91425" lIns="91425" rIns="91425" tIns="91425">
+          <a:bodyPr lIns="91425" tIns="91425" rIns="91425" bIns="91425" anchor="t" anchorCtr="0">
             <a:noAutofit/>
           </a:bodyPr>
           <a:lstStyle/>
@@ -468,14 +589,16 @@
               </a:spcBef>
               <a:buNone/>
             </a:pPr>
-            <a:r>
-              <a:t/>
-            </a:r>
             <a:endParaRPr/>
           </a:p>
         </p:txBody>
       </p:sp>
     </p:spTree>
+    <p:extLst>
+      <p:ext uri="{BB962C8B-B14F-4D97-AF65-F5344CB8AC3E}">
+        <p14:creationId xmlns:p14="http://schemas.microsoft.com/office/powerpoint/2010/main" val="1717128342"/>
+      </p:ext>
+    </p:extLst>
   </p:cSld>
   <p:clrMapOvr>
     <a:masterClrMapping/>
@@ -484,11 +607,11 @@
 </file>
 
 <file path=ppt/notesSlides/notesSlide2.xml><?xml version="1.0" encoding="utf-8"?>
-<p:notes xmlns:a="http://schemas.openxmlformats.org/drawingml/2006/main" xmlns:r="http://schemas.openxmlformats.org/officeDocument/2006/relationships" xmlns:mc="http://schemas.openxmlformats.org/markup-compatibility/2006" xmlns:mv="urn:schemas-microsoft-com:mac:vml" xmlns:p="http://schemas.openxmlformats.org/presentationml/2006/main" xmlns:c="http://schemas.openxmlformats.org/drawingml/2006/chart" xmlns:dgm="http://schemas.openxmlformats.org/drawingml/2006/diagram" xmlns:o="urn:schemas-microsoft-com:office:office" xmlns:v="urn:schemas-microsoft-com:vml" xmlns:pvml="urn:schemas-microsoft-com:office:powerpoint" xmlns:com="http://schemas.openxmlformats.org/drawingml/2006/compatibility" xmlns:p14="http://schemas.microsoft.com/office/powerpoint/2010/main" showMasterPhAnim="0" showMasterSp="0">
+<p:notes xmlns:a="http://schemas.openxmlformats.org/drawingml/2006/main" xmlns:r="http://schemas.openxmlformats.org/officeDocument/2006/relationships" xmlns:p="http://schemas.openxmlformats.org/presentationml/2006/main" showMasterSp="0" showMasterPhAnim="0">
   <p:cSld>
     <p:spTree>
       <p:nvGrpSpPr>
-        <p:cNvPr id="103" name="Shape 103"/>
+        <p:cNvPr id="1" name="Shape 103"/>
         <p:cNvGrpSpPr/>
         <p:nvPr/>
       </p:nvGrpSpPr>
@@ -503,19 +626,26 @@
       <p:sp>
         <p:nvSpPr>
           <p:cNvPr id="104" name="Shape 104"/>
-          <p:cNvSpPr/>
+          <p:cNvSpPr>
+            <a:spLocks noGrp="1" noRot="1" noChangeAspect="1"/>
+          </p:cNvSpPr>
           <p:nvPr>
-            <p:ph idx="2" type="sldImg"/>
+            <p:ph type="sldImg" idx="2"/>
           </p:nvPr>
         </p:nvSpPr>
         <p:spPr>
           <a:xfrm>
-            <a:off x="381300" y="685800"/>
+            <a:off x="381000" y="685800"/>
             <a:ext cx="6096000" cy="3429000"/>
           </a:xfrm>
           <a:custGeom>
+            <a:avLst/>
+            <a:gdLst/>
+            <a:ahLst/>
+            <a:cxnLst/>
+            <a:rect l="0" t="0" r="0" b="0"/>
             <a:pathLst>
-              <a:path extrusionOk="0" h="120000" w="120000">
+              <a:path w="120000" h="120000" extrusionOk="0">
                 <a:moveTo>
                   <a:pt x="0" y="0"/>
                 </a:moveTo>
@@ -537,9 +667,11 @@
       <p:sp>
         <p:nvSpPr>
           <p:cNvPr id="105" name="Shape 105"/>
-          <p:cNvSpPr txBox="1"/>
+          <p:cNvSpPr txBox="1">
+            <a:spLocks noGrp="1"/>
+          </p:cNvSpPr>
           <p:nvPr>
-            <p:ph idx="1" type="body"/>
+            <p:ph type="body" idx="1"/>
           </p:nvPr>
         </p:nvSpPr>
         <p:spPr>
@@ -552,7 +684,7 @@
           </a:prstGeom>
         </p:spPr>
         <p:txBody>
-          <a:bodyPr anchorCtr="0" anchor="t" bIns="91425" lIns="91425" rIns="91425" tIns="91425">
+          <a:bodyPr lIns="91425" tIns="91425" rIns="91425" bIns="91425" anchor="t" anchorCtr="0">
             <a:noAutofit/>
           </a:bodyPr>
           <a:lstStyle/>
@@ -563,14 +695,16 @@
               </a:spcBef>
               <a:buNone/>
             </a:pPr>
-            <a:r>
-              <a:t/>
-            </a:r>
             <a:endParaRPr/>
           </a:p>
         </p:txBody>
       </p:sp>
     </p:spTree>
+    <p:extLst>
+      <p:ext uri="{BB962C8B-B14F-4D97-AF65-F5344CB8AC3E}">
+        <p14:creationId xmlns:p14="http://schemas.microsoft.com/office/powerpoint/2010/main" val="1152074383"/>
+      </p:ext>
+    </p:extLst>
   </p:cSld>
   <p:clrMapOvr>
     <a:masterClrMapping/>
@@ -579,11 +713,11 @@
 </file>
 
 <file path=ppt/notesSlides/notesSlide3.xml><?xml version="1.0" encoding="utf-8"?>
-<p:notes xmlns:a="http://schemas.openxmlformats.org/drawingml/2006/main" xmlns:r="http://schemas.openxmlformats.org/officeDocument/2006/relationships" xmlns:mc="http://schemas.openxmlformats.org/markup-compatibility/2006" xmlns:mv="urn:schemas-microsoft-com:mac:vml" xmlns:p="http://schemas.openxmlformats.org/presentationml/2006/main" xmlns:c="http://schemas.openxmlformats.org/drawingml/2006/chart" xmlns:dgm="http://schemas.openxmlformats.org/drawingml/2006/diagram" xmlns:o="urn:schemas-microsoft-com:office:office" xmlns:v="urn:schemas-microsoft-com:vml" xmlns:pvml="urn:schemas-microsoft-com:office:powerpoint" xmlns:com="http://schemas.openxmlformats.org/drawingml/2006/compatibility" xmlns:p14="http://schemas.microsoft.com/office/powerpoint/2010/main" showMasterPhAnim="0" showMasterSp="0">
+<p:notes xmlns:a="http://schemas.openxmlformats.org/drawingml/2006/main" xmlns:r="http://schemas.openxmlformats.org/officeDocument/2006/relationships" xmlns:p="http://schemas.openxmlformats.org/presentationml/2006/main" showMasterSp="0" showMasterPhAnim="0">
   <p:cSld>
     <p:spTree>
       <p:nvGrpSpPr>
-        <p:cNvPr id="109" name="Shape 109"/>
+        <p:cNvPr id="1" name="Shape 109"/>
         <p:cNvGrpSpPr/>
         <p:nvPr/>
       </p:nvGrpSpPr>
@@ -598,19 +732,26 @@
       <p:sp>
         <p:nvSpPr>
           <p:cNvPr id="110" name="Shape 110"/>
-          <p:cNvSpPr/>
+          <p:cNvSpPr>
+            <a:spLocks noGrp="1" noRot="1" noChangeAspect="1"/>
+          </p:cNvSpPr>
           <p:nvPr>
-            <p:ph idx="2" type="sldImg"/>
+            <p:ph type="sldImg" idx="2"/>
           </p:nvPr>
         </p:nvSpPr>
         <p:spPr>
           <a:xfrm>
-            <a:off x="381300" y="685800"/>
+            <a:off x="381000" y="685800"/>
             <a:ext cx="6096000" cy="3429000"/>
           </a:xfrm>
           <a:custGeom>
+            <a:avLst/>
+            <a:gdLst/>
+            <a:ahLst/>
+            <a:cxnLst/>
+            <a:rect l="0" t="0" r="0" b="0"/>
             <a:pathLst>
-              <a:path extrusionOk="0" h="120000" w="120000">
+              <a:path w="120000" h="120000" extrusionOk="0">
                 <a:moveTo>
                   <a:pt x="0" y="0"/>
                 </a:moveTo>
@@ -632,9 +773,11 @@
       <p:sp>
         <p:nvSpPr>
           <p:cNvPr id="111" name="Shape 111"/>
-          <p:cNvSpPr txBox="1"/>
+          <p:cNvSpPr txBox="1">
+            <a:spLocks noGrp="1"/>
+          </p:cNvSpPr>
           <p:nvPr>
-            <p:ph idx="1" type="body"/>
+            <p:ph type="body" idx="1"/>
           </p:nvPr>
         </p:nvSpPr>
         <p:spPr>
@@ -647,7 +790,7 @@
           </a:prstGeom>
         </p:spPr>
         <p:txBody>
-          <a:bodyPr anchorCtr="0" anchor="t" bIns="91425" lIns="91425" rIns="91425" tIns="91425">
+          <a:bodyPr lIns="91425" tIns="91425" rIns="91425" bIns="91425" anchor="t" anchorCtr="0">
             <a:noAutofit/>
           </a:bodyPr>
           <a:lstStyle/>
@@ -658,14 +801,16 @@
               </a:spcBef>
               <a:buNone/>
             </a:pPr>
-            <a:r>
-              <a:t/>
-            </a:r>
             <a:endParaRPr/>
           </a:p>
         </p:txBody>
       </p:sp>
     </p:spTree>
+    <p:extLst>
+      <p:ext uri="{BB962C8B-B14F-4D97-AF65-F5344CB8AC3E}">
+        <p14:creationId xmlns:p14="http://schemas.microsoft.com/office/powerpoint/2010/main" val="3090385207"/>
+      </p:ext>
+    </p:extLst>
   </p:cSld>
   <p:clrMapOvr>
     <a:masterClrMapping/>
@@ -674,11 +819,11 @@
 </file>
 
 <file path=ppt/notesSlides/notesSlide4.xml><?xml version="1.0" encoding="utf-8"?>
-<p:notes xmlns:a="http://schemas.openxmlformats.org/drawingml/2006/main" xmlns:r="http://schemas.openxmlformats.org/officeDocument/2006/relationships" xmlns:mc="http://schemas.openxmlformats.org/markup-compatibility/2006" xmlns:mv="urn:schemas-microsoft-com:mac:vml" xmlns:p="http://schemas.openxmlformats.org/presentationml/2006/main" xmlns:c="http://schemas.openxmlformats.org/drawingml/2006/chart" xmlns:dgm="http://schemas.openxmlformats.org/drawingml/2006/diagram" xmlns:o="urn:schemas-microsoft-com:office:office" xmlns:v="urn:schemas-microsoft-com:vml" xmlns:pvml="urn:schemas-microsoft-com:office:powerpoint" xmlns:com="http://schemas.openxmlformats.org/drawingml/2006/compatibility" xmlns:p14="http://schemas.microsoft.com/office/powerpoint/2010/main" showMasterPhAnim="0" showMasterSp="0">
+<p:notes xmlns:a="http://schemas.openxmlformats.org/drawingml/2006/main" xmlns:r="http://schemas.openxmlformats.org/officeDocument/2006/relationships" xmlns:p="http://schemas.openxmlformats.org/presentationml/2006/main" showMasterSp="0" showMasterPhAnim="0">
   <p:cSld>
     <p:spTree>
       <p:nvGrpSpPr>
-        <p:cNvPr id="117" name="Shape 117"/>
+        <p:cNvPr id="1" name="Shape 117"/>
         <p:cNvGrpSpPr/>
         <p:nvPr/>
       </p:nvGrpSpPr>
@@ -693,19 +838,26 @@
       <p:sp>
         <p:nvSpPr>
           <p:cNvPr id="118" name="Shape 118"/>
-          <p:cNvSpPr/>
+          <p:cNvSpPr>
+            <a:spLocks noGrp="1" noRot="1" noChangeAspect="1"/>
+          </p:cNvSpPr>
           <p:nvPr>
-            <p:ph idx="2" type="sldImg"/>
+            <p:ph type="sldImg" idx="2"/>
           </p:nvPr>
         </p:nvSpPr>
         <p:spPr>
           <a:xfrm>
-            <a:off x="381300" y="685800"/>
+            <a:off x="381000" y="685800"/>
             <a:ext cx="6096000" cy="3429000"/>
           </a:xfrm>
           <a:custGeom>
+            <a:avLst/>
+            <a:gdLst/>
+            <a:ahLst/>
+            <a:cxnLst/>
+            <a:rect l="0" t="0" r="0" b="0"/>
             <a:pathLst>
-              <a:path extrusionOk="0" h="120000" w="120000">
+              <a:path w="120000" h="120000" extrusionOk="0">
                 <a:moveTo>
                   <a:pt x="0" y="0"/>
                 </a:moveTo>
@@ -727,9 +879,11 @@
       <p:sp>
         <p:nvSpPr>
           <p:cNvPr id="119" name="Shape 119"/>
-          <p:cNvSpPr txBox="1"/>
+          <p:cNvSpPr txBox="1">
+            <a:spLocks noGrp="1"/>
+          </p:cNvSpPr>
           <p:nvPr>
-            <p:ph idx="1" type="body"/>
+            <p:ph type="body" idx="1"/>
           </p:nvPr>
         </p:nvSpPr>
         <p:spPr>
@@ -742,7 +896,7 @@
           </a:prstGeom>
         </p:spPr>
         <p:txBody>
-          <a:bodyPr anchorCtr="0" anchor="t" bIns="91425" lIns="91425" rIns="91425" tIns="91425">
+          <a:bodyPr lIns="91425" tIns="91425" rIns="91425" bIns="91425" anchor="t" anchorCtr="0">
             <a:noAutofit/>
           </a:bodyPr>
           <a:lstStyle/>
@@ -753,14 +907,16 @@
               </a:spcBef>
               <a:buNone/>
             </a:pPr>
-            <a:r>
-              <a:t/>
-            </a:r>
             <a:endParaRPr/>
           </a:p>
         </p:txBody>
       </p:sp>
     </p:spTree>
+    <p:extLst>
+      <p:ext uri="{BB962C8B-B14F-4D97-AF65-F5344CB8AC3E}">
+        <p14:creationId xmlns:p14="http://schemas.microsoft.com/office/powerpoint/2010/main" val="1867077834"/>
+      </p:ext>
+    </p:extLst>
   </p:cSld>
   <p:clrMapOvr>
     <a:masterClrMapping/>
@@ -769,11 +925,11 @@
 </file>
 
 <file path=ppt/notesSlides/notesSlide5.xml><?xml version="1.0" encoding="utf-8"?>
-<p:notes xmlns:a="http://schemas.openxmlformats.org/drawingml/2006/main" xmlns:r="http://schemas.openxmlformats.org/officeDocument/2006/relationships" xmlns:mc="http://schemas.openxmlformats.org/markup-compatibility/2006" xmlns:mv="urn:schemas-microsoft-com:mac:vml" xmlns:p="http://schemas.openxmlformats.org/presentationml/2006/main" xmlns:c="http://schemas.openxmlformats.org/drawingml/2006/chart" xmlns:dgm="http://schemas.openxmlformats.org/drawingml/2006/diagram" xmlns:o="urn:schemas-microsoft-com:office:office" xmlns:v="urn:schemas-microsoft-com:vml" xmlns:pvml="urn:schemas-microsoft-com:office:powerpoint" xmlns:com="http://schemas.openxmlformats.org/drawingml/2006/compatibility" xmlns:p14="http://schemas.microsoft.com/office/powerpoint/2010/main" showMasterPhAnim="0" showMasterSp="0">
+<p:notes xmlns:a="http://schemas.openxmlformats.org/drawingml/2006/main" xmlns:r="http://schemas.openxmlformats.org/officeDocument/2006/relationships" xmlns:p="http://schemas.openxmlformats.org/presentationml/2006/main" showMasterSp="0" showMasterPhAnim="0">
   <p:cSld>
     <p:spTree>
       <p:nvGrpSpPr>
-        <p:cNvPr id="123" name="Shape 123"/>
+        <p:cNvPr id="1" name="Shape 123"/>
         <p:cNvGrpSpPr/>
         <p:nvPr/>
       </p:nvGrpSpPr>
@@ -788,19 +944,26 @@
       <p:sp>
         <p:nvSpPr>
           <p:cNvPr id="124" name="Shape 124"/>
-          <p:cNvSpPr/>
+          <p:cNvSpPr>
+            <a:spLocks noGrp="1" noRot="1" noChangeAspect="1"/>
+          </p:cNvSpPr>
           <p:nvPr>
-            <p:ph idx="2" type="sldImg"/>
+            <p:ph type="sldImg" idx="2"/>
           </p:nvPr>
         </p:nvSpPr>
         <p:spPr>
           <a:xfrm>
-            <a:off x="381300" y="685800"/>
+            <a:off x="381000" y="685800"/>
             <a:ext cx="6096000" cy="3429000"/>
           </a:xfrm>
           <a:custGeom>
+            <a:avLst/>
+            <a:gdLst/>
+            <a:ahLst/>
+            <a:cxnLst/>
+            <a:rect l="0" t="0" r="0" b="0"/>
             <a:pathLst>
-              <a:path extrusionOk="0" h="120000" w="120000">
+              <a:path w="120000" h="120000" extrusionOk="0">
                 <a:moveTo>
                   <a:pt x="0" y="0"/>
                 </a:moveTo>
@@ -822,9 +985,11 @@
       <p:sp>
         <p:nvSpPr>
           <p:cNvPr id="125" name="Shape 125"/>
-          <p:cNvSpPr txBox="1"/>
+          <p:cNvSpPr txBox="1">
+            <a:spLocks noGrp="1"/>
+          </p:cNvSpPr>
           <p:nvPr>
-            <p:ph idx="1" type="body"/>
+            <p:ph type="body" idx="1"/>
           </p:nvPr>
         </p:nvSpPr>
         <p:spPr>
@@ -837,7 +1002,7 @@
           </a:prstGeom>
         </p:spPr>
         <p:txBody>
-          <a:bodyPr anchorCtr="0" anchor="t" bIns="91425" lIns="91425" rIns="91425" tIns="91425">
+          <a:bodyPr lIns="91425" tIns="91425" rIns="91425" bIns="91425" anchor="t" anchorCtr="0">
             <a:noAutofit/>
           </a:bodyPr>
           <a:lstStyle/>
@@ -848,14 +1013,16 @@
               </a:spcBef>
               <a:buNone/>
             </a:pPr>
-            <a:r>
-              <a:t/>
-            </a:r>
             <a:endParaRPr/>
           </a:p>
         </p:txBody>
       </p:sp>
     </p:spTree>
+    <p:extLst>
+      <p:ext uri="{BB962C8B-B14F-4D97-AF65-F5344CB8AC3E}">
+        <p14:creationId xmlns:p14="http://schemas.microsoft.com/office/powerpoint/2010/main" val="1894161258"/>
+      </p:ext>
+    </p:extLst>
   </p:cSld>
   <p:clrMapOvr>
     <a:masterClrMapping/>
@@ -864,106 +1031,11 @@
 </file>
 
 <file path=ppt/notesSlides/notesSlide6.xml><?xml version="1.0" encoding="utf-8"?>
-<p:notes xmlns:a="http://schemas.openxmlformats.org/drawingml/2006/main" xmlns:r="http://schemas.openxmlformats.org/officeDocument/2006/relationships" xmlns:mc="http://schemas.openxmlformats.org/markup-compatibility/2006" xmlns:mv="urn:schemas-microsoft-com:mac:vml" xmlns:p="http://schemas.openxmlformats.org/presentationml/2006/main" xmlns:c="http://schemas.openxmlformats.org/drawingml/2006/chart" xmlns:dgm="http://schemas.openxmlformats.org/drawingml/2006/diagram" xmlns:o="urn:schemas-microsoft-com:office:office" xmlns:v="urn:schemas-microsoft-com:vml" xmlns:pvml="urn:schemas-microsoft-com:office:powerpoint" xmlns:com="http://schemas.openxmlformats.org/drawingml/2006/compatibility" xmlns:p14="http://schemas.microsoft.com/office/powerpoint/2010/main" showMasterPhAnim="0" showMasterSp="0">
+<p:notes xmlns:a="http://schemas.openxmlformats.org/drawingml/2006/main" xmlns:r="http://schemas.openxmlformats.org/officeDocument/2006/relationships" xmlns:p="http://schemas.openxmlformats.org/presentationml/2006/main" showMasterSp="0" showMasterPhAnim="0">
   <p:cSld>
     <p:spTree>
       <p:nvGrpSpPr>
-        <p:cNvPr id="137" name="Shape 137"/>
-        <p:cNvGrpSpPr/>
-        <p:nvPr/>
-      </p:nvGrpSpPr>
-      <p:grpSpPr>
-        <a:xfrm>
-          <a:off x="0" y="0"/>
-          <a:ext cx="0" cy="0"/>
-          <a:chOff x="0" y="0"/>
-          <a:chExt cx="0" cy="0"/>
-        </a:xfrm>
-      </p:grpSpPr>
-      <p:sp>
-        <p:nvSpPr>
-          <p:cNvPr id="138" name="Shape 138"/>
-          <p:cNvSpPr/>
-          <p:nvPr>
-            <p:ph idx="2" type="sldImg"/>
-          </p:nvPr>
-        </p:nvSpPr>
-        <p:spPr>
-          <a:xfrm>
-            <a:off x="381300" y="685800"/>
-            <a:ext cx="6096000" cy="3429000"/>
-          </a:xfrm>
-          <a:custGeom>
-            <a:pathLst>
-              <a:path extrusionOk="0" h="120000" w="120000">
-                <a:moveTo>
-                  <a:pt x="0" y="0"/>
-                </a:moveTo>
-                <a:lnTo>
-                  <a:pt x="120000" y="0"/>
-                </a:lnTo>
-                <a:lnTo>
-                  <a:pt x="120000" y="120000"/>
-                </a:lnTo>
-                <a:lnTo>
-                  <a:pt x="0" y="120000"/>
-                </a:lnTo>
-                <a:close/>
-              </a:path>
-            </a:pathLst>
-          </a:custGeom>
-        </p:spPr>
-      </p:sp>
-      <p:sp>
-        <p:nvSpPr>
-          <p:cNvPr id="139" name="Shape 139"/>
-          <p:cNvSpPr txBox="1"/>
-          <p:nvPr>
-            <p:ph idx="1" type="body"/>
-          </p:nvPr>
-        </p:nvSpPr>
-        <p:spPr>
-          <a:xfrm>
-            <a:off x="685800" y="4343400"/>
-            <a:ext cx="5486400" cy="4114800"/>
-          </a:xfrm>
-          <a:prstGeom prst="rect">
-            <a:avLst/>
-          </a:prstGeom>
-        </p:spPr>
-        <p:txBody>
-          <a:bodyPr anchorCtr="0" anchor="t" bIns="91425" lIns="91425" rIns="91425" tIns="91425">
-            <a:noAutofit/>
-          </a:bodyPr>
-          <a:lstStyle/>
-          <a:p>
-            <a:pPr lvl="0" rtl="0">
-              <a:spcBef>
-                <a:spcPts val="0"/>
-              </a:spcBef>
-              <a:buNone/>
-            </a:pPr>
-            <a:r>
-              <a:t/>
-            </a:r>
-            <a:endParaRPr/>
-          </a:p>
-        </p:txBody>
-      </p:sp>
-    </p:spTree>
-  </p:cSld>
-  <p:clrMapOvr>
-    <a:masterClrMapping/>
-  </p:clrMapOvr>
-</p:notes>
-</file>
-
-<file path=ppt/notesSlides/notesSlide7.xml><?xml version="1.0" encoding="utf-8"?>
-<p:notes xmlns:a="http://schemas.openxmlformats.org/drawingml/2006/main" xmlns:r="http://schemas.openxmlformats.org/officeDocument/2006/relationships" xmlns:mc="http://schemas.openxmlformats.org/markup-compatibility/2006" xmlns:mv="urn:schemas-microsoft-com:mac:vml" xmlns:p="http://schemas.openxmlformats.org/presentationml/2006/main" xmlns:c="http://schemas.openxmlformats.org/drawingml/2006/chart" xmlns:dgm="http://schemas.openxmlformats.org/drawingml/2006/diagram" xmlns:o="urn:schemas-microsoft-com:office:office" xmlns:v="urn:schemas-microsoft-com:vml" xmlns:pvml="urn:schemas-microsoft-com:office:powerpoint" xmlns:com="http://schemas.openxmlformats.org/drawingml/2006/compatibility" xmlns:p14="http://schemas.microsoft.com/office/powerpoint/2010/main" showMasterPhAnim="0" showMasterSp="0">
-  <p:cSld>
-    <p:spTree>
-      <p:nvGrpSpPr>
-        <p:cNvPr id="149" name="Shape 149"/>
+        <p:cNvPr id="1" name="Shape 149"/>
         <p:cNvGrpSpPr/>
         <p:nvPr/>
       </p:nvGrpSpPr>
@@ -978,19 +1050,26 @@
       <p:sp>
         <p:nvSpPr>
           <p:cNvPr id="150" name="Shape 150"/>
-          <p:cNvSpPr/>
+          <p:cNvSpPr>
+            <a:spLocks noGrp="1" noRot="1" noChangeAspect="1"/>
+          </p:cNvSpPr>
           <p:nvPr>
-            <p:ph idx="2" type="sldImg"/>
+            <p:ph type="sldImg" idx="2"/>
           </p:nvPr>
         </p:nvSpPr>
         <p:spPr>
           <a:xfrm>
-            <a:off x="381300" y="685800"/>
+            <a:off x="381000" y="685800"/>
             <a:ext cx="6096000" cy="3429000"/>
           </a:xfrm>
           <a:custGeom>
+            <a:avLst/>
+            <a:gdLst/>
+            <a:ahLst/>
+            <a:cxnLst/>
+            <a:rect l="0" t="0" r="0" b="0"/>
             <a:pathLst>
-              <a:path extrusionOk="0" h="120000" w="120000">
+              <a:path w="120000" h="120000" extrusionOk="0">
                 <a:moveTo>
                   <a:pt x="0" y="0"/>
                 </a:moveTo>
@@ -1012,9 +1091,11 @@
       <p:sp>
         <p:nvSpPr>
           <p:cNvPr id="151" name="Shape 151"/>
-          <p:cNvSpPr txBox="1"/>
+          <p:cNvSpPr txBox="1">
+            <a:spLocks noGrp="1"/>
+          </p:cNvSpPr>
           <p:nvPr>
-            <p:ph idx="1" type="body"/>
+            <p:ph type="body" idx="1"/>
           </p:nvPr>
         </p:nvSpPr>
         <p:spPr>
@@ -1027,7 +1108,7 @@
           </a:prstGeom>
         </p:spPr>
         <p:txBody>
-          <a:bodyPr anchorCtr="0" anchor="t" bIns="91425" lIns="91425" rIns="91425" tIns="91425">
+          <a:bodyPr lIns="91425" tIns="91425" rIns="91425" bIns="91425" anchor="t" anchorCtr="0">
             <a:noAutofit/>
           </a:bodyPr>
           <a:lstStyle/>
@@ -1038,14 +1119,16 @@
               </a:spcBef>
               <a:buNone/>
             </a:pPr>
-            <a:r>
-              <a:t/>
-            </a:r>
             <a:endParaRPr/>
           </a:p>
         </p:txBody>
       </p:sp>
     </p:spTree>
+    <p:extLst>
+      <p:ext uri="{BB962C8B-B14F-4D97-AF65-F5344CB8AC3E}">
+        <p14:creationId xmlns:p14="http://schemas.microsoft.com/office/powerpoint/2010/main" val="1905913646"/>
+      </p:ext>
+    </p:extLst>
   </p:cSld>
   <p:clrMapOvr>
     <a:masterClrMapping/>
@@ -1053,12 +1136,12 @@
 </p:notes>
 </file>
 
-<file path=ppt/notesSlides/notesSlide8.xml><?xml version="1.0" encoding="utf-8"?>
-<p:notes xmlns:a="http://schemas.openxmlformats.org/drawingml/2006/main" xmlns:r="http://schemas.openxmlformats.org/officeDocument/2006/relationships" xmlns:mc="http://schemas.openxmlformats.org/markup-compatibility/2006" xmlns:mv="urn:schemas-microsoft-com:mac:vml" xmlns:p="http://schemas.openxmlformats.org/presentationml/2006/main" xmlns:c="http://schemas.openxmlformats.org/drawingml/2006/chart" xmlns:dgm="http://schemas.openxmlformats.org/drawingml/2006/diagram" xmlns:o="urn:schemas-microsoft-com:office:office" xmlns:v="urn:schemas-microsoft-com:vml" xmlns:pvml="urn:schemas-microsoft-com:office:powerpoint" xmlns:com="http://schemas.openxmlformats.org/drawingml/2006/compatibility" xmlns:p14="http://schemas.microsoft.com/office/powerpoint/2010/main" showMasterPhAnim="0" showMasterSp="0">
+<file path=ppt/notesSlides/notesSlide7.xml><?xml version="1.0" encoding="utf-8"?>
+<p:notes xmlns:a="http://schemas.openxmlformats.org/drawingml/2006/main" xmlns:r="http://schemas.openxmlformats.org/officeDocument/2006/relationships" xmlns:p="http://schemas.openxmlformats.org/presentationml/2006/main" showMasterSp="0" showMasterPhAnim="0">
   <p:cSld>
     <p:spTree>
       <p:nvGrpSpPr>
-        <p:cNvPr id="156" name="Shape 156"/>
+        <p:cNvPr id="1" name="Shape 156"/>
         <p:cNvGrpSpPr/>
         <p:nvPr/>
       </p:nvGrpSpPr>
@@ -1073,19 +1156,26 @@
       <p:sp>
         <p:nvSpPr>
           <p:cNvPr id="157" name="Shape 157"/>
-          <p:cNvSpPr/>
+          <p:cNvSpPr>
+            <a:spLocks noGrp="1" noRot="1" noChangeAspect="1"/>
+          </p:cNvSpPr>
           <p:nvPr>
-            <p:ph idx="2" type="sldImg"/>
+            <p:ph type="sldImg" idx="2"/>
           </p:nvPr>
         </p:nvSpPr>
         <p:spPr>
           <a:xfrm>
-            <a:off x="381300" y="685800"/>
+            <a:off x="381000" y="685800"/>
             <a:ext cx="6096000" cy="3429000"/>
           </a:xfrm>
           <a:custGeom>
+            <a:avLst/>
+            <a:gdLst/>
+            <a:ahLst/>
+            <a:cxnLst/>
+            <a:rect l="0" t="0" r="0" b="0"/>
             <a:pathLst>
-              <a:path extrusionOk="0" h="120000" w="120000">
+              <a:path w="120000" h="120000" extrusionOk="0">
                 <a:moveTo>
                   <a:pt x="0" y="0"/>
                 </a:moveTo>
@@ -1107,9 +1197,11 @@
       <p:sp>
         <p:nvSpPr>
           <p:cNvPr id="158" name="Shape 158"/>
-          <p:cNvSpPr txBox="1"/>
+          <p:cNvSpPr txBox="1">
+            <a:spLocks noGrp="1"/>
+          </p:cNvSpPr>
           <p:nvPr>
-            <p:ph idx="1" type="body"/>
+            <p:ph type="body" idx="1"/>
           </p:nvPr>
         </p:nvSpPr>
         <p:spPr>
@@ -1122,7 +1214,7 @@
           </a:prstGeom>
         </p:spPr>
         <p:txBody>
-          <a:bodyPr anchorCtr="0" anchor="t" bIns="91425" lIns="91425" rIns="91425" tIns="91425">
+          <a:bodyPr lIns="91425" tIns="91425" rIns="91425" bIns="91425" anchor="t" anchorCtr="0">
             <a:noAutofit/>
           </a:bodyPr>
           <a:lstStyle/>
@@ -1133,14 +1225,16 @@
               </a:spcBef>
               <a:buNone/>
             </a:pPr>
-            <a:r>
-              <a:t/>
-            </a:r>
             <a:endParaRPr/>
           </a:p>
         </p:txBody>
       </p:sp>
     </p:spTree>
+    <p:extLst>
+      <p:ext uri="{BB962C8B-B14F-4D97-AF65-F5344CB8AC3E}">
+        <p14:creationId xmlns:p14="http://schemas.microsoft.com/office/powerpoint/2010/main" val="2420788253"/>
+      </p:ext>
+    </p:extLst>
   </p:cSld>
   <p:clrMapOvr>
     <a:masterClrMapping/>
@@ -1148,12 +1242,12 @@
 </p:notes>
 </file>
 
-<file path=ppt/notesSlides/notesSlide9.xml><?xml version="1.0" encoding="utf-8"?>
-<p:notes xmlns:a="http://schemas.openxmlformats.org/drawingml/2006/main" xmlns:r="http://schemas.openxmlformats.org/officeDocument/2006/relationships" xmlns:mc="http://schemas.openxmlformats.org/markup-compatibility/2006" xmlns:mv="urn:schemas-microsoft-com:mac:vml" xmlns:p="http://schemas.openxmlformats.org/presentationml/2006/main" xmlns:c="http://schemas.openxmlformats.org/drawingml/2006/chart" xmlns:dgm="http://schemas.openxmlformats.org/drawingml/2006/diagram" xmlns:o="urn:schemas-microsoft-com:office:office" xmlns:v="urn:schemas-microsoft-com:vml" xmlns:pvml="urn:schemas-microsoft-com:office:powerpoint" xmlns:com="http://schemas.openxmlformats.org/drawingml/2006/compatibility" xmlns:p14="http://schemas.microsoft.com/office/powerpoint/2010/main" showMasterPhAnim="0" showMasterSp="0">
+<file path=ppt/notesSlides/notesSlide8.xml><?xml version="1.0" encoding="utf-8"?>
+<p:notes xmlns:a="http://schemas.openxmlformats.org/drawingml/2006/main" xmlns:r="http://schemas.openxmlformats.org/officeDocument/2006/relationships" xmlns:p="http://schemas.openxmlformats.org/presentationml/2006/main" showMasterSp="0" showMasterPhAnim="0">
   <p:cSld>
     <p:spTree>
       <p:nvGrpSpPr>
-        <p:cNvPr id="162" name="Shape 162"/>
+        <p:cNvPr id="1" name="Shape 162"/>
         <p:cNvGrpSpPr/>
         <p:nvPr/>
       </p:nvGrpSpPr>
@@ -1168,19 +1262,26 @@
       <p:sp>
         <p:nvSpPr>
           <p:cNvPr id="163" name="Shape 163"/>
-          <p:cNvSpPr/>
+          <p:cNvSpPr>
+            <a:spLocks noGrp="1" noRot="1" noChangeAspect="1"/>
+          </p:cNvSpPr>
           <p:nvPr>
-            <p:ph idx="2" type="sldImg"/>
+            <p:ph type="sldImg" idx="2"/>
           </p:nvPr>
         </p:nvSpPr>
         <p:spPr>
           <a:xfrm>
-            <a:off x="381300" y="685800"/>
+            <a:off x="381000" y="685800"/>
             <a:ext cx="6096000" cy="3429000"/>
           </a:xfrm>
           <a:custGeom>
+            <a:avLst/>
+            <a:gdLst/>
+            <a:ahLst/>
+            <a:cxnLst/>
+            <a:rect l="0" t="0" r="0" b="0"/>
             <a:pathLst>
-              <a:path extrusionOk="0" h="120000" w="120000">
+              <a:path w="120000" h="120000" extrusionOk="0">
                 <a:moveTo>
                   <a:pt x="0" y="0"/>
                 </a:moveTo>
@@ -1202,9 +1303,11 @@
       <p:sp>
         <p:nvSpPr>
           <p:cNvPr id="164" name="Shape 164"/>
-          <p:cNvSpPr txBox="1"/>
+          <p:cNvSpPr txBox="1">
+            <a:spLocks noGrp="1"/>
+          </p:cNvSpPr>
           <p:nvPr>
-            <p:ph idx="1" type="body"/>
+            <p:ph type="body" idx="1"/>
           </p:nvPr>
         </p:nvSpPr>
         <p:spPr>
@@ -1217,7 +1320,7 @@
           </a:prstGeom>
         </p:spPr>
         <p:txBody>
-          <a:bodyPr anchorCtr="0" anchor="t" bIns="91425" lIns="91425" rIns="91425" tIns="91425">
+          <a:bodyPr lIns="91425" tIns="91425" rIns="91425" bIns="91425" anchor="t" anchorCtr="0">
             <a:noAutofit/>
           </a:bodyPr>
           <a:lstStyle/>
@@ -1228,14 +1331,16 @@
               </a:spcBef>
               <a:buNone/>
             </a:pPr>
-            <a:r>
-              <a:t/>
-            </a:r>
             <a:endParaRPr/>
           </a:p>
         </p:txBody>
       </p:sp>
     </p:spTree>
+    <p:extLst>
+      <p:ext uri="{BB962C8B-B14F-4D97-AF65-F5344CB8AC3E}">
+        <p14:creationId xmlns:p14="http://schemas.microsoft.com/office/powerpoint/2010/main" val="3205064261"/>
+      </p:ext>
+    </p:extLst>
   </p:cSld>
   <p:clrMapOvr>
     <a:masterClrMapping/>
@@ -1244,11 +1349,11 @@
 </file>
 
 <file path=ppt/slideLayouts/slideLayout1.xml><?xml version="1.0" encoding="utf-8"?>
-<p:sldLayout xmlns:a="http://schemas.openxmlformats.org/drawingml/2006/main" xmlns:r="http://schemas.openxmlformats.org/officeDocument/2006/relationships" xmlns:mc="http://schemas.openxmlformats.org/markup-compatibility/2006" xmlns:mv="urn:schemas-microsoft-com:mac:vml" xmlns:p="http://schemas.openxmlformats.org/presentationml/2006/main" xmlns:c="http://schemas.openxmlformats.org/drawingml/2006/chart" xmlns:dgm="http://schemas.openxmlformats.org/drawingml/2006/diagram" xmlns:o="urn:schemas-microsoft-com:office:office" xmlns:v="urn:schemas-microsoft-com:vml" xmlns:pvml="urn:schemas-microsoft-com:office:powerpoint" xmlns:com="http://schemas.openxmlformats.org/drawingml/2006/compatibility" xmlns:p14="http://schemas.microsoft.com/office/powerpoint/2010/main" type="title">
+<p:sldLayout xmlns:a="http://schemas.openxmlformats.org/drawingml/2006/main" xmlns:r="http://schemas.openxmlformats.org/officeDocument/2006/relationships" xmlns:p="http://schemas.openxmlformats.org/presentationml/2006/main" type="title">
   <p:cSld name="Title slide">
     <p:spTree>
       <p:nvGrpSpPr>
-        <p:cNvPr id="9" name="Shape 9"/>
+        <p:cNvPr id="1" name="Shape 9"/>
         <p:cNvGrpSpPr/>
         <p:nvPr/>
       </p:nvGrpSpPr>
@@ -1275,21 +1380,23 @@
             <a:avLst/>
           </a:prstGeom>
           <a:noFill/>
-          <a:ln cap="flat" cmpd="sng" w="76200">
+          <a:ln w="76200" cap="flat" cmpd="sng">
             <a:solidFill>
               <a:schemeClr val="dk1"/>
             </a:solidFill>
             <a:prstDash val="solid"/>
             <a:round/>
-            <a:headEnd len="med" w="med" type="none"/>
-            <a:tailEnd len="med" w="med" type="none"/>
+            <a:headEnd type="none" w="med" len="med"/>
+            <a:tailEnd type="none" w="med" len="med"/>
           </a:ln>
         </p:spPr>
       </p:cxnSp>
       <p:sp>
         <p:nvSpPr>
           <p:cNvPr id="11" name="Shape 11"/>
-          <p:cNvSpPr txBox="1"/>
+          <p:cNvSpPr txBox="1">
+            <a:spLocks noGrp="1"/>
+          </p:cNvSpPr>
           <p:nvPr>
             <p:ph type="ctrTitle"/>
           </p:nvPr>
@@ -1304,7 +1411,7 @@
           </a:prstGeom>
         </p:spPr>
         <p:txBody>
-          <a:bodyPr anchorCtr="0" anchor="b" bIns="91425" lIns="91425" rIns="91425" tIns="91425"/>
+          <a:bodyPr lIns="91425" tIns="91425" rIns="91425" bIns="91425" anchor="b" anchorCtr="0"/>
           <a:lstStyle>
             <a:lvl1pPr lvl="0" algn="ctr">
               <a:spcBef>
@@ -1370,15 +1477,19 @@
               <a:defRPr sz="5400"/>
             </a:lvl9pPr>
           </a:lstStyle>
-          <a:p/>
+          <a:p>
+            <a:endParaRPr/>
+          </a:p>
         </p:txBody>
       </p:sp>
       <p:sp>
         <p:nvSpPr>
           <p:cNvPr id="12" name="Shape 12"/>
-          <p:cNvSpPr txBox="1"/>
+          <p:cNvSpPr txBox="1">
+            <a:spLocks noGrp="1"/>
+          </p:cNvSpPr>
           <p:nvPr>
-            <p:ph idx="1" type="subTitle"/>
+            <p:ph type="subTitle" idx="1"/>
           </p:nvPr>
         </p:nvSpPr>
         <p:spPr>
@@ -1391,7 +1502,7 @@
           </a:prstGeom>
         </p:spPr>
         <p:txBody>
-          <a:bodyPr anchorCtr="0" anchor="t" bIns="91425" lIns="91425" rIns="91425" tIns="91425"/>
+          <a:bodyPr lIns="91425" tIns="91425" rIns="91425" bIns="91425" anchor="t" anchorCtr="0"/>
           <a:lstStyle>
             <a:lvl1pPr lvl="0" algn="ctr">
               <a:lnSpc>
@@ -1520,15 +1631,19 @@
               <a:defRPr sz="2400"/>
             </a:lvl9pPr>
           </a:lstStyle>
-          <a:p/>
+          <a:p>
+            <a:endParaRPr/>
+          </a:p>
         </p:txBody>
       </p:sp>
       <p:sp>
         <p:nvSpPr>
           <p:cNvPr id="13" name="Shape 13"/>
-          <p:cNvSpPr txBox="1"/>
+          <p:cNvSpPr txBox="1">
+            <a:spLocks noGrp="1"/>
+          </p:cNvSpPr>
           <p:nvPr>
-            <p:ph idx="12" type="sldNum"/>
+            <p:ph type="sldNum" idx="12"/>
           </p:nvPr>
         </p:nvSpPr>
         <p:spPr>
@@ -1541,7 +1656,7 @@
           </a:prstGeom>
         </p:spPr>
         <p:txBody>
-          <a:bodyPr anchorCtr="0" anchor="ctr" bIns="91425" lIns="91425" rIns="91425" tIns="91425">
+          <a:bodyPr lIns="91425" tIns="91425" rIns="91425" bIns="91425" anchor="ctr" anchorCtr="0">
             <a:noAutofit/>
           </a:bodyPr>
           <a:lstStyle/>
@@ -1556,6 +1671,7 @@
               <a:rPr lang="vi"/>
               <a:t>‹#›</a:t>
             </a:fld>
+            <a:endParaRPr lang="vi"/>
           </a:p>
         </p:txBody>
       </p:sp>
@@ -1568,11 +1684,11 @@
 </file>
 
 <file path=ppt/slideLayouts/slideLayout10.xml><?xml version="1.0" encoding="utf-8"?>
-<p:sldLayout xmlns:a="http://schemas.openxmlformats.org/drawingml/2006/main" xmlns:r="http://schemas.openxmlformats.org/officeDocument/2006/relationships" xmlns:mc="http://schemas.openxmlformats.org/markup-compatibility/2006" xmlns:mv="urn:schemas-microsoft-com:mac:vml" xmlns:p="http://schemas.openxmlformats.org/presentationml/2006/main" xmlns:c="http://schemas.openxmlformats.org/drawingml/2006/chart" xmlns:dgm="http://schemas.openxmlformats.org/drawingml/2006/diagram" xmlns:o="urn:schemas-microsoft-com:office:office" xmlns:v="urn:schemas-microsoft-com:vml" xmlns:pvml="urn:schemas-microsoft-com:office:powerpoint" xmlns:com="http://schemas.openxmlformats.org/drawingml/2006/compatibility" xmlns:p14="http://schemas.microsoft.com/office/powerpoint/2010/main">
+<p:sldLayout xmlns:a="http://schemas.openxmlformats.org/drawingml/2006/main" xmlns:r="http://schemas.openxmlformats.org/officeDocument/2006/relationships" xmlns:p="http://schemas.openxmlformats.org/presentationml/2006/main">
   <p:cSld name="Big number">
     <p:spTree>
       <p:nvGrpSpPr>
-        <p:cNvPr id="46" name="Shape 46"/>
+        <p:cNvPr id="1" name="Shape 46"/>
         <p:cNvGrpSpPr/>
         <p:nvPr/>
       </p:nvGrpSpPr>
@@ -1587,7 +1703,9 @@
       <p:sp>
         <p:nvSpPr>
           <p:cNvPr id="47" name="Shape 47"/>
-          <p:cNvSpPr txBox="1"/>
+          <p:cNvSpPr txBox="1">
+            <a:spLocks noGrp="1"/>
+          </p:cNvSpPr>
           <p:nvPr>
             <p:ph type="title"/>
           </p:nvPr>
@@ -1602,7 +1720,7 @@
           </a:prstGeom>
         </p:spPr>
         <p:txBody>
-          <a:bodyPr anchorCtr="0" anchor="ctr" bIns="91425" lIns="91425" rIns="91425" tIns="91425"/>
+          <a:bodyPr lIns="91425" tIns="91425" rIns="91425" bIns="91425" anchor="ctr" anchorCtr="0"/>
           <a:lstStyle>
             <a:lvl1pPr lvl="0" algn="ctr">
               <a:spcBef>
@@ -1731,15 +1849,19 @@
               </a:defRPr>
             </a:lvl9pPr>
           </a:lstStyle>
-          <a:p/>
+          <a:p>
+            <a:endParaRPr/>
+          </a:p>
         </p:txBody>
       </p:sp>
       <p:sp>
         <p:nvSpPr>
           <p:cNvPr id="48" name="Shape 48"/>
-          <p:cNvSpPr txBox="1"/>
+          <p:cNvSpPr txBox="1">
+            <a:spLocks noGrp="1"/>
+          </p:cNvSpPr>
           <p:nvPr>
-            <p:ph idx="1" type="body"/>
+            <p:ph type="body" idx="1"/>
           </p:nvPr>
         </p:nvSpPr>
         <p:spPr>
@@ -1752,7 +1874,7 @@
           </a:prstGeom>
         </p:spPr>
         <p:txBody>
-          <a:bodyPr anchorCtr="0" anchor="t" bIns="91425" lIns="91425" rIns="91425" tIns="91425"/>
+          <a:bodyPr lIns="91425" tIns="91425" rIns="91425" bIns="91425" anchor="t" anchorCtr="0"/>
           <a:lstStyle>
             <a:lvl1pPr lvl="0" algn="ctr">
               <a:spcBef>
@@ -1809,15 +1931,19 @@
               <a:defRPr/>
             </a:lvl9pPr>
           </a:lstStyle>
-          <a:p/>
+          <a:p>
+            <a:endParaRPr/>
+          </a:p>
         </p:txBody>
       </p:sp>
       <p:sp>
         <p:nvSpPr>
           <p:cNvPr id="49" name="Shape 49"/>
-          <p:cNvSpPr txBox="1"/>
+          <p:cNvSpPr txBox="1">
+            <a:spLocks noGrp="1"/>
+          </p:cNvSpPr>
           <p:nvPr>
-            <p:ph idx="12" type="sldNum"/>
+            <p:ph type="sldNum" idx="12"/>
           </p:nvPr>
         </p:nvSpPr>
         <p:spPr>
@@ -1830,7 +1956,7 @@
           </a:prstGeom>
         </p:spPr>
         <p:txBody>
-          <a:bodyPr anchorCtr="0" anchor="ctr" bIns="91425" lIns="91425" rIns="91425" tIns="91425">
+          <a:bodyPr lIns="91425" tIns="91425" rIns="91425" bIns="91425" anchor="ctr" anchorCtr="0">
             <a:noAutofit/>
           </a:bodyPr>
           <a:lstStyle/>
@@ -1845,6 +1971,7 @@
               <a:rPr lang="vi"/>
               <a:t>‹#›</a:t>
             </a:fld>
+            <a:endParaRPr lang="vi"/>
           </a:p>
         </p:txBody>
       </p:sp>
@@ -1857,11 +1984,11 @@
 </file>
 
 <file path=ppt/slideLayouts/slideLayout11.xml><?xml version="1.0" encoding="utf-8"?>
-<p:sldLayout xmlns:a="http://schemas.openxmlformats.org/drawingml/2006/main" xmlns:r="http://schemas.openxmlformats.org/officeDocument/2006/relationships" xmlns:mc="http://schemas.openxmlformats.org/markup-compatibility/2006" xmlns:mv="urn:schemas-microsoft-com:mac:vml" xmlns:p="http://schemas.openxmlformats.org/presentationml/2006/main" xmlns:c="http://schemas.openxmlformats.org/drawingml/2006/chart" xmlns:dgm="http://schemas.openxmlformats.org/drawingml/2006/diagram" xmlns:o="urn:schemas-microsoft-com:office:office" xmlns:v="urn:schemas-microsoft-com:vml" xmlns:pvml="urn:schemas-microsoft-com:office:powerpoint" xmlns:com="http://schemas.openxmlformats.org/drawingml/2006/compatibility" xmlns:p14="http://schemas.microsoft.com/office/powerpoint/2010/main" type="blank">
+<p:sldLayout xmlns:a="http://schemas.openxmlformats.org/drawingml/2006/main" xmlns:r="http://schemas.openxmlformats.org/officeDocument/2006/relationships" xmlns:p="http://schemas.openxmlformats.org/presentationml/2006/main" type="blank">
   <p:cSld name="Blank">
     <p:spTree>
       <p:nvGrpSpPr>
-        <p:cNvPr id="50" name="Shape 50"/>
+        <p:cNvPr id="1" name="Shape 50"/>
         <p:cNvGrpSpPr/>
         <p:nvPr/>
       </p:nvGrpSpPr>
@@ -1876,9 +2003,11 @@
       <p:sp>
         <p:nvSpPr>
           <p:cNvPr id="51" name="Shape 51"/>
-          <p:cNvSpPr txBox="1"/>
+          <p:cNvSpPr txBox="1">
+            <a:spLocks noGrp="1"/>
+          </p:cNvSpPr>
           <p:nvPr>
-            <p:ph idx="12" type="sldNum"/>
+            <p:ph type="sldNum" idx="12"/>
           </p:nvPr>
         </p:nvSpPr>
         <p:spPr>
@@ -1891,7 +2020,7 @@
           </a:prstGeom>
         </p:spPr>
         <p:txBody>
-          <a:bodyPr anchorCtr="0" anchor="ctr" bIns="91425" lIns="91425" rIns="91425" tIns="91425">
+          <a:bodyPr lIns="91425" tIns="91425" rIns="91425" bIns="91425" anchor="ctr" anchorCtr="0">
             <a:noAutofit/>
           </a:bodyPr>
           <a:lstStyle/>
@@ -1906,6 +2035,7 @@
               <a:rPr lang="vi"/>
               <a:t>‹#›</a:t>
             </a:fld>
+            <a:endParaRPr lang="vi"/>
           </a:p>
         </p:txBody>
       </p:sp>
@@ -1918,11 +2048,11 @@
 </file>
 
 <file path=ppt/slideLayouts/slideLayout12.xml><?xml version="1.0" encoding="utf-8"?>
-<p:sldLayout xmlns:a="http://schemas.openxmlformats.org/drawingml/2006/main" xmlns:r="http://schemas.openxmlformats.org/officeDocument/2006/relationships" xmlns:mc="http://schemas.openxmlformats.org/markup-compatibility/2006" xmlns:mv="urn:schemas-microsoft-com:mac:vml" xmlns:p="http://schemas.openxmlformats.org/presentationml/2006/main" xmlns:c="http://schemas.openxmlformats.org/drawingml/2006/chart" xmlns:dgm="http://schemas.openxmlformats.org/drawingml/2006/diagram" xmlns:o="urn:schemas-microsoft-com:office:office" xmlns:v="urn:schemas-microsoft-com:vml" xmlns:pvml="urn:schemas-microsoft-com:office:powerpoint" xmlns:com="http://schemas.openxmlformats.org/drawingml/2006/compatibility" xmlns:p14="http://schemas.microsoft.com/office/powerpoint/2010/main" type="title">
+<p:sldLayout xmlns:a="http://schemas.openxmlformats.org/drawingml/2006/main" xmlns:r="http://schemas.openxmlformats.org/officeDocument/2006/relationships" xmlns:p="http://schemas.openxmlformats.org/presentationml/2006/main" type="title">
   <p:cSld name="Title slide">
     <p:spTree>
       <p:nvGrpSpPr>
-        <p:cNvPr id="56" name="Shape 56"/>
+        <p:cNvPr id="1" name="Shape 56"/>
         <p:cNvGrpSpPr/>
         <p:nvPr/>
       </p:nvGrpSpPr>
@@ -1937,7 +2067,9 @@
       <p:sp>
         <p:nvSpPr>
           <p:cNvPr id="57" name="Shape 57"/>
-          <p:cNvSpPr txBox="1"/>
+          <p:cNvSpPr txBox="1">
+            <a:spLocks noGrp="1"/>
+          </p:cNvSpPr>
           <p:nvPr>
             <p:ph type="ctrTitle"/>
           </p:nvPr>
@@ -1952,65 +2084,65 @@
           </a:prstGeom>
         </p:spPr>
         <p:txBody>
-          <a:bodyPr anchorCtr="0" anchor="b" bIns="91425" lIns="91425" rIns="91425" tIns="91425"/>
+          <a:bodyPr lIns="91425" tIns="91425" rIns="91425" bIns="91425" anchor="b" anchorCtr="0"/>
           <a:lstStyle>
-            <a:lvl1pPr lvl="0" rtl="0" algn="ctr">
+            <a:lvl1pPr lvl="0" algn="ctr" rtl="0">
               <a:spcBef>
                 <a:spcPts val="0"/>
               </a:spcBef>
               <a:buSzPct val="100000"/>
               <a:defRPr sz="5200"/>
             </a:lvl1pPr>
-            <a:lvl2pPr lvl="1" rtl="0" algn="ctr">
+            <a:lvl2pPr lvl="1" algn="ctr" rtl="0">
               <a:spcBef>
                 <a:spcPts val="0"/>
               </a:spcBef>
               <a:buSzPct val="100000"/>
               <a:defRPr sz="5200"/>
             </a:lvl2pPr>
-            <a:lvl3pPr lvl="2" rtl="0" algn="ctr">
+            <a:lvl3pPr lvl="2" algn="ctr" rtl="0">
               <a:spcBef>
                 <a:spcPts val="0"/>
               </a:spcBef>
               <a:buSzPct val="100000"/>
               <a:defRPr sz="5200"/>
             </a:lvl3pPr>
-            <a:lvl4pPr lvl="3" rtl="0" algn="ctr">
+            <a:lvl4pPr lvl="3" algn="ctr" rtl="0">
               <a:spcBef>
                 <a:spcPts val="0"/>
               </a:spcBef>
               <a:buSzPct val="100000"/>
               <a:defRPr sz="5200"/>
             </a:lvl4pPr>
-            <a:lvl5pPr lvl="4" rtl="0" algn="ctr">
+            <a:lvl5pPr lvl="4" algn="ctr" rtl="0">
               <a:spcBef>
                 <a:spcPts val="0"/>
               </a:spcBef>
               <a:buSzPct val="100000"/>
               <a:defRPr sz="5200"/>
             </a:lvl5pPr>
-            <a:lvl6pPr lvl="5" rtl="0" algn="ctr">
+            <a:lvl6pPr lvl="5" algn="ctr" rtl="0">
               <a:spcBef>
                 <a:spcPts val="0"/>
               </a:spcBef>
               <a:buSzPct val="100000"/>
               <a:defRPr sz="5200"/>
             </a:lvl6pPr>
-            <a:lvl7pPr lvl="6" rtl="0" algn="ctr">
+            <a:lvl7pPr lvl="6" algn="ctr" rtl="0">
               <a:spcBef>
                 <a:spcPts val="0"/>
               </a:spcBef>
               <a:buSzPct val="100000"/>
               <a:defRPr sz="5200"/>
             </a:lvl7pPr>
-            <a:lvl8pPr lvl="7" rtl="0" algn="ctr">
+            <a:lvl8pPr lvl="7" algn="ctr" rtl="0">
               <a:spcBef>
                 <a:spcPts val="0"/>
               </a:spcBef>
               <a:buSzPct val="100000"/>
               <a:defRPr sz="5200"/>
             </a:lvl8pPr>
-            <a:lvl9pPr lvl="8" rtl="0" algn="ctr">
+            <a:lvl9pPr lvl="8" algn="ctr" rtl="0">
               <a:spcBef>
                 <a:spcPts val="0"/>
               </a:spcBef>
@@ -2018,15 +2150,19 @@
               <a:defRPr sz="5200"/>
             </a:lvl9pPr>
           </a:lstStyle>
-          <a:p/>
+          <a:p>
+            <a:endParaRPr/>
+          </a:p>
         </p:txBody>
       </p:sp>
       <p:sp>
         <p:nvSpPr>
           <p:cNvPr id="58" name="Shape 58"/>
-          <p:cNvSpPr txBox="1"/>
+          <p:cNvSpPr txBox="1">
+            <a:spLocks noGrp="1"/>
+          </p:cNvSpPr>
           <p:nvPr>
-            <p:ph idx="1" type="subTitle"/>
+            <p:ph type="subTitle" idx="1"/>
           </p:nvPr>
         </p:nvSpPr>
         <p:spPr>
@@ -2039,9 +2175,9 @@
           </a:prstGeom>
         </p:spPr>
         <p:txBody>
-          <a:bodyPr anchorCtr="0" anchor="t" bIns="91425" lIns="91425" rIns="91425" tIns="91425"/>
+          <a:bodyPr lIns="91425" tIns="91425" rIns="91425" bIns="91425" anchor="t" anchorCtr="0"/>
           <a:lstStyle>
-            <a:lvl1pPr lvl="0" rtl="0" algn="ctr">
+            <a:lvl1pPr lvl="0" algn="ctr" rtl="0">
               <a:lnSpc>
                 <a:spcPct val="100000"/>
               </a:lnSpc>
@@ -2055,7 +2191,7 @@
               <a:buNone/>
               <a:defRPr sz="2800"/>
             </a:lvl1pPr>
-            <a:lvl2pPr lvl="1" rtl="0" algn="ctr">
+            <a:lvl2pPr lvl="1" algn="ctr" rtl="0">
               <a:lnSpc>
                 <a:spcPct val="100000"/>
               </a:lnSpc>
@@ -2069,7 +2205,7 @@
               <a:buNone/>
               <a:defRPr sz="2800"/>
             </a:lvl2pPr>
-            <a:lvl3pPr lvl="2" rtl="0" algn="ctr">
+            <a:lvl3pPr lvl="2" algn="ctr" rtl="0">
               <a:lnSpc>
                 <a:spcPct val="100000"/>
               </a:lnSpc>
@@ -2083,7 +2219,7 @@
               <a:buNone/>
               <a:defRPr sz="2800"/>
             </a:lvl3pPr>
-            <a:lvl4pPr lvl="3" rtl="0" algn="ctr">
+            <a:lvl4pPr lvl="3" algn="ctr" rtl="0">
               <a:lnSpc>
                 <a:spcPct val="100000"/>
               </a:lnSpc>
@@ -2097,7 +2233,7 @@
               <a:buNone/>
               <a:defRPr sz="2800"/>
             </a:lvl4pPr>
-            <a:lvl5pPr lvl="4" rtl="0" algn="ctr">
+            <a:lvl5pPr lvl="4" algn="ctr" rtl="0">
               <a:lnSpc>
                 <a:spcPct val="100000"/>
               </a:lnSpc>
@@ -2111,7 +2247,7 @@
               <a:buNone/>
               <a:defRPr sz="2800"/>
             </a:lvl5pPr>
-            <a:lvl6pPr lvl="5" rtl="0" algn="ctr">
+            <a:lvl6pPr lvl="5" algn="ctr" rtl="0">
               <a:lnSpc>
                 <a:spcPct val="100000"/>
               </a:lnSpc>
@@ -2125,7 +2261,7 @@
               <a:buNone/>
               <a:defRPr sz="2800"/>
             </a:lvl6pPr>
-            <a:lvl7pPr lvl="6" rtl="0" algn="ctr">
+            <a:lvl7pPr lvl="6" algn="ctr" rtl="0">
               <a:lnSpc>
                 <a:spcPct val="100000"/>
               </a:lnSpc>
@@ -2139,7 +2275,7 @@
               <a:buNone/>
               <a:defRPr sz="2800"/>
             </a:lvl7pPr>
-            <a:lvl8pPr lvl="7" rtl="0" algn="ctr">
+            <a:lvl8pPr lvl="7" algn="ctr" rtl="0">
               <a:lnSpc>
                 <a:spcPct val="100000"/>
               </a:lnSpc>
@@ -2153,7 +2289,7 @@
               <a:buNone/>
               <a:defRPr sz="2800"/>
             </a:lvl8pPr>
-            <a:lvl9pPr lvl="8" rtl="0" algn="ctr">
+            <a:lvl9pPr lvl="8" algn="ctr" rtl="0">
               <a:lnSpc>
                 <a:spcPct val="100000"/>
               </a:lnSpc>
@@ -2168,15 +2304,19 @@
               <a:defRPr sz="2800"/>
             </a:lvl9pPr>
           </a:lstStyle>
-          <a:p/>
+          <a:p>
+            <a:endParaRPr/>
+          </a:p>
         </p:txBody>
       </p:sp>
       <p:sp>
         <p:nvSpPr>
           <p:cNvPr id="59" name="Shape 59"/>
-          <p:cNvSpPr txBox="1"/>
+          <p:cNvSpPr txBox="1">
+            <a:spLocks noGrp="1"/>
+          </p:cNvSpPr>
           <p:nvPr>
-            <p:ph idx="12" type="sldNum"/>
+            <p:ph type="sldNum" idx="12"/>
           </p:nvPr>
         </p:nvSpPr>
         <p:spPr>
@@ -2189,7 +2329,7 @@
           </a:prstGeom>
         </p:spPr>
         <p:txBody>
-          <a:bodyPr anchorCtr="0" anchor="ctr" bIns="91425" lIns="91425" rIns="91425" tIns="91425">
+          <a:bodyPr lIns="91425" tIns="91425" rIns="91425" bIns="91425" anchor="ctr" anchorCtr="0">
             <a:noAutofit/>
           </a:bodyPr>
           <a:lstStyle/>
@@ -2204,6 +2344,7 @@
               <a:rPr lang="vi"/>
               <a:t>‹#›</a:t>
             </a:fld>
+            <a:endParaRPr lang="vi"/>
           </a:p>
         </p:txBody>
       </p:sp>
@@ -2216,11 +2357,11 @@
 </file>
 
 <file path=ppt/slideLayouts/slideLayout13.xml><?xml version="1.0" encoding="utf-8"?>
-<p:sldLayout xmlns:a="http://schemas.openxmlformats.org/drawingml/2006/main" xmlns:r="http://schemas.openxmlformats.org/officeDocument/2006/relationships" xmlns:mc="http://schemas.openxmlformats.org/markup-compatibility/2006" xmlns:mv="urn:schemas-microsoft-com:mac:vml" xmlns:p="http://schemas.openxmlformats.org/presentationml/2006/main" xmlns:c="http://schemas.openxmlformats.org/drawingml/2006/chart" xmlns:dgm="http://schemas.openxmlformats.org/drawingml/2006/diagram" xmlns:o="urn:schemas-microsoft-com:office:office" xmlns:v="urn:schemas-microsoft-com:vml" xmlns:pvml="urn:schemas-microsoft-com:office:powerpoint" xmlns:com="http://schemas.openxmlformats.org/drawingml/2006/compatibility" xmlns:p14="http://schemas.microsoft.com/office/powerpoint/2010/main" type="secHead">
+<p:sldLayout xmlns:a="http://schemas.openxmlformats.org/drawingml/2006/main" xmlns:r="http://schemas.openxmlformats.org/officeDocument/2006/relationships" xmlns:p="http://schemas.openxmlformats.org/presentationml/2006/main" type="secHead">
   <p:cSld name="Section header">
     <p:spTree>
       <p:nvGrpSpPr>
-        <p:cNvPr id="60" name="Shape 60"/>
+        <p:cNvPr id="1" name="Shape 60"/>
         <p:cNvGrpSpPr/>
         <p:nvPr/>
       </p:nvGrpSpPr>
@@ -2235,7 +2376,9 @@
       <p:sp>
         <p:nvSpPr>
           <p:cNvPr id="61" name="Shape 61"/>
-          <p:cNvSpPr txBox="1"/>
+          <p:cNvSpPr txBox="1">
+            <a:spLocks noGrp="1"/>
+          </p:cNvSpPr>
           <p:nvPr>
             <p:ph type="title"/>
           </p:nvPr>
@@ -2250,65 +2393,65 @@
           </a:prstGeom>
         </p:spPr>
         <p:txBody>
-          <a:bodyPr anchorCtr="0" anchor="ctr" bIns="91425" lIns="91425" rIns="91425" tIns="91425"/>
+          <a:bodyPr lIns="91425" tIns="91425" rIns="91425" bIns="91425" anchor="ctr" anchorCtr="0"/>
           <a:lstStyle>
-            <a:lvl1pPr lvl="0" rtl="0" algn="ctr">
+            <a:lvl1pPr lvl="0" algn="ctr" rtl="0">
               <a:spcBef>
                 <a:spcPts val="0"/>
               </a:spcBef>
               <a:buSzPct val="100000"/>
               <a:defRPr sz="3600"/>
             </a:lvl1pPr>
-            <a:lvl2pPr lvl="1" rtl="0" algn="ctr">
+            <a:lvl2pPr lvl="1" algn="ctr" rtl="0">
               <a:spcBef>
                 <a:spcPts val="0"/>
               </a:spcBef>
               <a:buSzPct val="100000"/>
               <a:defRPr sz="3600"/>
             </a:lvl2pPr>
-            <a:lvl3pPr lvl="2" rtl="0" algn="ctr">
+            <a:lvl3pPr lvl="2" algn="ctr" rtl="0">
               <a:spcBef>
                 <a:spcPts val="0"/>
               </a:spcBef>
               <a:buSzPct val="100000"/>
               <a:defRPr sz="3600"/>
             </a:lvl3pPr>
-            <a:lvl4pPr lvl="3" rtl="0" algn="ctr">
+            <a:lvl4pPr lvl="3" algn="ctr" rtl="0">
               <a:spcBef>
                 <a:spcPts val="0"/>
               </a:spcBef>
               <a:buSzPct val="100000"/>
               <a:defRPr sz="3600"/>
             </a:lvl4pPr>
-            <a:lvl5pPr lvl="4" rtl="0" algn="ctr">
+            <a:lvl5pPr lvl="4" algn="ctr" rtl="0">
               <a:spcBef>
                 <a:spcPts val="0"/>
               </a:spcBef>
               <a:buSzPct val="100000"/>
               <a:defRPr sz="3600"/>
             </a:lvl5pPr>
-            <a:lvl6pPr lvl="5" rtl="0" algn="ctr">
+            <a:lvl6pPr lvl="5" algn="ctr" rtl="0">
               <a:spcBef>
                 <a:spcPts val="0"/>
               </a:spcBef>
               <a:buSzPct val="100000"/>
               <a:defRPr sz="3600"/>
             </a:lvl6pPr>
-            <a:lvl7pPr lvl="6" rtl="0" algn="ctr">
+            <a:lvl7pPr lvl="6" algn="ctr" rtl="0">
               <a:spcBef>
                 <a:spcPts val="0"/>
               </a:spcBef>
               <a:buSzPct val="100000"/>
               <a:defRPr sz="3600"/>
             </a:lvl7pPr>
-            <a:lvl8pPr lvl="7" rtl="0" algn="ctr">
+            <a:lvl8pPr lvl="7" algn="ctr" rtl="0">
               <a:spcBef>
                 <a:spcPts val="0"/>
               </a:spcBef>
               <a:buSzPct val="100000"/>
               <a:defRPr sz="3600"/>
             </a:lvl8pPr>
-            <a:lvl9pPr lvl="8" rtl="0" algn="ctr">
+            <a:lvl9pPr lvl="8" algn="ctr" rtl="0">
               <a:spcBef>
                 <a:spcPts val="0"/>
               </a:spcBef>
@@ -2316,15 +2459,19 @@
               <a:defRPr sz="3600"/>
             </a:lvl9pPr>
           </a:lstStyle>
-          <a:p/>
+          <a:p>
+            <a:endParaRPr/>
+          </a:p>
         </p:txBody>
       </p:sp>
       <p:sp>
         <p:nvSpPr>
           <p:cNvPr id="62" name="Shape 62"/>
-          <p:cNvSpPr txBox="1"/>
+          <p:cNvSpPr txBox="1">
+            <a:spLocks noGrp="1"/>
+          </p:cNvSpPr>
           <p:nvPr>
-            <p:ph idx="12" type="sldNum"/>
+            <p:ph type="sldNum" idx="12"/>
           </p:nvPr>
         </p:nvSpPr>
         <p:spPr>
@@ -2337,7 +2484,7 @@
           </a:prstGeom>
         </p:spPr>
         <p:txBody>
-          <a:bodyPr anchorCtr="0" anchor="ctr" bIns="91425" lIns="91425" rIns="91425" tIns="91425">
+          <a:bodyPr lIns="91425" tIns="91425" rIns="91425" bIns="91425" anchor="ctr" anchorCtr="0">
             <a:noAutofit/>
           </a:bodyPr>
           <a:lstStyle/>
@@ -2352,6 +2499,7 @@
               <a:rPr lang="vi"/>
               <a:t>‹#›</a:t>
             </a:fld>
+            <a:endParaRPr lang="vi"/>
           </a:p>
         </p:txBody>
       </p:sp>
@@ -2364,11 +2512,11 @@
 </file>
 
 <file path=ppt/slideLayouts/slideLayout14.xml><?xml version="1.0" encoding="utf-8"?>
-<p:sldLayout xmlns:a="http://schemas.openxmlformats.org/drawingml/2006/main" xmlns:r="http://schemas.openxmlformats.org/officeDocument/2006/relationships" xmlns:mc="http://schemas.openxmlformats.org/markup-compatibility/2006" xmlns:mv="urn:schemas-microsoft-com:mac:vml" xmlns:p="http://schemas.openxmlformats.org/presentationml/2006/main" xmlns:c="http://schemas.openxmlformats.org/drawingml/2006/chart" xmlns:dgm="http://schemas.openxmlformats.org/drawingml/2006/diagram" xmlns:o="urn:schemas-microsoft-com:office:office" xmlns:v="urn:schemas-microsoft-com:vml" xmlns:pvml="urn:schemas-microsoft-com:office:powerpoint" xmlns:com="http://schemas.openxmlformats.org/drawingml/2006/compatibility" xmlns:p14="http://schemas.microsoft.com/office/powerpoint/2010/main" type="tx">
+<p:sldLayout xmlns:a="http://schemas.openxmlformats.org/drawingml/2006/main" xmlns:r="http://schemas.openxmlformats.org/officeDocument/2006/relationships" xmlns:p="http://schemas.openxmlformats.org/presentationml/2006/main" type="tx">
   <p:cSld name="Title and body">
     <p:spTree>
       <p:nvGrpSpPr>
-        <p:cNvPr id="63" name="Shape 63"/>
+        <p:cNvPr id="1" name="Shape 63"/>
         <p:cNvGrpSpPr/>
         <p:nvPr/>
       </p:nvGrpSpPr>
@@ -2383,7 +2531,9 @@
       <p:sp>
         <p:nvSpPr>
           <p:cNvPr id="64" name="Shape 64"/>
-          <p:cNvSpPr txBox="1"/>
+          <p:cNvSpPr txBox="1">
+            <a:spLocks noGrp="1"/>
+          </p:cNvSpPr>
           <p:nvPr>
             <p:ph type="title"/>
           </p:nvPr>
@@ -2398,7 +2548,7 @@
           </a:prstGeom>
         </p:spPr>
         <p:txBody>
-          <a:bodyPr anchorCtr="0" anchor="t" bIns="91425" lIns="91425" rIns="91425" tIns="91425"/>
+          <a:bodyPr lIns="91425" tIns="91425" rIns="91425" bIns="91425" anchor="t" anchorCtr="0"/>
           <a:lstStyle>
             <a:lvl1pPr lvl="0" rtl="0">
               <a:spcBef>
@@ -2455,15 +2605,19 @@
               <a:defRPr/>
             </a:lvl9pPr>
           </a:lstStyle>
-          <a:p/>
+          <a:p>
+            <a:endParaRPr/>
+          </a:p>
         </p:txBody>
       </p:sp>
       <p:sp>
         <p:nvSpPr>
           <p:cNvPr id="65" name="Shape 65"/>
-          <p:cNvSpPr txBox="1"/>
+          <p:cNvSpPr txBox="1">
+            <a:spLocks noGrp="1"/>
+          </p:cNvSpPr>
           <p:nvPr>
-            <p:ph idx="1" type="body"/>
+            <p:ph type="body" idx="1"/>
           </p:nvPr>
         </p:nvSpPr>
         <p:spPr>
@@ -2476,7 +2630,7 @@
           </a:prstGeom>
         </p:spPr>
         <p:txBody>
-          <a:bodyPr anchorCtr="0" anchor="t" bIns="91425" lIns="91425" rIns="91425" tIns="91425"/>
+          <a:bodyPr lIns="91425" tIns="91425" rIns="91425" bIns="91425" anchor="t" anchorCtr="0"/>
           <a:lstStyle>
             <a:lvl1pPr lvl="0" rtl="0">
               <a:spcBef>
@@ -2533,15 +2687,19 @@
               <a:defRPr/>
             </a:lvl9pPr>
           </a:lstStyle>
-          <a:p/>
+          <a:p>
+            <a:endParaRPr/>
+          </a:p>
         </p:txBody>
       </p:sp>
       <p:sp>
         <p:nvSpPr>
           <p:cNvPr id="66" name="Shape 66"/>
-          <p:cNvSpPr txBox="1"/>
+          <p:cNvSpPr txBox="1">
+            <a:spLocks noGrp="1"/>
+          </p:cNvSpPr>
           <p:nvPr>
-            <p:ph idx="12" type="sldNum"/>
+            <p:ph type="sldNum" idx="12"/>
           </p:nvPr>
         </p:nvSpPr>
         <p:spPr>
@@ -2554,7 +2712,7 @@
           </a:prstGeom>
         </p:spPr>
         <p:txBody>
-          <a:bodyPr anchorCtr="0" anchor="ctr" bIns="91425" lIns="91425" rIns="91425" tIns="91425">
+          <a:bodyPr lIns="91425" tIns="91425" rIns="91425" bIns="91425" anchor="ctr" anchorCtr="0">
             <a:noAutofit/>
           </a:bodyPr>
           <a:lstStyle/>
@@ -2569,6 +2727,7 @@
               <a:rPr lang="vi"/>
               <a:t>‹#›</a:t>
             </a:fld>
+            <a:endParaRPr lang="vi"/>
           </a:p>
         </p:txBody>
       </p:sp>
@@ -2581,11 +2740,11 @@
 </file>
 
 <file path=ppt/slideLayouts/slideLayout15.xml><?xml version="1.0" encoding="utf-8"?>
-<p:sldLayout xmlns:a="http://schemas.openxmlformats.org/drawingml/2006/main" xmlns:r="http://schemas.openxmlformats.org/officeDocument/2006/relationships" xmlns:mc="http://schemas.openxmlformats.org/markup-compatibility/2006" xmlns:mv="urn:schemas-microsoft-com:mac:vml" xmlns:p="http://schemas.openxmlformats.org/presentationml/2006/main" xmlns:c="http://schemas.openxmlformats.org/drawingml/2006/chart" xmlns:dgm="http://schemas.openxmlformats.org/drawingml/2006/diagram" xmlns:o="urn:schemas-microsoft-com:office:office" xmlns:v="urn:schemas-microsoft-com:vml" xmlns:pvml="urn:schemas-microsoft-com:office:powerpoint" xmlns:com="http://schemas.openxmlformats.org/drawingml/2006/compatibility" xmlns:p14="http://schemas.microsoft.com/office/powerpoint/2010/main" type="twoColTx">
+<p:sldLayout xmlns:a="http://schemas.openxmlformats.org/drawingml/2006/main" xmlns:r="http://schemas.openxmlformats.org/officeDocument/2006/relationships" xmlns:p="http://schemas.openxmlformats.org/presentationml/2006/main" type="twoColTx">
   <p:cSld name="Title and two columns">
     <p:spTree>
       <p:nvGrpSpPr>
-        <p:cNvPr id="67" name="Shape 67"/>
+        <p:cNvPr id="1" name="Shape 67"/>
         <p:cNvGrpSpPr/>
         <p:nvPr/>
       </p:nvGrpSpPr>
@@ -2600,7 +2759,9 @@
       <p:sp>
         <p:nvSpPr>
           <p:cNvPr id="68" name="Shape 68"/>
-          <p:cNvSpPr txBox="1"/>
+          <p:cNvSpPr txBox="1">
+            <a:spLocks noGrp="1"/>
+          </p:cNvSpPr>
           <p:nvPr>
             <p:ph type="title"/>
           </p:nvPr>
@@ -2615,7 +2776,7 @@
           </a:prstGeom>
         </p:spPr>
         <p:txBody>
-          <a:bodyPr anchorCtr="0" anchor="t" bIns="91425" lIns="91425" rIns="91425" tIns="91425"/>
+          <a:bodyPr lIns="91425" tIns="91425" rIns="91425" bIns="91425" anchor="t" anchorCtr="0"/>
           <a:lstStyle>
             <a:lvl1pPr lvl="0" rtl="0">
               <a:spcBef>
@@ -2672,15 +2833,19 @@
               <a:defRPr/>
             </a:lvl9pPr>
           </a:lstStyle>
-          <a:p/>
+          <a:p>
+            <a:endParaRPr/>
+          </a:p>
         </p:txBody>
       </p:sp>
       <p:sp>
         <p:nvSpPr>
           <p:cNvPr id="69" name="Shape 69"/>
-          <p:cNvSpPr txBox="1"/>
+          <p:cNvSpPr txBox="1">
+            <a:spLocks noGrp="1"/>
+          </p:cNvSpPr>
           <p:nvPr>
-            <p:ph idx="1" type="body"/>
+            <p:ph type="body" idx="1"/>
           </p:nvPr>
         </p:nvSpPr>
         <p:spPr>
@@ -2693,7 +2858,7 @@
           </a:prstGeom>
         </p:spPr>
         <p:txBody>
-          <a:bodyPr anchorCtr="0" anchor="t" bIns="91425" lIns="91425" rIns="91425" tIns="91425"/>
+          <a:bodyPr lIns="91425" tIns="91425" rIns="91425" bIns="91425" anchor="t" anchorCtr="0"/>
           <a:lstStyle>
             <a:lvl1pPr lvl="0" rtl="0">
               <a:spcBef>
@@ -2759,15 +2924,19 @@
               <a:defRPr sz="1200"/>
             </a:lvl9pPr>
           </a:lstStyle>
-          <a:p/>
+          <a:p>
+            <a:endParaRPr/>
+          </a:p>
         </p:txBody>
       </p:sp>
       <p:sp>
         <p:nvSpPr>
           <p:cNvPr id="70" name="Shape 70"/>
-          <p:cNvSpPr txBox="1"/>
+          <p:cNvSpPr txBox="1">
+            <a:spLocks noGrp="1"/>
+          </p:cNvSpPr>
           <p:nvPr>
-            <p:ph idx="2" type="body"/>
+            <p:ph type="body" idx="2"/>
           </p:nvPr>
         </p:nvSpPr>
         <p:spPr>
@@ -2780,7 +2949,7 @@
           </a:prstGeom>
         </p:spPr>
         <p:txBody>
-          <a:bodyPr anchorCtr="0" anchor="t" bIns="91425" lIns="91425" rIns="91425" tIns="91425"/>
+          <a:bodyPr lIns="91425" tIns="91425" rIns="91425" bIns="91425" anchor="t" anchorCtr="0"/>
           <a:lstStyle>
             <a:lvl1pPr lvl="0" rtl="0">
               <a:spcBef>
@@ -2846,15 +3015,19 @@
               <a:defRPr sz="1200"/>
             </a:lvl9pPr>
           </a:lstStyle>
-          <a:p/>
+          <a:p>
+            <a:endParaRPr/>
+          </a:p>
         </p:txBody>
       </p:sp>
       <p:sp>
         <p:nvSpPr>
           <p:cNvPr id="71" name="Shape 71"/>
-          <p:cNvSpPr txBox="1"/>
+          <p:cNvSpPr txBox="1">
+            <a:spLocks noGrp="1"/>
+          </p:cNvSpPr>
           <p:nvPr>
-            <p:ph idx="12" type="sldNum"/>
+            <p:ph type="sldNum" idx="12"/>
           </p:nvPr>
         </p:nvSpPr>
         <p:spPr>
@@ -2867,7 +3040,7 @@
           </a:prstGeom>
         </p:spPr>
         <p:txBody>
-          <a:bodyPr anchorCtr="0" anchor="ctr" bIns="91425" lIns="91425" rIns="91425" tIns="91425">
+          <a:bodyPr lIns="91425" tIns="91425" rIns="91425" bIns="91425" anchor="ctr" anchorCtr="0">
             <a:noAutofit/>
           </a:bodyPr>
           <a:lstStyle/>
@@ -2882,6 +3055,7 @@
               <a:rPr lang="vi"/>
               <a:t>‹#›</a:t>
             </a:fld>
+            <a:endParaRPr lang="vi"/>
           </a:p>
         </p:txBody>
       </p:sp>
@@ -2894,11 +3068,11 @@
 </file>
 
 <file path=ppt/slideLayouts/slideLayout16.xml><?xml version="1.0" encoding="utf-8"?>
-<p:sldLayout xmlns:a="http://schemas.openxmlformats.org/drawingml/2006/main" xmlns:r="http://schemas.openxmlformats.org/officeDocument/2006/relationships" xmlns:mc="http://schemas.openxmlformats.org/markup-compatibility/2006" xmlns:mv="urn:schemas-microsoft-com:mac:vml" xmlns:p="http://schemas.openxmlformats.org/presentationml/2006/main" xmlns:c="http://schemas.openxmlformats.org/drawingml/2006/chart" xmlns:dgm="http://schemas.openxmlformats.org/drawingml/2006/diagram" xmlns:o="urn:schemas-microsoft-com:office:office" xmlns:v="urn:schemas-microsoft-com:vml" xmlns:pvml="urn:schemas-microsoft-com:office:powerpoint" xmlns:com="http://schemas.openxmlformats.org/drawingml/2006/compatibility" xmlns:p14="http://schemas.microsoft.com/office/powerpoint/2010/main" type="titleOnly">
+<p:sldLayout xmlns:a="http://schemas.openxmlformats.org/drawingml/2006/main" xmlns:r="http://schemas.openxmlformats.org/officeDocument/2006/relationships" xmlns:p="http://schemas.openxmlformats.org/presentationml/2006/main" type="titleOnly">
   <p:cSld name="Title only">
     <p:spTree>
       <p:nvGrpSpPr>
-        <p:cNvPr id="72" name="Shape 72"/>
+        <p:cNvPr id="1" name="Shape 72"/>
         <p:cNvGrpSpPr/>
         <p:nvPr/>
       </p:nvGrpSpPr>
@@ -2913,7 +3087,9 @@
       <p:sp>
         <p:nvSpPr>
           <p:cNvPr id="73" name="Shape 73"/>
-          <p:cNvSpPr txBox="1"/>
+          <p:cNvSpPr txBox="1">
+            <a:spLocks noGrp="1"/>
+          </p:cNvSpPr>
           <p:nvPr>
             <p:ph type="title"/>
           </p:nvPr>
@@ -2928,7 +3104,7 @@
           </a:prstGeom>
         </p:spPr>
         <p:txBody>
-          <a:bodyPr anchorCtr="0" anchor="t" bIns="91425" lIns="91425" rIns="91425" tIns="91425"/>
+          <a:bodyPr lIns="91425" tIns="91425" rIns="91425" bIns="91425" anchor="t" anchorCtr="0"/>
           <a:lstStyle>
             <a:lvl1pPr lvl="0" rtl="0">
               <a:spcBef>
@@ -2985,15 +3161,19 @@
               <a:defRPr/>
             </a:lvl9pPr>
           </a:lstStyle>
-          <a:p/>
+          <a:p>
+            <a:endParaRPr/>
+          </a:p>
         </p:txBody>
       </p:sp>
       <p:sp>
         <p:nvSpPr>
           <p:cNvPr id="74" name="Shape 74"/>
-          <p:cNvSpPr txBox="1"/>
+          <p:cNvSpPr txBox="1">
+            <a:spLocks noGrp="1"/>
+          </p:cNvSpPr>
           <p:nvPr>
-            <p:ph idx="12" type="sldNum"/>
+            <p:ph type="sldNum" idx="12"/>
           </p:nvPr>
         </p:nvSpPr>
         <p:spPr>
@@ -3006,7 +3186,7 @@
           </a:prstGeom>
         </p:spPr>
         <p:txBody>
-          <a:bodyPr anchorCtr="0" anchor="ctr" bIns="91425" lIns="91425" rIns="91425" tIns="91425">
+          <a:bodyPr lIns="91425" tIns="91425" rIns="91425" bIns="91425" anchor="ctr" anchorCtr="0">
             <a:noAutofit/>
           </a:bodyPr>
           <a:lstStyle/>
@@ -3021,6 +3201,7 @@
               <a:rPr lang="vi"/>
               <a:t>‹#›</a:t>
             </a:fld>
+            <a:endParaRPr lang="vi"/>
           </a:p>
         </p:txBody>
       </p:sp>
@@ -3033,11 +3214,11 @@
 </file>
 
 <file path=ppt/slideLayouts/slideLayout17.xml><?xml version="1.0" encoding="utf-8"?>
-<p:sldLayout xmlns:a="http://schemas.openxmlformats.org/drawingml/2006/main" xmlns:r="http://schemas.openxmlformats.org/officeDocument/2006/relationships" xmlns:mc="http://schemas.openxmlformats.org/markup-compatibility/2006" xmlns:mv="urn:schemas-microsoft-com:mac:vml" xmlns:p="http://schemas.openxmlformats.org/presentationml/2006/main" xmlns:c="http://schemas.openxmlformats.org/drawingml/2006/chart" xmlns:dgm="http://schemas.openxmlformats.org/drawingml/2006/diagram" xmlns:o="urn:schemas-microsoft-com:office:office" xmlns:v="urn:schemas-microsoft-com:vml" xmlns:pvml="urn:schemas-microsoft-com:office:powerpoint" xmlns:com="http://schemas.openxmlformats.org/drawingml/2006/compatibility" xmlns:p14="http://schemas.microsoft.com/office/powerpoint/2010/main">
+<p:sldLayout xmlns:a="http://schemas.openxmlformats.org/drawingml/2006/main" xmlns:r="http://schemas.openxmlformats.org/officeDocument/2006/relationships" xmlns:p="http://schemas.openxmlformats.org/presentationml/2006/main">
   <p:cSld name="One column text">
     <p:spTree>
       <p:nvGrpSpPr>
-        <p:cNvPr id="75" name="Shape 75"/>
+        <p:cNvPr id="1" name="Shape 75"/>
         <p:cNvGrpSpPr/>
         <p:nvPr/>
       </p:nvGrpSpPr>
@@ -3052,7 +3233,9 @@
       <p:sp>
         <p:nvSpPr>
           <p:cNvPr id="76" name="Shape 76"/>
-          <p:cNvSpPr txBox="1"/>
+          <p:cNvSpPr txBox="1">
+            <a:spLocks noGrp="1"/>
+          </p:cNvSpPr>
           <p:nvPr>
             <p:ph type="title"/>
           </p:nvPr>
@@ -3067,7 +3250,7 @@
           </a:prstGeom>
         </p:spPr>
         <p:txBody>
-          <a:bodyPr anchorCtr="0" anchor="b" bIns="91425" lIns="91425" rIns="91425" tIns="91425"/>
+          <a:bodyPr lIns="91425" tIns="91425" rIns="91425" bIns="91425" anchor="b" anchorCtr="0"/>
           <a:lstStyle>
             <a:lvl1pPr lvl="0" rtl="0">
               <a:spcBef>
@@ -3133,15 +3316,19 @@
               <a:defRPr sz="2400"/>
             </a:lvl9pPr>
           </a:lstStyle>
-          <a:p/>
+          <a:p>
+            <a:endParaRPr/>
+          </a:p>
         </p:txBody>
       </p:sp>
       <p:sp>
         <p:nvSpPr>
           <p:cNvPr id="77" name="Shape 77"/>
-          <p:cNvSpPr txBox="1"/>
+          <p:cNvSpPr txBox="1">
+            <a:spLocks noGrp="1"/>
+          </p:cNvSpPr>
           <p:nvPr>
-            <p:ph idx="1" type="body"/>
+            <p:ph type="body" idx="1"/>
           </p:nvPr>
         </p:nvSpPr>
         <p:spPr>
@@ -3154,7 +3341,7 @@
           </a:prstGeom>
         </p:spPr>
         <p:txBody>
-          <a:bodyPr anchorCtr="0" anchor="t" bIns="91425" lIns="91425" rIns="91425" tIns="91425"/>
+          <a:bodyPr lIns="91425" tIns="91425" rIns="91425" bIns="91425" anchor="t" anchorCtr="0"/>
           <a:lstStyle>
             <a:lvl1pPr lvl="0" rtl="0">
               <a:spcBef>
@@ -3220,15 +3407,19 @@
               <a:defRPr sz="1200"/>
             </a:lvl9pPr>
           </a:lstStyle>
-          <a:p/>
+          <a:p>
+            <a:endParaRPr/>
+          </a:p>
         </p:txBody>
       </p:sp>
       <p:sp>
         <p:nvSpPr>
           <p:cNvPr id="78" name="Shape 78"/>
-          <p:cNvSpPr txBox="1"/>
+          <p:cNvSpPr txBox="1">
+            <a:spLocks noGrp="1"/>
+          </p:cNvSpPr>
           <p:nvPr>
-            <p:ph idx="12" type="sldNum"/>
+            <p:ph type="sldNum" idx="12"/>
           </p:nvPr>
         </p:nvSpPr>
         <p:spPr>
@@ -3241,7 +3432,7 @@
           </a:prstGeom>
         </p:spPr>
         <p:txBody>
-          <a:bodyPr anchorCtr="0" anchor="ctr" bIns="91425" lIns="91425" rIns="91425" tIns="91425">
+          <a:bodyPr lIns="91425" tIns="91425" rIns="91425" bIns="91425" anchor="ctr" anchorCtr="0">
             <a:noAutofit/>
           </a:bodyPr>
           <a:lstStyle/>
@@ -3256,6 +3447,7 @@
               <a:rPr lang="vi"/>
               <a:t>‹#›</a:t>
             </a:fld>
+            <a:endParaRPr lang="vi"/>
           </a:p>
         </p:txBody>
       </p:sp>
@@ -3268,11 +3460,11 @@
 </file>
 
 <file path=ppt/slideLayouts/slideLayout18.xml><?xml version="1.0" encoding="utf-8"?>
-<p:sldLayout xmlns:a="http://schemas.openxmlformats.org/drawingml/2006/main" xmlns:r="http://schemas.openxmlformats.org/officeDocument/2006/relationships" xmlns:mc="http://schemas.openxmlformats.org/markup-compatibility/2006" xmlns:mv="urn:schemas-microsoft-com:mac:vml" xmlns:p="http://schemas.openxmlformats.org/presentationml/2006/main" xmlns:c="http://schemas.openxmlformats.org/drawingml/2006/chart" xmlns:dgm="http://schemas.openxmlformats.org/drawingml/2006/diagram" xmlns:o="urn:schemas-microsoft-com:office:office" xmlns:v="urn:schemas-microsoft-com:vml" xmlns:pvml="urn:schemas-microsoft-com:office:powerpoint" xmlns:com="http://schemas.openxmlformats.org/drawingml/2006/compatibility" xmlns:p14="http://schemas.microsoft.com/office/powerpoint/2010/main">
+<p:sldLayout xmlns:a="http://schemas.openxmlformats.org/drawingml/2006/main" xmlns:r="http://schemas.openxmlformats.org/officeDocument/2006/relationships" xmlns:p="http://schemas.openxmlformats.org/presentationml/2006/main">
   <p:cSld name="Main point">
     <p:spTree>
       <p:nvGrpSpPr>
-        <p:cNvPr id="79" name="Shape 79"/>
+        <p:cNvPr id="1" name="Shape 79"/>
         <p:cNvGrpSpPr/>
         <p:nvPr/>
       </p:nvGrpSpPr>
@@ -3287,7 +3479,9 @@
       <p:sp>
         <p:nvSpPr>
           <p:cNvPr id="80" name="Shape 80"/>
-          <p:cNvSpPr txBox="1"/>
+          <p:cNvSpPr txBox="1">
+            <a:spLocks noGrp="1"/>
+          </p:cNvSpPr>
           <p:nvPr>
             <p:ph type="title"/>
           </p:nvPr>
@@ -3302,7 +3496,7 @@
           </a:prstGeom>
         </p:spPr>
         <p:txBody>
-          <a:bodyPr anchorCtr="0" anchor="ctr" bIns="91425" lIns="91425" rIns="91425" tIns="91425"/>
+          <a:bodyPr lIns="91425" tIns="91425" rIns="91425" bIns="91425" anchor="ctr" anchorCtr="0"/>
           <a:lstStyle>
             <a:lvl1pPr lvl="0" rtl="0">
               <a:spcBef>
@@ -3368,15 +3562,19 @@
               <a:defRPr sz="4800"/>
             </a:lvl9pPr>
           </a:lstStyle>
-          <a:p/>
+          <a:p>
+            <a:endParaRPr/>
+          </a:p>
         </p:txBody>
       </p:sp>
       <p:sp>
         <p:nvSpPr>
           <p:cNvPr id="81" name="Shape 81"/>
-          <p:cNvSpPr txBox="1"/>
+          <p:cNvSpPr txBox="1">
+            <a:spLocks noGrp="1"/>
+          </p:cNvSpPr>
           <p:nvPr>
-            <p:ph idx="12" type="sldNum"/>
+            <p:ph type="sldNum" idx="12"/>
           </p:nvPr>
         </p:nvSpPr>
         <p:spPr>
@@ -3389,7 +3587,7 @@
           </a:prstGeom>
         </p:spPr>
         <p:txBody>
-          <a:bodyPr anchorCtr="0" anchor="ctr" bIns="91425" lIns="91425" rIns="91425" tIns="91425">
+          <a:bodyPr lIns="91425" tIns="91425" rIns="91425" bIns="91425" anchor="ctr" anchorCtr="0">
             <a:noAutofit/>
           </a:bodyPr>
           <a:lstStyle/>
@@ -3404,6 +3602,7 @@
               <a:rPr lang="vi"/>
               <a:t>‹#›</a:t>
             </a:fld>
+            <a:endParaRPr lang="vi"/>
           </a:p>
         </p:txBody>
       </p:sp>
@@ -3416,11 +3615,11 @@
 </file>
 
 <file path=ppt/slideLayouts/slideLayout19.xml><?xml version="1.0" encoding="utf-8"?>
-<p:sldLayout xmlns:a="http://schemas.openxmlformats.org/drawingml/2006/main" xmlns:r="http://schemas.openxmlformats.org/officeDocument/2006/relationships" xmlns:mc="http://schemas.openxmlformats.org/markup-compatibility/2006" xmlns:mv="urn:schemas-microsoft-com:mac:vml" xmlns:p="http://schemas.openxmlformats.org/presentationml/2006/main" xmlns:c="http://schemas.openxmlformats.org/drawingml/2006/chart" xmlns:dgm="http://schemas.openxmlformats.org/drawingml/2006/diagram" xmlns:o="urn:schemas-microsoft-com:office:office" xmlns:v="urn:schemas-microsoft-com:vml" xmlns:pvml="urn:schemas-microsoft-com:office:powerpoint" xmlns:com="http://schemas.openxmlformats.org/drawingml/2006/compatibility" xmlns:p14="http://schemas.microsoft.com/office/powerpoint/2010/main">
+<p:sldLayout xmlns:a="http://schemas.openxmlformats.org/drawingml/2006/main" xmlns:r="http://schemas.openxmlformats.org/officeDocument/2006/relationships" xmlns:p="http://schemas.openxmlformats.org/presentationml/2006/main">
   <p:cSld name="Section title and description">
     <p:spTree>
       <p:nvGrpSpPr>
-        <p:cNvPr id="82" name="Shape 82"/>
+        <p:cNvPr id="1" name="Shape 82"/>
         <p:cNvGrpSpPr/>
         <p:nvPr/>
       </p:nvGrpSpPr>
@@ -3454,7 +3653,7 @@
           </a:ln>
         </p:spPr>
         <p:txBody>
-          <a:bodyPr anchorCtr="0" anchor="ctr" bIns="91425" lIns="91425" rIns="91425" tIns="91425">
+          <a:bodyPr lIns="91425" tIns="91425" rIns="91425" bIns="91425" anchor="ctr" anchorCtr="0">
             <a:noAutofit/>
           </a:bodyPr>
           <a:lstStyle/>
@@ -3465,9 +3664,6 @@
               </a:spcBef>
               <a:buNone/>
             </a:pPr>
-            <a:r>
-              <a:t/>
-            </a:r>
             <a:endParaRPr/>
           </a:p>
         </p:txBody>
@@ -3475,7 +3671,9 @@
       <p:sp>
         <p:nvSpPr>
           <p:cNvPr id="84" name="Shape 84"/>
-          <p:cNvSpPr txBox="1"/>
+          <p:cNvSpPr txBox="1">
+            <a:spLocks noGrp="1"/>
+          </p:cNvSpPr>
           <p:nvPr>
             <p:ph type="title"/>
           </p:nvPr>
@@ -3490,65 +3688,65 @@
           </a:prstGeom>
         </p:spPr>
         <p:txBody>
-          <a:bodyPr anchorCtr="0" anchor="b" bIns="91425" lIns="91425" rIns="91425" tIns="91425"/>
+          <a:bodyPr lIns="91425" tIns="91425" rIns="91425" bIns="91425" anchor="b" anchorCtr="0"/>
           <a:lstStyle>
-            <a:lvl1pPr lvl="0" rtl="0" algn="ctr">
+            <a:lvl1pPr lvl="0" algn="ctr" rtl="0">
               <a:spcBef>
                 <a:spcPts val="0"/>
               </a:spcBef>
               <a:buSzPct val="100000"/>
               <a:defRPr sz="4200"/>
             </a:lvl1pPr>
-            <a:lvl2pPr lvl="1" rtl="0" algn="ctr">
+            <a:lvl2pPr lvl="1" algn="ctr" rtl="0">
               <a:spcBef>
                 <a:spcPts val="0"/>
               </a:spcBef>
               <a:buSzPct val="100000"/>
               <a:defRPr sz="4200"/>
             </a:lvl2pPr>
-            <a:lvl3pPr lvl="2" rtl="0" algn="ctr">
+            <a:lvl3pPr lvl="2" algn="ctr" rtl="0">
               <a:spcBef>
                 <a:spcPts val="0"/>
               </a:spcBef>
               <a:buSzPct val="100000"/>
               <a:defRPr sz="4200"/>
             </a:lvl3pPr>
-            <a:lvl4pPr lvl="3" rtl="0" algn="ctr">
+            <a:lvl4pPr lvl="3" algn="ctr" rtl="0">
               <a:spcBef>
                 <a:spcPts val="0"/>
               </a:spcBef>
               <a:buSzPct val="100000"/>
               <a:defRPr sz="4200"/>
             </a:lvl4pPr>
-            <a:lvl5pPr lvl="4" rtl="0" algn="ctr">
+            <a:lvl5pPr lvl="4" algn="ctr" rtl="0">
               <a:spcBef>
                 <a:spcPts val="0"/>
               </a:spcBef>
               <a:buSzPct val="100000"/>
               <a:defRPr sz="4200"/>
             </a:lvl5pPr>
-            <a:lvl6pPr lvl="5" rtl="0" algn="ctr">
+            <a:lvl6pPr lvl="5" algn="ctr" rtl="0">
               <a:spcBef>
                 <a:spcPts val="0"/>
               </a:spcBef>
               <a:buSzPct val="100000"/>
               <a:defRPr sz="4200"/>
             </a:lvl6pPr>
-            <a:lvl7pPr lvl="6" rtl="0" algn="ctr">
+            <a:lvl7pPr lvl="6" algn="ctr" rtl="0">
               <a:spcBef>
                 <a:spcPts val="0"/>
               </a:spcBef>
               <a:buSzPct val="100000"/>
               <a:defRPr sz="4200"/>
             </a:lvl7pPr>
-            <a:lvl8pPr lvl="7" rtl="0" algn="ctr">
+            <a:lvl8pPr lvl="7" algn="ctr" rtl="0">
               <a:spcBef>
                 <a:spcPts val="0"/>
               </a:spcBef>
               <a:buSzPct val="100000"/>
               <a:defRPr sz="4200"/>
             </a:lvl8pPr>
-            <a:lvl9pPr lvl="8" rtl="0" algn="ctr">
+            <a:lvl9pPr lvl="8" algn="ctr" rtl="0">
               <a:spcBef>
                 <a:spcPts val="0"/>
               </a:spcBef>
@@ -3556,15 +3754,19 @@
               <a:defRPr sz="4200"/>
             </a:lvl9pPr>
           </a:lstStyle>
-          <a:p/>
+          <a:p>
+            <a:endParaRPr/>
+          </a:p>
         </p:txBody>
       </p:sp>
       <p:sp>
         <p:nvSpPr>
           <p:cNvPr id="85" name="Shape 85"/>
-          <p:cNvSpPr txBox="1"/>
+          <p:cNvSpPr txBox="1">
+            <a:spLocks noGrp="1"/>
+          </p:cNvSpPr>
           <p:nvPr>
-            <p:ph idx="1" type="subTitle"/>
+            <p:ph type="subTitle" idx="1"/>
           </p:nvPr>
         </p:nvSpPr>
         <p:spPr>
@@ -3577,9 +3779,9 @@
           </a:prstGeom>
         </p:spPr>
         <p:txBody>
-          <a:bodyPr anchorCtr="0" anchor="t" bIns="91425" lIns="91425" rIns="91425" tIns="91425"/>
+          <a:bodyPr lIns="91425" tIns="91425" rIns="91425" bIns="91425" anchor="t" anchorCtr="0"/>
           <a:lstStyle>
-            <a:lvl1pPr lvl="0" rtl="0" algn="ctr">
+            <a:lvl1pPr lvl="0" algn="ctr" rtl="0">
               <a:lnSpc>
                 <a:spcPct val="100000"/>
               </a:lnSpc>
@@ -3593,7 +3795,7 @@
               <a:buNone/>
               <a:defRPr sz="2100"/>
             </a:lvl1pPr>
-            <a:lvl2pPr lvl="1" rtl="0" algn="ctr">
+            <a:lvl2pPr lvl="1" algn="ctr" rtl="0">
               <a:lnSpc>
                 <a:spcPct val="100000"/>
               </a:lnSpc>
@@ -3607,7 +3809,7 @@
               <a:buNone/>
               <a:defRPr sz="2100"/>
             </a:lvl2pPr>
-            <a:lvl3pPr lvl="2" rtl="0" algn="ctr">
+            <a:lvl3pPr lvl="2" algn="ctr" rtl="0">
               <a:lnSpc>
                 <a:spcPct val="100000"/>
               </a:lnSpc>
@@ -3621,7 +3823,7 @@
               <a:buNone/>
               <a:defRPr sz="2100"/>
             </a:lvl3pPr>
-            <a:lvl4pPr lvl="3" rtl="0" algn="ctr">
+            <a:lvl4pPr lvl="3" algn="ctr" rtl="0">
               <a:lnSpc>
                 <a:spcPct val="100000"/>
               </a:lnSpc>
@@ -3635,7 +3837,7 @@
               <a:buNone/>
               <a:defRPr sz="2100"/>
             </a:lvl4pPr>
-            <a:lvl5pPr lvl="4" rtl="0" algn="ctr">
+            <a:lvl5pPr lvl="4" algn="ctr" rtl="0">
               <a:lnSpc>
                 <a:spcPct val="100000"/>
               </a:lnSpc>
@@ -3649,7 +3851,7 @@
               <a:buNone/>
               <a:defRPr sz="2100"/>
             </a:lvl5pPr>
-            <a:lvl6pPr lvl="5" rtl="0" algn="ctr">
+            <a:lvl6pPr lvl="5" algn="ctr" rtl="0">
               <a:lnSpc>
                 <a:spcPct val="100000"/>
               </a:lnSpc>
@@ -3663,7 +3865,7 @@
               <a:buNone/>
               <a:defRPr sz="2100"/>
             </a:lvl6pPr>
-            <a:lvl7pPr lvl="6" rtl="0" algn="ctr">
+            <a:lvl7pPr lvl="6" algn="ctr" rtl="0">
               <a:lnSpc>
                 <a:spcPct val="100000"/>
               </a:lnSpc>
@@ -3677,7 +3879,7 @@
               <a:buNone/>
               <a:defRPr sz="2100"/>
             </a:lvl7pPr>
-            <a:lvl8pPr lvl="7" rtl="0" algn="ctr">
+            <a:lvl8pPr lvl="7" algn="ctr" rtl="0">
               <a:lnSpc>
                 <a:spcPct val="100000"/>
               </a:lnSpc>
@@ -3691,7 +3893,7 @@
               <a:buNone/>
               <a:defRPr sz="2100"/>
             </a:lvl8pPr>
-            <a:lvl9pPr lvl="8" rtl="0" algn="ctr">
+            <a:lvl9pPr lvl="8" algn="ctr" rtl="0">
               <a:lnSpc>
                 <a:spcPct val="100000"/>
               </a:lnSpc>
@@ -3706,15 +3908,19 @@
               <a:defRPr sz="2100"/>
             </a:lvl9pPr>
           </a:lstStyle>
-          <a:p/>
+          <a:p>
+            <a:endParaRPr/>
+          </a:p>
         </p:txBody>
       </p:sp>
       <p:sp>
         <p:nvSpPr>
           <p:cNvPr id="86" name="Shape 86"/>
-          <p:cNvSpPr txBox="1"/>
+          <p:cNvSpPr txBox="1">
+            <a:spLocks noGrp="1"/>
+          </p:cNvSpPr>
           <p:nvPr>
-            <p:ph idx="2" type="body"/>
+            <p:ph type="body" idx="2"/>
           </p:nvPr>
         </p:nvSpPr>
         <p:spPr>
@@ -3727,7 +3933,7 @@
           </a:prstGeom>
         </p:spPr>
         <p:txBody>
-          <a:bodyPr anchorCtr="0" anchor="ctr" bIns="91425" lIns="91425" rIns="91425" tIns="91425"/>
+          <a:bodyPr lIns="91425" tIns="91425" rIns="91425" bIns="91425" anchor="ctr" anchorCtr="0"/>
           <a:lstStyle>
             <a:lvl1pPr lvl="0" rtl="0">
               <a:spcBef>
@@ -3784,15 +3990,19 @@
               <a:defRPr/>
             </a:lvl9pPr>
           </a:lstStyle>
-          <a:p/>
+          <a:p>
+            <a:endParaRPr/>
+          </a:p>
         </p:txBody>
       </p:sp>
       <p:sp>
         <p:nvSpPr>
           <p:cNvPr id="87" name="Shape 87"/>
-          <p:cNvSpPr txBox="1"/>
+          <p:cNvSpPr txBox="1">
+            <a:spLocks noGrp="1"/>
+          </p:cNvSpPr>
           <p:nvPr>
-            <p:ph idx="12" type="sldNum"/>
+            <p:ph type="sldNum" idx="12"/>
           </p:nvPr>
         </p:nvSpPr>
         <p:spPr>
@@ -3805,7 +4015,7 @@
           </a:prstGeom>
         </p:spPr>
         <p:txBody>
-          <a:bodyPr anchorCtr="0" anchor="ctr" bIns="91425" lIns="91425" rIns="91425" tIns="91425">
+          <a:bodyPr lIns="91425" tIns="91425" rIns="91425" bIns="91425" anchor="ctr" anchorCtr="0">
             <a:noAutofit/>
           </a:bodyPr>
           <a:lstStyle/>
@@ -3820,6 +4030,7 @@
               <a:rPr lang="vi"/>
               <a:t>‹#›</a:t>
             </a:fld>
+            <a:endParaRPr lang="vi"/>
           </a:p>
         </p:txBody>
       </p:sp>
@@ -3832,18 +4043,19 @@
 </file>
 
 <file path=ppt/slideLayouts/slideLayout2.xml><?xml version="1.0" encoding="utf-8"?>
-<p:sldLayout xmlns:a="http://schemas.openxmlformats.org/drawingml/2006/main" xmlns:r="http://schemas.openxmlformats.org/officeDocument/2006/relationships" xmlns:mc="http://schemas.openxmlformats.org/markup-compatibility/2006" xmlns:mv="urn:schemas-microsoft-com:mac:vml" xmlns:p="http://schemas.openxmlformats.org/presentationml/2006/main" xmlns:c="http://schemas.openxmlformats.org/drawingml/2006/chart" xmlns:dgm="http://schemas.openxmlformats.org/drawingml/2006/diagram" xmlns:o="urn:schemas-microsoft-com:office:office" xmlns:v="urn:schemas-microsoft-com:vml" xmlns:pvml="urn:schemas-microsoft-com:office:powerpoint" xmlns:com="http://schemas.openxmlformats.org/drawingml/2006/compatibility" xmlns:p14="http://schemas.microsoft.com/office/powerpoint/2010/main" type="secHead">
+<p:sldLayout xmlns:a="http://schemas.openxmlformats.org/drawingml/2006/main" xmlns:r="http://schemas.openxmlformats.org/officeDocument/2006/relationships" xmlns:p="http://schemas.openxmlformats.org/presentationml/2006/main" type="secHead">
   <p:cSld name="Section header">
     <p:bg>
       <p:bgPr>
         <a:solidFill>
           <a:schemeClr val="dk1"/>
         </a:solidFill>
+        <a:effectLst/>
       </p:bgPr>
     </p:bg>
     <p:spTree>
       <p:nvGrpSpPr>
-        <p:cNvPr id="14" name="Shape 14"/>
+        <p:cNvPr id="1" name="Shape 14"/>
         <p:cNvGrpSpPr/>
         <p:nvPr/>
       </p:nvGrpSpPr>
@@ -3858,7 +4070,9 @@
       <p:sp>
         <p:nvSpPr>
           <p:cNvPr id="15" name="Shape 15"/>
-          <p:cNvSpPr txBox="1"/>
+          <p:cNvSpPr txBox="1">
+            <a:spLocks noGrp="1"/>
+          </p:cNvSpPr>
           <p:nvPr>
             <p:ph type="title"/>
           </p:nvPr>
@@ -3873,7 +4087,7 @@
           </a:prstGeom>
         </p:spPr>
         <p:txBody>
-          <a:bodyPr anchorCtr="0" anchor="b" bIns="91425" lIns="91425" rIns="91425" tIns="91425"/>
+          <a:bodyPr lIns="91425" tIns="91425" rIns="91425" bIns="91425" anchor="b" anchorCtr="0"/>
           <a:lstStyle>
             <a:lvl1pPr lvl="0">
               <a:spcBef>
@@ -4002,15 +4216,19 @@
               </a:defRPr>
             </a:lvl9pPr>
           </a:lstStyle>
-          <a:p/>
+          <a:p>
+            <a:endParaRPr/>
+          </a:p>
         </p:txBody>
       </p:sp>
       <p:sp>
         <p:nvSpPr>
           <p:cNvPr id="16" name="Shape 16"/>
-          <p:cNvSpPr txBox="1"/>
+          <p:cNvSpPr txBox="1">
+            <a:spLocks noGrp="1"/>
+          </p:cNvSpPr>
           <p:nvPr>
-            <p:ph idx="12" type="sldNum"/>
+            <p:ph type="sldNum" idx="12"/>
           </p:nvPr>
         </p:nvSpPr>
         <p:spPr>
@@ -4023,7 +4241,7 @@
           </a:prstGeom>
         </p:spPr>
         <p:txBody>
-          <a:bodyPr anchorCtr="0" anchor="ctr" bIns="91425" lIns="91425" rIns="91425" tIns="91425">
+          <a:bodyPr lIns="91425" tIns="91425" rIns="91425" bIns="91425" anchor="ctr" anchorCtr="0">
             <a:noAutofit/>
           </a:bodyPr>
           <a:lstStyle/>
@@ -4042,6 +4260,11 @@
               </a:rPr>
               <a:t>‹#›</a:t>
             </a:fld>
+            <a:endParaRPr lang="vi">
+              <a:solidFill>
+                <a:schemeClr val="lt1"/>
+              </a:solidFill>
+            </a:endParaRPr>
           </a:p>
         </p:txBody>
       </p:sp>
@@ -4054,11 +4277,11 @@
 </file>
 
 <file path=ppt/slideLayouts/slideLayout20.xml><?xml version="1.0" encoding="utf-8"?>
-<p:sldLayout xmlns:a="http://schemas.openxmlformats.org/drawingml/2006/main" xmlns:r="http://schemas.openxmlformats.org/officeDocument/2006/relationships" xmlns:mc="http://schemas.openxmlformats.org/markup-compatibility/2006" xmlns:mv="urn:schemas-microsoft-com:mac:vml" xmlns:p="http://schemas.openxmlformats.org/presentationml/2006/main" xmlns:c="http://schemas.openxmlformats.org/drawingml/2006/chart" xmlns:dgm="http://schemas.openxmlformats.org/drawingml/2006/diagram" xmlns:o="urn:schemas-microsoft-com:office:office" xmlns:v="urn:schemas-microsoft-com:vml" xmlns:pvml="urn:schemas-microsoft-com:office:powerpoint" xmlns:com="http://schemas.openxmlformats.org/drawingml/2006/compatibility" xmlns:p14="http://schemas.microsoft.com/office/powerpoint/2010/main">
+<p:sldLayout xmlns:a="http://schemas.openxmlformats.org/drawingml/2006/main" xmlns:r="http://schemas.openxmlformats.org/officeDocument/2006/relationships" xmlns:p="http://schemas.openxmlformats.org/presentationml/2006/main">
   <p:cSld name="Caption">
     <p:spTree>
       <p:nvGrpSpPr>
-        <p:cNvPr id="88" name="Shape 88"/>
+        <p:cNvPr id="1" name="Shape 88"/>
         <p:cNvGrpSpPr/>
         <p:nvPr/>
       </p:nvGrpSpPr>
@@ -4073,9 +4296,11 @@
       <p:sp>
         <p:nvSpPr>
           <p:cNvPr id="89" name="Shape 89"/>
-          <p:cNvSpPr txBox="1"/>
+          <p:cNvSpPr txBox="1">
+            <a:spLocks noGrp="1"/>
+          </p:cNvSpPr>
           <p:nvPr>
-            <p:ph idx="1" type="body"/>
+            <p:ph type="body" idx="1"/>
           </p:nvPr>
         </p:nvSpPr>
         <p:spPr>
@@ -4088,7 +4313,7 @@
           </a:prstGeom>
         </p:spPr>
         <p:txBody>
-          <a:bodyPr anchorCtr="0" anchor="ctr" bIns="91425" lIns="91425" rIns="91425" tIns="91425"/>
+          <a:bodyPr lIns="91425" tIns="91425" rIns="91425" bIns="91425" anchor="ctr" anchorCtr="0"/>
           <a:lstStyle>
             <a:lvl1pPr lvl="0" rtl="0">
               <a:lnSpc>
@@ -4104,15 +4329,19 @@
               <a:defRPr/>
             </a:lvl1pPr>
           </a:lstStyle>
-          <a:p/>
+          <a:p>
+            <a:endParaRPr/>
+          </a:p>
         </p:txBody>
       </p:sp>
       <p:sp>
         <p:nvSpPr>
           <p:cNvPr id="90" name="Shape 90"/>
-          <p:cNvSpPr txBox="1"/>
+          <p:cNvSpPr txBox="1">
+            <a:spLocks noGrp="1"/>
+          </p:cNvSpPr>
           <p:nvPr>
-            <p:ph idx="12" type="sldNum"/>
+            <p:ph type="sldNum" idx="12"/>
           </p:nvPr>
         </p:nvSpPr>
         <p:spPr>
@@ -4125,7 +4354,7 @@
           </a:prstGeom>
         </p:spPr>
         <p:txBody>
-          <a:bodyPr anchorCtr="0" anchor="ctr" bIns="91425" lIns="91425" rIns="91425" tIns="91425">
+          <a:bodyPr lIns="91425" tIns="91425" rIns="91425" bIns="91425" anchor="ctr" anchorCtr="0">
             <a:noAutofit/>
           </a:bodyPr>
           <a:lstStyle/>
@@ -4140,6 +4369,7 @@
               <a:rPr lang="vi"/>
               <a:t>‹#›</a:t>
             </a:fld>
+            <a:endParaRPr lang="vi"/>
           </a:p>
         </p:txBody>
       </p:sp>
@@ -4152,11 +4382,11 @@
 </file>
 
 <file path=ppt/slideLayouts/slideLayout21.xml><?xml version="1.0" encoding="utf-8"?>
-<p:sldLayout xmlns:a="http://schemas.openxmlformats.org/drawingml/2006/main" xmlns:r="http://schemas.openxmlformats.org/officeDocument/2006/relationships" xmlns:mc="http://schemas.openxmlformats.org/markup-compatibility/2006" xmlns:mv="urn:schemas-microsoft-com:mac:vml" xmlns:p="http://schemas.openxmlformats.org/presentationml/2006/main" xmlns:c="http://schemas.openxmlformats.org/drawingml/2006/chart" xmlns:dgm="http://schemas.openxmlformats.org/drawingml/2006/diagram" xmlns:o="urn:schemas-microsoft-com:office:office" xmlns:v="urn:schemas-microsoft-com:vml" xmlns:pvml="urn:schemas-microsoft-com:office:powerpoint" xmlns:com="http://schemas.openxmlformats.org/drawingml/2006/compatibility" xmlns:p14="http://schemas.microsoft.com/office/powerpoint/2010/main">
+<p:sldLayout xmlns:a="http://schemas.openxmlformats.org/drawingml/2006/main" xmlns:r="http://schemas.openxmlformats.org/officeDocument/2006/relationships" xmlns:p="http://schemas.openxmlformats.org/presentationml/2006/main">
   <p:cSld name="Big number">
     <p:spTree>
       <p:nvGrpSpPr>
-        <p:cNvPr id="91" name="Shape 91"/>
+        <p:cNvPr id="1" name="Shape 91"/>
         <p:cNvGrpSpPr/>
         <p:nvPr/>
       </p:nvGrpSpPr>
@@ -4171,7 +4401,9 @@
       <p:sp>
         <p:nvSpPr>
           <p:cNvPr id="92" name="Shape 92"/>
-          <p:cNvSpPr txBox="1"/>
+          <p:cNvSpPr txBox="1">
+            <a:spLocks noGrp="1"/>
+          </p:cNvSpPr>
           <p:nvPr>
             <p:ph type="title"/>
           </p:nvPr>
@@ -4186,65 +4418,65 @@
           </a:prstGeom>
         </p:spPr>
         <p:txBody>
-          <a:bodyPr anchorCtr="0" anchor="b" bIns="91425" lIns="91425" rIns="91425" tIns="91425"/>
+          <a:bodyPr lIns="91425" tIns="91425" rIns="91425" bIns="91425" anchor="b" anchorCtr="0"/>
           <a:lstStyle>
-            <a:lvl1pPr lvl="0" rtl="0" algn="ctr">
+            <a:lvl1pPr lvl="0" algn="ctr" rtl="0">
               <a:spcBef>
                 <a:spcPts val="0"/>
               </a:spcBef>
               <a:buSzPct val="100000"/>
               <a:defRPr sz="12000"/>
             </a:lvl1pPr>
-            <a:lvl2pPr lvl="1" rtl="0" algn="ctr">
+            <a:lvl2pPr lvl="1" algn="ctr" rtl="0">
               <a:spcBef>
                 <a:spcPts val="0"/>
               </a:spcBef>
               <a:buSzPct val="100000"/>
               <a:defRPr sz="12000"/>
             </a:lvl2pPr>
-            <a:lvl3pPr lvl="2" rtl="0" algn="ctr">
+            <a:lvl3pPr lvl="2" algn="ctr" rtl="0">
               <a:spcBef>
                 <a:spcPts val="0"/>
               </a:spcBef>
               <a:buSzPct val="100000"/>
               <a:defRPr sz="12000"/>
             </a:lvl3pPr>
-            <a:lvl4pPr lvl="3" rtl="0" algn="ctr">
+            <a:lvl4pPr lvl="3" algn="ctr" rtl="0">
               <a:spcBef>
                 <a:spcPts val="0"/>
               </a:spcBef>
               <a:buSzPct val="100000"/>
               <a:defRPr sz="12000"/>
             </a:lvl4pPr>
-            <a:lvl5pPr lvl="4" rtl="0" algn="ctr">
+            <a:lvl5pPr lvl="4" algn="ctr" rtl="0">
               <a:spcBef>
                 <a:spcPts val="0"/>
               </a:spcBef>
               <a:buSzPct val="100000"/>
               <a:defRPr sz="12000"/>
             </a:lvl5pPr>
-            <a:lvl6pPr lvl="5" rtl="0" algn="ctr">
+            <a:lvl6pPr lvl="5" algn="ctr" rtl="0">
               <a:spcBef>
                 <a:spcPts val="0"/>
               </a:spcBef>
               <a:buSzPct val="100000"/>
               <a:defRPr sz="12000"/>
             </a:lvl6pPr>
-            <a:lvl7pPr lvl="6" rtl="0" algn="ctr">
+            <a:lvl7pPr lvl="6" algn="ctr" rtl="0">
               <a:spcBef>
                 <a:spcPts val="0"/>
               </a:spcBef>
               <a:buSzPct val="100000"/>
               <a:defRPr sz="12000"/>
             </a:lvl7pPr>
-            <a:lvl8pPr lvl="7" rtl="0" algn="ctr">
+            <a:lvl8pPr lvl="7" algn="ctr" rtl="0">
               <a:spcBef>
                 <a:spcPts val="0"/>
               </a:spcBef>
               <a:buSzPct val="100000"/>
               <a:defRPr sz="12000"/>
             </a:lvl8pPr>
-            <a:lvl9pPr lvl="8" rtl="0" algn="ctr">
+            <a:lvl9pPr lvl="8" algn="ctr" rtl="0">
               <a:spcBef>
                 <a:spcPts val="0"/>
               </a:spcBef>
@@ -4252,15 +4484,19 @@
               <a:defRPr sz="12000"/>
             </a:lvl9pPr>
           </a:lstStyle>
-          <a:p/>
+          <a:p>
+            <a:endParaRPr/>
+          </a:p>
         </p:txBody>
       </p:sp>
       <p:sp>
         <p:nvSpPr>
           <p:cNvPr id="93" name="Shape 93"/>
-          <p:cNvSpPr txBox="1"/>
+          <p:cNvSpPr txBox="1">
+            <a:spLocks noGrp="1"/>
+          </p:cNvSpPr>
           <p:nvPr>
-            <p:ph idx="1" type="body"/>
+            <p:ph type="body" idx="1"/>
           </p:nvPr>
         </p:nvSpPr>
         <p:spPr>
@@ -4273,72 +4509,76 @@
           </a:prstGeom>
         </p:spPr>
         <p:txBody>
-          <a:bodyPr anchorCtr="0" anchor="t" bIns="91425" lIns="91425" rIns="91425" tIns="91425"/>
+          <a:bodyPr lIns="91425" tIns="91425" rIns="91425" bIns="91425" anchor="t" anchorCtr="0"/>
           <a:lstStyle>
-            <a:lvl1pPr lvl="0" rtl="0" algn="ctr">
+            <a:lvl1pPr lvl="0" algn="ctr" rtl="0">
               <a:spcBef>
                 <a:spcPts val="0"/>
               </a:spcBef>
               <a:defRPr/>
             </a:lvl1pPr>
-            <a:lvl2pPr lvl="1" rtl="0" algn="ctr">
+            <a:lvl2pPr lvl="1" algn="ctr" rtl="0">
               <a:spcBef>
                 <a:spcPts val="0"/>
               </a:spcBef>
               <a:defRPr/>
             </a:lvl2pPr>
-            <a:lvl3pPr lvl="2" rtl="0" algn="ctr">
+            <a:lvl3pPr lvl="2" algn="ctr" rtl="0">
               <a:spcBef>
                 <a:spcPts val="0"/>
               </a:spcBef>
               <a:defRPr/>
             </a:lvl3pPr>
-            <a:lvl4pPr lvl="3" rtl="0" algn="ctr">
+            <a:lvl4pPr lvl="3" algn="ctr" rtl="0">
               <a:spcBef>
                 <a:spcPts val="0"/>
               </a:spcBef>
               <a:defRPr/>
             </a:lvl4pPr>
-            <a:lvl5pPr lvl="4" rtl="0" algn="ctr">
+            <a:lvl5pPr lvl="4" algn="ctr" rtl="0">
               <a:spcBef>
                 <a:spcPts val="0"/>
               </a:spcBef>
               <a:defRPr/>
             </a:lvl5pPr>
-            <a:lvl6pPr lvl="5" rtl="0" algn="ctr">
+            <a:lvl6pPr lvl="5" algn="ctr" rtl="0">
               <a:spcBef>
                 <a:spcPts val="0"/>
               </a:spcBef>
               <a:defRPr/>
             </a:lvl6pPr>
-            <a:lvl7pPr lvl="6" rtl="0" algn="ctr">
+            <a:lvl7pPr lvl="6" algn="ctr" rtl="0">
               <a:spcBef>
                 <a:spcPts val="0"/>
               </a:spcBef>
               <a:defRPr/>
             </a:lvl7pPr>
-            <a:lvl8pPr lvl="7" rtl="0" algn="ctr">
+            <a:lvl8pPr lvl="7" algn="ctr" rtl="0">
               <a:spcBef>
                 <a:spcPts val="0"/>
               </a:spcBef>
               <a:defRPr/>
             </a:lvl8pPr>
-            <a:lvl9pPr lvl="8" rtl="0" algn="ctr">
+            <a:lvl9pPr lvl="8" algn="ctr" rtl="0">
               <a:spcBef>
                 <a:spcPts val="0"/>
               </a:spcBef>
               <a:defRPr/>
             </a:lvl9pPr>
           </a:lstStyle>
-          <a:p/>
+          <a:p>
+            <a:endParaRPr/>
+          </a:p>
         </p:txBody>
       </p:sp>
       <p:sp>
         <p:nvSpPr>
           <p:cNvPr id="94" name="Shape 94"/>
-          <p:cNvSpPr txBox="1"/>
+          <p:cNvSpPr txBox="1">
+            <a:spLocks noGrp="1"/>
+          </p:cNvSpPr>
           <p:nvPr>
-            <p:ph idx="12" type="sldNum"/>
+            <p:ph type="sldNum" idx="12"/>
           </p:nvPr>
         </p:nvSpPr>
         <p:spPr>
@@ -4351,7 +4591,7 @@
           </a:prstGeom>
         </p:spPr>
         <p:txBody>
-          <a:bodyPr anchorCtr="0" anchor="ctr" bIns="91425" lIns="91425" rIns="91425" tIns="91425">
+          <a:bodyPr lIns="91425" tIns="91425" rIns="91425" bIns="91425" anchor="ctr" anchorCtr="0">
             <a:noAutofit/>
           </a:bodyPr>
           <a:lstStyle/>
@@ -4366,6 +4606,7 @@
               <a:rPr lang="vi"/>
               <a:t>‹#›</a:t>
             </a:fld>
+            <a:endParaRPr lang="vi"/>
           </a:p>
         </p:txBody>
       </p:sp>
@@ -4378,11 +4619,11 @@
 </file>
 
 <file path=ppt/slideLayouts/slideLayout22.xml><?xml version="1.0" encoding="utf-8"?>
-<p:sldLayout xmlns:a="http://schemas.openxmlformats.org/drawingml/2006/main" xmlns:r="http://schemas.openxmlformats.org/officeDocument/2006/relationships" xmlns:mc="http://schemas.openxmlformats.org/markup-compatibility/2006" xmlns:mv="urn:schemas-microsoft-com:mac:vml" xmlns:p="http://schemas.openxmlformats.org/presentationml/2006/main" xmlns:c="http://schemas.openxmlformats.org/drawingml/2006/chart" xmlns:dgm="http://schemas.openxmlformats.org/drawingml/2006/diagram" xmlns:o="urn:schemas-microsoft-com:office:office" xmlns:v="urn:schemas-microsoft-com:vml" xmlns:pvml="urn:schemas-microsoft-com:office:powerpoint" xmlns:com="http://schemas.openxmlformats.org/drawingml/2006/compatibility" xmlns:p14="http://schemas.microsoft.com/office/powerpoint/2010/main" type="blank">
+<p:sldLayout xmlns:a="http://schemas.openxmlformats.org/drawingml/2006/main" xmlns:r="http://schemas.openxmlformats.org/officeDocument/2006/relationships" xmlns:p="http://schemas.openxmlformats.org/presentationml/2006/main" type="blank">
   <p:cSld name="Blank">
     <p:spTree>
       <p:nvGrpSpPr>
-        <p:cNvPr id="95" name="Shape 95"/>
+        <p:cNvPr id="1" name="Shape 95"/>
         <p:cNvGrpSpPr/>
         <p:nvPr/>
       </p:nvGrpSpPr>
@@ -4397,9 +4638,11 @@
       <p:sp>
         <p:nvSpPr>
           <p:cNvPr id="96" name="Shape 96"/>
-          <p:cNvSpPr txBox="1"/>
+          <p:cNvSpPr txBox="1">
+            <a:spLocks noGrp="1"/>
+          </p:cNvSpPr>
           <p:nvPr>
-            <p:ph idx="12" type="sldNum"/>
+            <p:ph type="sldNum" idx="12"/>
           </p:nvPr>
         </p:nvSpPr>
         <p:spPr>
@@ -4412,7 +4655,7 @@
           </a:prstGeom>
         </p:spPr>
         <p:txBody>
-          <a:bodyPr anchorCtr="0" anchor="ctr" bIns="91425" lIns="91425" rIns="91425" tIns="91425">
+          <a:bodyPr lIns="91425" tIns="91425" rIns="91425" bIns="91425" anchor="ctr" anchorCtr="0">
             <a:noAutofit/>
           </a:bodyPr>
           <a:lstStyle/>
@@ -4427,6 +4670,7 @@
               <a:rPr lang="vi"/>
               <a:t>‹#›</a:t>
             </a:fld>
+            <a:endParaRPr lang="vi"/>
           </a:p>
         </p:txBody>
       </p:sp>
@@ -4439,11 +4683,11 @@
 </file>
 
 <file path=ppt/slideLayouts/slideLayout3.xml><?xml version="1.0" encoding="utf-8"?>
-<p:sldLayout xmlns:a="http://schemas.openxmlformats.org/drawingml/2006/main" xmlns:r="http://schemas.openxmlformats.org/officeDocument/2006/relationships" xmlns:mc="http://schemas.openxmlformats.org/markup-compatibility/2006" xmlns:mv="urn:schemas-microsoft-com:mac:vml" xmlns:p="http://schemas.openxmlformats.org/presentationml/2006/main" xmlns:c="http://schemas.openxmlformats.org/drawingml/2006/chart" xmlns:dgm="http://schemas.openxmlformats.org/drawingml/2006/diagram" xmlns:o="urn:schemas-microsoft-com:office:office" xmlns:v="urn:schemas-microsoft-com:vml" xmlns:pvml="urn:schemas-microsoft-com:office:powerpoint" xmlns:com="http://schemas.openxmlformats.org/drawingml/2006/compatibility" xmlns:p14="http://schemas.microsoft.com/office/powerpoint/2010/main" type="tx">
+<p:sldLayout xmlns:a="http://schemas.openxmlformats.org/drawingml/2006/main" xmlns:r="http://schemas.openxmlformats.org/officeDocument/2006/relationships" xmlns:p="http://schemas.openxmlformats.org/presentationml/2006/main" type="tx">
   <p:cSld name="Title and body">
     <p:spTree>
       <p:nvGrpSpPr>
-        <p:cNvPr id="17" name="Shape 17"/>
+        <p:cNvPr id="1" name="Shape 17"/>
         <p:cNvGrpSpPr/>
         <p:nvPr/>
       </p:nvGrpSpPr>
@@ -4458,7 +4702,9 @@
       <p:sp>
         <p:nvSpPr>
           <p:cNvPr id="18" name="Shape 18"/>
-          <p:cNvSpPr txBox="1"/>
+          <p:cNvSpPr txBox="1">
+            <a:spLocks noGrp="1"/>
+          </p:cNvSpPr>
           <p:nvPr>
             <p:ph type="title"/>
           </p:nvPr>
@@ -4473,7 +4719,7 @@
           </a:prstGeom>
         </p:spPr>
         <p:txBody>
-          <a:bodyPr anchorCtr="0" anchor="t" bIns="91425" lIns="91425" rIns="91425" tIns="91425"/>
+          <a:bodyPr lIns="91425" tIns="91425" rIns="91425" bIns="91425" anchor="t" anchorCtr="0"/>
           <a:lstStyle>
             <a:lvl1pPr lvl="0">
               <a:spcBef>
@@ -4530,15 +4776,19 @@
               <a:defRPr/>
             </a:lvl9pPr>
           </a:lstStyle>
-          <a:p/>
+          <a:p>
+            <a:endParaRPr/>
+          </a:p>
         </p:txBody>
       </p:sp>
       <p:sp>
         <p:nvSpPr>
           <p:cNvPr id="19" name="Shape 19"/>
-          <p:cNvSpPr txBox="1"/>
+          <p:cNvSpPr txBox="1">
+            <a:spLocks noGrp="1"/>
+          </p:cNvSpPr>
           <p:nvPr>
-            <p:ph idx="1" type="body"/>
+            <p:ph type="body" idx="1"/>
           </p:nvPr>
         </p:nvSpPr>
         <p:spPr>
@@ -4551,7 +4801,7 @@
           </a:prstGeom>
         </p:spPr>
         <p:txBody>
-          <a:bodyPr anchorCtr="0" anchor="t" bIns="91425" lIns="91425" rIns="91425" tIns="91425"/>
+          <a:bodyPr lIns="91425" tIns="91425" rIns="91425" bIns="91425" anchor="t" anchorCtr="0"/>
           <a:lstStyle>
             <a:lvl1pPr lvl="0">
               <a:spcBef>
@@ -4608,15 +4858,19 @@
               <a:defRPr/>
             </a:lvl9pPr>
           </a:lstStyle>
-          <a:p/>
+          <a:p>
+            <a:endParaRPr/>
+          </a:p>
         </p:txBody>
       </p:sp>
       <p:sp>
         <p:nvSpPr>
           <p:cNvPr id="20" name="Shape 20"/>
-          <p:cNvSpPr txBox="1"/>
+          <p:cNvSpPr txBox="1">
+            <a:spLocks noGrp="1"/>
+          </p:cNvSpPr>
           <p:nvPr>
-            <p:ph idx="12" type="sldNum"/>
+            <p:ph type="sldNum" idx="12"/>
           </p:nvPr>
         </p:nvSpPr>
         <p:spPr>
@@ -4629,7 +4883,7 @@
           </a:prstGeom>
         </p:spPr>
         <p:txBody>
-          <a:bodyPr anchorCtr="0" anchor="ctr" bIns="91425" lIns="91425" rIns="91425" tIns="91425">
+          <a:bodyPr lIns="91425" tIns="91425" rIns="91425" bIns="91425" anchor="ctr" anchorCtr="0">
             <a:noAutofit/>
           </a:bodyPr>
           <a:lstStyle/>
@@ -4644,6 +4898,7 @@
               <a:rPr lang="vi"/>
               <a:t>‹#›</a:t>
             </a:fld>
+            <a:endParaRPr lang="vi"/>
           </a:p>
         </p:txBody>
       </p:sp>
@@ -4656,11 +4911,11 @@
 </file>
 
 <file path=ppt/slideLayouts/slideLayout4.xml><?xml version="1.0" encoding="utf-8"?>
-<p:sldLayout xmlns:a="http://schemas.openxmlformats.org/drawingml/2006/main" xmlns:r="http://schemas.openxmlformats.org/officeDocument/2006/relationships" xmlns:mc="http://schemas.openxmlformats.org/markup-compatibility/2006" xmlns:mv="urn:schemas-microsoft-com:mac:vml" xmlns:p="http://schemas.openxmlformats.org/presentationml/2006/main" xmlns:c="http://schemas.openxmlformats.org/drawingml/2006/chart" xmlns:dgm="http://schemas.openxmlformats.org/drawingml/2006/diagram" xmlns:o="urn:schemas-microsoft-com:office:office" xmlns:v="urn:schemas-microsoft-com:vml" xmlns:pvml="urn:schemas-microsoft-com:office:powerpoint" xmlns:com="http://schemas.openxmlformats.org/drawingml/2006/compatibility" xmlns:p14="http://schemas.microsoft.com/office/powerpoint/2010/main" type="twoColTx">
+<p:sldLayout xmlns:a="http://schemas.openxmlformats.org/drawingml/2006/main" xmlns:r="http://schemas.openxmlformats.org/officeDocument/2006/relationships" xmlns:p="http://schemas.openxmlformats.org/presentationml/2006/main" type="twoColTx">
   <p:cSld name="Title and two columns">
     <p:spTree>
       <p:nvGrpSpPr>
-        <p:cNvPr id="21" name="Shape 21"/>
+        <p:cNvPr id="1" name="Shape 21"/>
         <p:cNvGrpSpPr/>
         <p:nvPr/>
       </p:nvGrpSpPr>
@@ -4675,7 +4930,9 @@
       <p:sp>
         <p:nvSpPr>
           <p:cNvPr id="22" name="Shape 22"/>
-          <p:cNvSpPr txBox="1"/>
+          <p:cNvSpPr txBox="1">
+            <a:spLocks noGrp="1"/>
+          </p:cNvSpPr>
           <p:nvPr>
             <p:ph type="title"/>
           </p:nvPr>
@@ -4690,7 +4947,7 @@
           </a:prstGeom>
         </p:spPr>
         <p:txBody>
-          <a:bodyPr anchorCtr="0" anchor="t" bIns="91425" lIns="91425" rIns="91425" tIns="91425"/>
+          <a:bodyPr lIns="91425" tIns="91425" rIns="91425" bIns="91425" anchor="t" anchorCtr="0"/>
           <a:lstStyle>
             <a:lvl1pPr lvl="0">
               <a:spcBef>
@@ -4747,15 +5004,19 @@
               <a:defRPr/>
             </a:lvl9pPr>
           </a:lstStyle>
-          <a:p/>
+          <a:p>
+            <a:endParaRPr/>
+          </a:p>
         </p:txBody>
       </p:sp>
       <p:sp>
         <p:nvSpPr>
           <p:cNvPr id="23" name="Shape 23"/>
-          <p:cNvSpPr txBox="1"/>
+          <p:cNvSpPr txBox="1">
+            <a:spLocks noGrp="1"/>
+          </p:cNvSpPr>
           <p:nvPr>
-            <p:ph idx="1" type="body"/>
+            <p:ph type="body" idx="1"/>
           </p:nvPr>
         </p:nvSpPr>
         <p:spPr>
@@ -4768,7 +5029,7 @@
           </a:prstGeom>
         </p:spPr>
         <p:txBody>
-          <a:bodyPr anchorCtr="0" anchor="t" bIns="91425" lIns="91425" rIns="91425" tIns="91425"/>
+          <a:bodyPr lIns="91425" tIns="91425" rIns="91425" bIns="91425" anchor="t" anchorCtr="0"/>
           <a:lstStyle>
             <a:lvl1pPr lvl="0">
               <a:spcBef>
@@ -4834,15 +5095,19 @@
               <a:defRPr sz="1200"/>
             </a:lvl9pPr>
           </a:lstStyle>
-          <a:p/>
+          <a:p>
+            <a:endParaRPr/>
+          </a:p>
         </p:txBody>
       </p:sp>
       <p:sp>
         <p:nvSpPr>
           <p:cNvPr id="24" name="Shape 24"/>
-          <p:cNvSpPr txBox="1"/>
+          <p:cNvSpPr txBox="1">
+            <a:spLocks noGrp="1"/>
+          </p:cNvSpPr>
           <p:nvPr>
-            <p:ph idx="2" type="body"/>
+            <p:ph type="body" idx="2"/>
           </p:nvPr>
         </p:nvSpPr>
         <p:spPr>
@@ -4855,7 +5120,7 @@
           </a:prstGeom>
         </p:spPr>
         <p:txBody>
-          <a:bodyPr anchorCtr="0" anchor="t" bIns="91425" lIns="91425" rIns="91425" tIns="91425"/>
+          <a:bodyPr lIns="91425" tIns="91425" rIns="91425" bIns="91425" anchor="t" anchorCtr="0"/>
           <a:lstStyle>
             <a:lvl1pPr lvl="0">
               <a:spcBef>
@@ -4921,15 +5186,19 @@
               <a:defRPr sz="1200"/>
             </a:lvl9pPr>
           </a:lstStyle>
-          <a:p/>
+          <a:p>
+            <a:endParaRPr/>
+          </a:p>
         </p:txBody>
       </p:sp>
       <p:sp>
         <p:nvSpPr>
           <p:cNvPr id="25" name="Shape 25"/>
-          <p:cNvSpPr txBox="1"/>
+          <p:cNvSpPr txBox="1">
+            <a:spLocks noGrp="1"/>
+          </p:cNvSpPr>
           <p:nvPr>
-            <p:ph idx="12" type="sldNum"/>
+            <p:ph type="sldNum" idx="12"/>
           </p:nvPr>
         </p:nvSpPr>
         <p:spPr>
@@ -4942,7 +5211,7 @@
           </a:prstGeom>
         </p:spPr>
         <p:txBody>
-          <a:bodyPr anchorCtr="0" anchor="ctr" bIns="91425" lIns="91425" rIns="91425" tIns="91425">
+          <a:bodyPr lIns="91425" tIns="91425" rIns="91425" bIns="91425" anchor="ctr" anchorCtr="0">
             <a:noAutofit/>
           </a:bodyPr>
           <a:lstStyle/>
@@ -4957,6 +5226,7 @@
               <a:rPr lang="vi"/>
               <a:t>‹#›</a:t>
             </a:fld>
+            <a:endParaRPr lang="vi"/>
           </a:p>
         </p:txBody>
       </p:sp>
@@ -4969,11 +5239,11 @@
 </file>
 
 <file path=ppt/slideLayouts/slideLayout5.xml><?xml version="1.0" encoding="utf-8"?>
-<p:sldLayout xmlns:a="http://schemas.openxmlformats.org/drawingml/2006/main" xmlns:r="http://schemas.openxmlformats.org/officeDocument/2006/relationships" xmlns:mc="http://schemas.openxmlformats.org/markup-compatibility/2006" xmlns:mv="urn:schemas-microsoft-com:mac:vml" xmlns:p="http://schemas.openxmlformats.org/presentationml/2006/main" xmlns:c="http://schemas.openxmlformats.org/drawingml/2006/chart" xmlns:dgm="http://schemas.openxmlformats.org/drawingml/2006/diagram" xmlns:o="urn:schemas-microsoft-com:office:office" xmlns:v="urn:schemas-microsoft-com:vml" xmlns:pvml="urn:schemas-microsoft-com:office:powerpoint" xmlns:com="http://schemas.openxmlformats.org/drawingml/2006/compatibility" xmlns:p14="http://schemas.microsoft.com/office/powerpoint/2010/main" type="titleOnly">
+<p:sldLayout xmlns:a="http://schemas.openxmlformats.org/drawingml/2006/main" xmlns:r="http://schemas.openxmlformats.org/officeDocument/2006/relationships" xmlns:p="http://schemas.openxmlformats.org/presentationml/2006/main" type="titleOnly">
   <p:cSld name="Title only">
     <p:spTree>
       <p:nvGrpSpPr>
-        <p:cNvPr id="26" name="Shape 26"/>
+        <p:cNvPr id="1" name="Shape 26"/>
         <p:cNvGrpSpPr/>
         <p:nvPr/>
       </p:nvGrpSpPr>
@@ -4988,7 +5258,9 @@
       <p:sp>
         <p:nvSpPr>
           <p:cNvPr id="27" name="Shape 27"/>
-          <p:cNvSpPr txBox="1"/>
+          <p:cNvSpPr txBox="1">
+            <a:spLocks noGrp="1"/>
+          </p:cNvSpPr>
           <p:nvPr>
             <p:ph type="title"/>
           </p:nvPr>
@@ -5003,7 +5275,7 @@
           </a:prstGeom>
         </p:spPr>
         <p:txBody>
-          <a:bodyPr anchorCtr="0" anchor="t" bIns="91425" lIns="91425" rIns="91425" tIns="91425"/>
+          <a:bodyPr lIns="91425" tIns="91425" rIns="91425" bIns="91425" anchor="t" anchorCtr="0"/>
           <a:lstStyle>
             <a:lvl1pPr lvl="0">
               <a:spcBef>
@@ -5060,15 +5332,19 @@
               <a:defRPr/>
             </a:lvl9pPr>
           </a:lstStyle>
-          <a:p/>
+          <a:p>
+            <a:endParaRPr/>
+          </a:p>
         </p:txBody>
       </p:sp>
       <p:sp>
         <p:nvSpPr>
           <p:cNvPr id="28" name="Shape 28"/>
-          <p:cNvSpPr txBox="1"/>
+          <p:cNvSpPr txBox="1">
+            <a:spLocks noGrp="1"/>
+          </p:cNvSpPr>
           <p:nvPr>
-            <p:ph idx="12" type="sldNum"/>
+            <p:ph type="sldNum" idx="12"/>
           </p:nvPr>
         </p:nvSpPr>
         <p:spPr>
@@ -5081,7 +5357,7 @@
           </a:prstGeom>
         </p:spPr>
         <p:txBody>
-          <a:bodyPr anchorCtr="0" anchor="ctr" bIns="91425" lIns="91425" rIns="91425" tIns="91425">
+          <a:bodyPr lIns="91425" tIns="91425" rIns="91425" bIns="91425" anchor="ctr" anchorCtr="0">
             <a:noAutofit/>
           </a:bodyPr>
           <a:lstStyle/>
@@ -5096,6 +5372,7 @@
               <a:rPr lang="vi"/>
               <a:t>‹#›</a:t>
             </a:fld>
+            <a:endParaRPr lang="vi"/>
           </a:p>
         </p:txBody>
       </p:sp>
@@ -5108,11 +5385,11 @@
 </file>
 
 <file path=ppt/slideLayouts/slideLayout6.xml><?xml version="1.0" encoding="utf-8"?>
-<p:sldLayout xmlns:a="http://schemas.openxmlformats.org/drawingml/2006/main" xmlns:r="http://schemas.openxmlformats.org/officeDocument/2006/relationships" xmlns:mc="http://schemas.openxmlformats.org/markup-compatibility/2006" xmlns:mv="urn:schemas-microsoft-com:mac:vml" xmlns:p="http://schemas.openxmlformats.org/presentationml/2006/main" xmlns:c="http://schemas.openxmlformats.org/drawingml/2006/chart" xmlns:dgm="http://schemas.openxmlformats.org/drawingml/2006/diagram" xmlns:o="urn:schemas-microsoft-com:office:office" xmlns:v="urn:schemas-microsoft-com:vml" xmlns:pvml="urn:schemas-microsoft-com:office:powerpoint" xmlns:com="http://schemas.openxmlformats.org/drawingml/2006/compatibility" xmlns:p14="http://schemas.microsoft.com/office/powerpoint/2010/main">
+<p:sldLayout xmlns:a="http://schemas.openxmlformats.org/drawingml/2006/main" xmlns:r="http://schemas.openxmlformats.org/officeDocument/2006/relationships" xmlns:p="http://schemas.openxmlformats.org/presentationml/2006/main">
   <p:cSld name="One column text">
     <p:spTree>
       <p:nvGrpSpPr>
-        <p:cNvPr id="29" name="Shape 29"/>
+        <p:cNvPr id="1" name="Shape 29"/>
         <p:cNvGrpSpPr/>
         <p:nvPr/>
       </p:nvGrpSpPr>
@@ -5127,7 +5404,9 @@
       <p:sp>
         <p:nvSpPr>
           <p:cNvPr id="30" name="Shape 30"/>
-          <p:cNvSpPr txBox="1"/>
+          <p:cNvSpPr txBox="1">
+            <a:spLocks noGrp="1"/>
+          </p:cNvSpPr>
           <p:nvPr>
             <p:ph type="title"/>
           </p:nvPr>
@@ -5142,7 +5421,7 @@
           </a:prstGeom>
         </p:spPr>
         <p:txBody>
-          <a:bodyPr anchorCtr="0" anchor="b" bIns="91425" lIns="91425" rIns="91425" tIns="91425"/>
+          <a:bodyPr lIns="91425" tIns="91425" rIns="91425" bIns="91425" anchor="b" anchorCtr="0"/>
           <a:lstStyle>
             <a:lvl1pPr lvl="0">
               <a:spcBef>
@@ -5208,15 +5487,19 @@
               <a:defRPr sz="2400"/>
             </a:lvl9pPr>
           </a:lstStyle>
-          <a:p/>
+          <a:p>
+            <a:endParaRPr/>
+          </a:p>
         </p:txBody>
       </p:sp>
       <p:sp>
         <p:nvSpPr>
           <p:cNvPr id="31" name="Shape 31"/>
-          <p:cNvSpPr txBox="1"/>
+          <p:cNvSpPr txBox="1">
+            <a:spLocks noGrp="1"/>
+          </p:cNvSpPr>
           <p:nvPr>
-            <p:ph idx="1" type="body"/>
+            <p:ph type="body" idx="1"/>
           </p:nvPr>
         </p:nvSpPr>
         <p:spPr>
@@ -5229,7 +5512,7 @@
           </a:prstGeom>
         </p:spPr>
         <p:txBody>
-          <a:bodyPr anchorCtr="0" anchor="t" bIns="91425" lIns="91425" rIns="91425" tIns="91425"/>
+          <a:bodyPr lIns="91425" tIns="91425" rIns="91425" bIns="91425" anchor="t" anchorCtr="0"/>
           <a:lstStyle>
             <a:lvl1pPr lvl="0">
               <a:spcBef>
@@ -5295,15 +5578,19 @@
               <a:defRPr sz="1200"/>
             </a:lvl9pPr>
           </a:lstStyle>
-          <a:p/>
+          <a:p>
+            <a:endParaRPr/>
+          </a:p>
         </p:txBody>
       </p:sp>
       <p:sp>
         <p:nvSpPr>
           <p:cNvPr id="32" name="Shape 32"/>
-          <p:cNvSpPr txBox="1"/>
+          <p:cNvSpPr txBox="1">
+            <a:spLocks noGrp="1"/>
+          </p:cNvSpPr>
           <p:nvPr>
-            <p:ph idx="12" type="sldNum"/>
+            <p:ph type="sldNum" idx="12"/>
           </p:nvPr>
         </p:nvSpPr>
         <p:spPr>
@@ -5316,7 +5603,7 @@
           </a:prstGeom>
         </p:spPr>
         <p:txBody>
-          <a:bodyPr anchorCtr="0" anchor="ctr" bIns="91425" lIns="91425" rIns="91425" tIns="91425">
+          <a:bodyPr lIns="91425" tIns="91425" rIns="91425" bIns="91425" anchor="ctr" anchorCtr="0">
             <a:noAutofit/>
           </a:bodyPr>
           <a:lstStyle/>
@@ -5331,6 +5618,7 @@
               <a:rPr lang="vi"/>
               <a:t>‹#›</a:t>
             </a:fld>
+            <a:endParaRPr lang="vi"/>
           </a:p>
         </p:txBody>
       </p:sp>
@@ -5343,18 +5631,19 @@
 </file>
 
 <file path=ppt/slideLayouts/slideLayout7.xml><?xml version="1.0" encoding="utf-8"?>
-<p:sldLayout xmlns:a="http://schemas.openxmlformats.org/drawingml/2006/main" xmlns:r="http://schemas.openxmlformats.org/officeDocument/2006/relationships" xmlns:mc="http://schemas.openxmlformats.org/markup-compatibility/2006" xmlns:mv="urn:schemas-microsoft-com:mac:vml" xmlns:p="http://schemas.openxmlformats.org/presentationml/2006/main" xmlns:c="http://schemas.openxmlformats.org/drawingml/2006/chart" xmlns:dgm="http://schemas.openxmlformats.org/drawingml/2006/diagram" xmlns:o="urn:schemas-microsoft-com:office:office" xmlns:v="urn:schemas-microsoft-com:vml" xmlns:pvml="urn:schemas-microsoft-com:office:powerpoint" xmlns:com="http://schemas.openxmlformats.org/drawingml/2006/compatibility" xmlns:p14="http://schemas.microsoft.com/office/powerpoint/2010/main">
+<p:sldLayout xmlns:a="http://schemas.openxmlformats.org/drawingml/2006/main" xmlns:r="http://schemas.openxmlformats.org/officeDocument/2006/relationships" xmlns:p="http://schemas.openxmlformats.org/presentationml/2006/main">
   <p:cSld name="Main point">
     <p:bg>
       <p:bgPr>
         <a:solidFill>
           <a:schemeClr val="accent3"/>
         </a:solidFill>
+        <a:effectLst/>
       </p:bgPr>
     </p:bg>
     <p:spTree>
       <p:nvGrpSpPr>
-        <p:cNvPr id="33" name="Shape 33"/>
+        <p:cNvPr id="1" name="Shape 33"/>
         <p:cNvGrpSpPr/>
         <p:nvPr/>
       </p:nvGrpSpPr>
@@ -5369,7 +5658,9 @@
       <p:sp>
         <p:nvSpPr>
           <p:cNvPr id="34" name="Shape 34"/>
-          <p:cNvSpPr txBox="1"/>
+          <p:cNvSpPr txBox="1">
+            <a:spLocks noGrp="1"/>
+          </p:cNvSpPr>
           <p:nvPr>
             <p:ph type="title"/>
           </p:nvPr>
@@ -5384,7 +5675,7 @@
           </a:prstGeom>
         </p:spPr>
         <p:txBody>
-          <a:bodyPr anchorCtr="0" anchor="ctr" bIns="91425" lIns="91425" rIns="91425" tIns="91425"/>
+          <a:bodyPr lIns="91425" tIns="91425" rIns="91425" bIns="91425" anchor="ctr" anchorCtr="0"/>
           <a:lstStyle>
             <a:lvl1pPr lvl="0">
               <a:spcBef>
@@ -5513,15 +5804,19 @@
               </a:defRPr>
             </a:lvl9pPr>
           </a:lstStyle>
-          <a:p/>
+          <a:p>
+            <a:endParaRPr/>
+          </a:p>
         </p:txBody>
       </p:sp>
       <p:sp>
         <p:nvSpPr>
           <p:cNvPr id="35" name="Shape 35"/>
-          <p:cNvSpPr txBox="1"/>
+          <p:cNvSpPr txBox="1">
+            <a:spLocks noGrp="1"/>
+          </p:cNvSpPr>
           <p:nvPr>
-            <p:ph idx="12" type="sldNum"/>
+            <p:ph type="sldNum" idx="12"/>
           </p:nvPr>
         </p:nvSpPr>
         <p:spPr>
@@ -5534,7 +5829,7 @@
           </a:prstGeom>
         </p:spPr>
         <p:txBody>
-          <a:bodyPr anchorCtr="0" anchor="ctr" bIns="91425" lIns="91425" rIns="91425" tIns="91425">
+          <a:bodyPr lIns="91425" tIns="91425" rIns="91425" bIns="91425" anchor="ctr" anchorCtr="0">
             <a:noAutofit/>
           </a:bodyPr>
           <a:lstStyle/>
@@ -5553,6 +5848,11 @@
               </a:rPr>
               <a:t>‹#›</a:t>
             </a:fld>
+            <a:endParaRPr lang="vi">
+              <a:solidFill>
+                <a:schemeClr val="lt1"/>
+              </a:solidFill>
+            </a:endParaRPr>
           </a:p>
         </p:txBody>
       </p:sp>
@@ -5565,11 +5865,11 @@
 </file>
 
 <file path=ppt/slideLayouts/slideLayout8.xml><?xml version="1.0" encoding="utf-8"?>
-<p:sldLayout xmlns:a="http://schemas.openxmlformats.org/drawingml/2006/main" xmlns:r="http://schemas.openxmlformats.org/officeDocument/2006/relationships" xmlns:mc="http://schemas.openxmlformats.org/markup-compatibility/2006" xmlns:mv="urn:schemas-microsoft-com:mac:vml" xmlns:p="http://schemas.openxmlformats.org/presentationml/2006/main" xmlns:c="http://schemas.openxmlformats.org/drawingml/2006/chart" xmlns:dgm="http://schemas.openxmlformats.org/drawingml/2006/diagram" xmlns:o="urn:schemas-microsoft-com:office:office" xmlns:v="urn:schemas-microsoft-com:vml" xmlns:pvml="urn:schemas-microsoft-com:office:powerpoint" xmlns:com="http://schemas.openxmlformats.org/drawingml/2006/compatibility" xmlns:p14="http://schemas.microsoft.com/office/powerpoint/2010/main">
+<p:sldLayout xmlns:a="http://schemas.openxmlformats.org/drawingml/2006/main" xmlns:r="http://schemas.openxmlformats.org/officeDocument/2006/relationships" xmlns:p="http://schemas.openxmlformats.org/presentationml/2006/main">
   <p:cSld name="Section title and description">
     <p:spTree>
       <p:nvGrpSpPr>
-        <p:cNvPr id="36" name="Shape 36"/>
+        <p:cNvPr id="1" name="Shape 36"/>
         <p:cNvGrpSpPr/>
         <p:nvPr/>
       </p:nvGrpSpPr>
@@ -5603,7 +5903,7 @@
           </a:ln>
         </p:spPr>
         <p:txBody>
-          <a:bodyPr anchorCtr="0" anchor="ctr" bIns="91425" lIns="91425" rIns="91425" tIns="91425">
+          <a:bodyPr lIns="91425" tIns="91425" rIns="91425" bIns="91425" anchor="ctr" anchorCtr="0">
             <a:noAutofit/>
           </a:bodyPr>
           <a:lstStyle/>
@@ -5614,9 +5914,6 @@
               </a:spcBef>
               <a:buNone/>
             </a:pPr>
-            <a:r>
-              <a:t/>
-            </a:r>
             <a:endParaRPr/>
           </a:p>
         </p:txBody>
@@ -5636,21 +5933,23 @@
             <a:avLst/>
           </a:prstGeom>
           <a:noFill/>
-          <a:ln cap="flat" cmpd="sng" w="19050">
+          <a:ln w="19050" cap="flat" cmpd="sng">
             <a:solidFill>
               <a:schemeClr val="lt1"/>
             </a:solidFill>
             <a:prstDash val="solid"/>
             <a:round/>
-            <a:headEnd len="med" w="med" type="none"/>
-            <a:tailEnd len="med" w="med" type="none"/>
+            <a:headEnd type="none" w="med" len="med"/>
+            <a:tailEnd type="none" w="med" len="med"/>
           </a:ln>
         </p:spPr>
       </p:cxnSp>
       <p:sp>
         <p:nvSpPr>
           <p:cNvPr id="39" name="Shape 39"/>
-          <p:cNvSpPr txBox="1"/>
+          <p:cNvSpPr txBox="1">
+            <a:spLocks noGrp="1"/>
+          </p:cNvSpPr>
           <p:nvPr>
             <p:ph type="title"/>
           </p:nvPr>
@@ -5665,7 +5964,7 @@
           </a:prstGeom>
         </p:spPr>
         <p:txBody>
-          <a:bodyPr anchorCtr="0" anchor="b" bIns="91425" lIns="91425" rIns="91425" tIns="91425"/>
+          <a:bodyPr lIns="91425" tIns="91425" rIns="91425" bIns="91425" anchor="b" anchorCtr="0"/>
           <a:lstStyle>
             <a:lvl1pPr lvl="0" algn="ctr">
               <a:spcBef>
@@ -5731,15 +6030,19 @@
               <a:defRPr sz="3800"/>
             </a:lvl9pPr>
           </a:lstStyle>
-          <a:p/>
+          <a:p>
+            <a:endParaRPr/>
+          </a:p>
         </p:txBody>
       </p:sp>
       <p:sp>
         <p:nvSpPr>
           <p:cNvPr id="40" name="Shape 40"/>
-          <p:cNvSpPr txBox="1"/>
+          <p:cNvSpPr txBox="1">
+            <a:spLocks noGrp="1"/>
+          </p:cNvSpPr>
           <p:nvPr>
-            <p:ph idx="1" type="subTitle"/>
+            <p:ph type="subTitle" idx="1"/>
           </p:nvPr>
         </p:nvSpPr>
         <p:spPr>
@@ -5752,7 +6055,7 @@
           </a:prstGeom>
         </p:spPr>
         <p:txBody>
-          <a:bodyPr anchorCtr="0" anchor="t" bIns="91425" lIns="91425" rIns="91425" tIns="91425"/>
+          <a:bodyPr lIns="91425" tIns="91425" rIns="91425" bIns="91425" anchor="t" anchorCtr="0"/>
           <a:lstStyle>
             <a:lvl1pPr lvl="0" algn="ctr">
               <a:lnSpc>
@@ -5880,15 +6183,19 @@
               <a:defRPr sz="1800"/>
             </a:lvl9pPr>
           </a:lstStyle>
-          <a:p/>
+          <a:p>
+            <a:endParaRPr/>
+          </a:p>
         </p:txBody>
       </p:sp>
       <p:sp>
         <p:nvSpPr>
           <p:cNvPr id="41" name="Shape 41"/>
-          <p:cNvSpPr txBox="1"/>
+          <p:cNvSpPr txBox="1">
+            <a:spLocks noGrp="1"/>
+          </p:cNvSpPr>
           <p:nvPr>
-            <p:ph idx="2" type="body"/>
+            <p:ph type="body" idx="2"/>
           </p:nvPr>
         </p:nvSpPr>
         <p:spPr>
@@ -5901,7 +6208,7 @@
           </a:prstGeom>
         </p:spPr>
         <p:txBody>
-          <a:bodyPr anchorCtr="0" anchor="ctr" bIns="91425" lIns="91425" rIns="91425" tIns="91425"/>
+          <a:bodyPr lIns="91425" tIns="91425" rIns="91425" bIns="91425" anchor="ctr" anchorCtr="0"/>
           <a:lstStyle>
             <a:lvl1pPr lvl="0">
               <a:spcBef>
@@ -6021,15 +6328,19 @@
               </a:defRPr>
             </a:lvl9pPr>
           </a:lstStyle>
-          <a:p/>
+          <a:p>
+            <a:endParaRPr/>
+          </a:p>
         </p:txBody>
       </p:sp>
       <p:sp>
         <p:nvSpPr>
           <p:cNvPr id="42" name="Shape 42"/>
-          <p:cNvSpPr txBox="1"/>
+          <p:cNvSpPr txBox="1">
+            <a:spLocks noGrp="1"/>
+          </p:cNvSpPr>
           <p:nvPr>
-            <p:ph idx="12" type="sldNum"/>
+            <p:ph type="sldNum" idx="12"/>
           </p:nvPr>
         </p:nvSpPr>
         <p:spPr>
@@ -6042,7 +6353,7 @@
           </a:prstGeom>
         </p:spPr>
         <p:txBody>
-          <a:bodyPr anchorCtr="0" anchor="ctr" bIns="91425" lIns="91425" rIns="91425" tIns="91425">
+          <a:bodyPr lIns="91425" tIns="91425" rIns="91425" bIns="91425" anchor="ctr" anchorCtr="0">
             <a:noAutofit/>
           </a:bodyPr>
           <a:lstStyle/>
@@ -6061,6 +6372,11 @@
               </a:rPr>
               <a:t>‹#›</a:t>
             </a:fld>
+            <a:endParaRPr lang="vi">
+              <a:solidFill>
+                <a:schemeClr val="lt1"/>
+              </a:solidFill>
+            </a:endParaRPr>
           </a:p>
         </p:txBody>
       </p:sp>
@@ -6073,11 +6389,11 @@
 </file>
 
 <file path=ppt/slideLayouts/slideLayout9.xml><?xml version="1.0" encoding="utf-8"?>
-<p:sldLayout xmlns:a="http://schemas.openxmlformats.org/drawingml/2006/main" xmlns:r="http://schemas.openxmlformats.org/officeDocument/2006/relationships" xmlns:mc="http://schemas.openxmlformats.org/markup-compatibility/2006" xmlns:mv="urn:schemas-microsoft-com:mac:vml" xmlns:p="http://schemas.openxmlformats.org/presentationml/2006/main" xmlns:c="http://schemas.openxmlformats.org/drawingml/2006/chart" xmlns:dgm="http://schemas.openxmlformats.org/drawingml/2006/diagram" xmlns:o="urn:schemas-microsoft-com:office:office" xmlns:v="urn:schemas-microsoft-com:vml" xmlns:pvml="urn:schemas-microsoft-com:office:powerpoint" xmlns:com="http://schemas.openxmlformats.org/drawingml/2006/compatibility" xmlns:p14="http://schemas.microsoft.com/office/powerpoint/2010/main">
+<p:sldLayout xmlns:a="http://schemas.openxmlformats.org/drawingml/2006/main" xmlns:r="http://schemas.openxmlformats.org/officeDocument/2006/relationships" xmlns:p="http://schemas.openxmlformats.org/presentationml/2006/main">
   <p:cSld name="Caption">
     <p:spTree>
       <p:nvGrpSpPr>
-        <p:cNvPr id="43" name="Shape 43"/>
+        <p:cNvPr id="1" name="Shape 43"/>
         <p:cNvGrpSpPr/>
         <p:nvPr/>
       </p:nvGrpSpPr>
@@ -6092,9 +6408,11 @@
       <p:sp>
         <p:nvSpPr>
           <p:cNvPr id="44" name="Shape 44"/>
-          <p:cNvSpPr txBox="1"/>
+          <p:cNvSpPr txBox="1">
+            <a:spLocks noGrp="1"/>
+          </p:cNvSpPr>
           <p:nvPr>
-            <p:ph idx="1" type="body"/>
+            <p:ph type="body" idx="1"/>
           </p:nvPr>
         </p:nvSpPr>
         <p:spPr>
@@ -6107,7 +6425,7 @@
           </a:prstGeom>
         </p:spPr>
         <p:txBody>
-          <a:bodyPr anchorCtr="0" anchor="ctr" bIns="91425" lIns="91425" rIns="91425" tIns="91425"/>
+          <a:bodyPr lIns="91425" tIns="91425" rIns="91425" bIns="91425" anchor="ctr" anchorCtr="0"/>
           <a:lstStyle>
             <a:lvl1pPr lvl="0">
               <a:lnSpc>
@@ -6135,15 +6453,19 @@
               </a:defRPr>
             </a:lvl1pPr>
           </a:lstStyle>
-          <a:p/>
+          <a:p>
+            <a:endParaRPr/>
+          </a:p>
         </p:txBody>
       </p:sp>
       <p:sp>
         <p:nvSpPr>
           <p:cNvPr id="45" name="Shape 45"/>
-          <p:cNvSpPr txBox="1"/>
+          <p:cNvSpPr txBox="1">
+            <a:spLocks noGrp="1"/>
+          </p:cNvSpPr>
           <p:nvPr>
-            <p:ph idx="12" type="sldNum"/>
+            <p:ph type="sldNum" idx="12"/>
           </p:nvPr>
         </p:nvSpPr>
         <p:spPr>
@@ -6156,7 +6478,7 @@
           </a:prstGeom>
         </p:spPr>
         <p:txBody>
-          <a:bodyPr anchorCtr="0" anchor="ctr" bIns="91425" lIns="91425" rIns="91425" tIns="91425">
+          <a:bodyPr lIns="91425" tIns="91425" rIns="91425" bIns="91425" anchor="ctr" anchorCtr="0">
             <a:noAutofit/>
           </a:bodyPr>
           <a:lstStyle/>
@@ -6171,6 +6493,7 @@
               <a:rPr lang="vi"/>
               <a:t>‹#›</a:t>
             </a:fld>
+            <a:endParaRPr lang="vi"/>
           </a:p>
         </p:txBody>
       </p:sp>
@@ -6183,18 +6506,19 @@
 </file>
 
 <file path=ppt/slideMasters/slideMaster1.xml><?xml version="1.0" encoding="utf-8"?>
-<p:sldMaster xmlns:a="http://schemas.openxmlformats.org/drawingml/2006/main" xmlns:r="http://schemas.openxmlformats.org/officeDocument/2006/relationships" xmlns:mc="http://schemas.openxmlformats.org/markup-compatibility/2006" xmlns:mv="urn:schemas-microsoft-com:mac:vml" xmlns:p="http://schemas.openxmlformats.org/presentationml/2006/main" xmlns:c="http://schemas.openxmlformats.org/drawingml/2006/chart" xmlns:dgm="http://schemas.openxmlformats.org/drawingml/2006/diagram" xmlns:o="urn:schemas-microsoft-com:office:office" xmlns:v="urn:schemas-microsoft-com:vml" xmlns:pvml="urn:schemas-microsoft-com:office:powerpoint" xmlns:com="http://schemas.openxmlformats.org/drawingml/2006/compatibility" xmlns:p14="http://schemas.microsoft.com/office/powerpoint/2010/main">
+<p:sldMaster xmlns:a="http://schemas.openxmlformats.org/drawingml/2006/main" xmlns:r="http://schemas.openxmlformats.org/officeDocument/2006/relationships" xmlns:p="http://schemas.openxmlformats.org/presentationml/2006/main">
   <p:cSld>
     <p:bg>
       <p:bgPr>
         <a:solidFill>
           <a:schemeClr val="lt1"/>
         </a:solidFill>
+        <a:effectLst/>
       </p:bgPr>
     </p:bg>
     <p:spTree>
       <p:nvGrpSpPr>
-        <p:cNvPr id="5" name="Shape 5"/>
+        <p:cNvPr id="1" name="Shape 5"/>
         <p:cNvGrpSpPr/>
         <p:nvPr/>
       </p:nvGrpSpPr>
@@ -6209,7 +6533,9 @@
       <p:sp>
         <p:nvSpPr>
           <p:cNvPr id="6" name="Shape 6"/>
-          <p:cNvSpPr txBox="1"/>
+          <p:cNvSpPr txBox="1">
+            <a:spLocks noGrp="1"/>
+          </p:cNvSpPr>
           <p:nvPr>
             <p:ph type="title"/>
           </p:nvPr>
@@ -6228,7 +6554,7 @@
           </a:ln>
         </p:spPr>
         <p:txBody>
-          <a:bodyPr anchorCtr="0" anchor="t" bIns="91425" lIns="91425" rIns="91425" tIns="91425"/>
+          <a:bodyPr lIns="91425" tIns="91425" rIns="91425" bIns="91425" anchor="t" anchorCtr="0"/>
           <a:lstStyle>
             <a:lvl1pPr lvl="0">
               <a:spcBef>
@@ -6411,15 +6737,19 @@
               </a:defRPr>
             </a:lvl9pPr>
           </a:lstStyle>
-          <a:p/>
+          <a:p>
+            <a:endParaRPr/>
+          </a:p>
         </p:txBody>
       </p:sp>
       <p:sp>
         <p:nvSpPr>
           <p:cNvPr id="7" name="Shape 7"/>
-          <p:cNvSpPr txBox="1"/>
+          <p:cNvSpPr txBox="1">
+            <a:spLocks noGrp="1"/>
+          </p:cNvSpPr>
           <p:nvPr>
-            <p:ph idx="1" type="body"/>
+            <p:ph type="body" idx="1"/>
           </p:nvPr>
         </p:nvSpPr>
         <p:spPr>
@@ -6436,7 +6766,7 @@
           </a:ln>
         </p:spPr>
         <p:txBody>
-          <a:bodyPr anchorCtr="0" anchor="t" bIns="91425" lIns="91425" rIns="91425" tIns="91425"/>
+          <a:bodyPr lIns="91425" tIns="91425" rIns="91425" bIns="91425" anchor="t" anchorCtr="0"/>
           <a:lstStyle>
             <a:lvl1pPr lvl="0">
               <a:lnSpc>
@@ -6656,15 +6986,19 @@
               </a:defRPr>
             </a:lvl9pPr>
           </a:lstStyle>
-          <a:p/>
+          <a:p>
+            <a:endParaRPr/>
+          </a:p>
         </p:txBody>
       </p:sp>
       <p:sp>
         <p:nvSpPr>
           <p:cNvPr id="8" name="Shape 8"/>
-          <p:cNvSpPr txBox="1"/>
+          <p:cNvSpPr txBox="1">
+            <a:spLocks noGrp="1"/>
+          </p:cNvSpPr>
           <p:nvPr>
-            <p:ph idx="12" type="sldNum"/>
+            <p:ph type="sldNum" idx="12"/>
           </p:nvPr>
         </p:nvSpPr>
         <p:spPr>
@@ -6681,7 +7015,7 @@
           </a:ln>
         </p:spPr>
         <p:txBody>
-          <a:bodyPr anchorCtr="0" anchor="ctr" bIns="91425" lIns="91425" rIns="91425" tIns="91425">
+          <a:bodyPr lIns="91425" tIns="91425" rIns="91425" bIns="91425" anchor="ctr" anchorCtr="0">
             <a:noAutofit/>
           </a:bodyPr>
           <a:lstStyle/>
@@ -6704,12 +7038,21 @@
               </a:rPr>
               <a:t>‹#›</a:t>
             </a:fld>
+            <a:endParaRPr lang="vi" sz="1000">
+              <a:solidFill>
+                <a:schemeClr val="dk2"/>
+              </a:solidFill>
+              <a:latin typeface="Proxima Nova"/>
+              <a:ea typeface="Proxima Nova"/>
+              <a:cs typeface="Proxima Nova"/>
+              <a:sym typeface="Proxima Nova"/>
+            </a:endParaRPr>
           </a:p>
         </p:txBody>
       </p:sp>
     </p:spTree>
   </p:cSld>
-  <p:clrMap accent1="accent1" accent2="accent2" accent3="accent3" accent4="accent4" accent5="accent5" accent6="accent6" bg1="lt1" bg2="dk2" tx1="dk1" tx2="lt2" folHlink="folHlink" hlink="hlink"/>
+  <p:clrMap bg1="lt1" tx1="dk1" bg2="dk2" tx2="lt2" accent1="accent1" accent2="accent2" accent3="accent3" accent4="accent4" accent5="accent5" accent6="accent6" hlink="hlink" folHlink="folHlink"/>
   <p:sldLayoutIdLst>
     <p:sldLayoutId id="2147483648" r:id="rId1"/>
     <p:sldLayoutId id="2147483649" r:id="rId2"/>
@@ -6723,10 +7066,10 @@
     <p:sldLayoutId id="2147483657" r:id="rId10"/>
     <p:sldLayoutId id="2147483658" r:id="rId11"/>
   </p:sldLayoutIdLst>
-  <p:hf dt="0" ftr="0" hdr="0" sldNum="0"/>
+  <p:hf sldNum="0" hdr="0" ftr="0" dt="0"/>
   <p:txStyles>
     <p:titleStyle>
-      <a:defPPr lvl="0" marR="0" rtl="0" algn="l">
+      <a:defPPr marR="0" lvl="0" algn="l" rtl="0">
         <a:lnSpc>
           <a:spcPct val="100000"/>
         </a:lnSpc>
@@ -6737,7 +7080,7 @@
           <a:spcPts val="0"/>
         </a:spcAft>
       </a:defPPr>
-      <a:lvl1pPr lvl="0" marR="0" rtl="0" algn="l">
+      <a:lvl1pPr marR="0" lvl="0" algn="l" rtl="0">
         <a:lnSpc>
           <a:spcPct val="100000"/>
         </a:lnSpc>
@@ -6748,7 +7091,7 @@
           <a:spcPts val="0"/>
         </a:spcAft>
         <a:buNone/>
-        <a:defRPr b="0" i="0" sz="1400" u="none" cap="none" strike="noStrike">
+        <a:defRPr sz="1400" b="0" i="0" u="none" strike="noStrike" cap="none">
           <a:solidFill>
             <a:srgbClr val="000000"/>
           </a:solidFill>
@@ -6760,7 +7103,7 @@
       </a:lvl1pPr>
     </p:titleStyle>
     <p:bodyStyle>
-      <a:defPPr lvl="0" marR="0" rtl="0" algn="l">
+      <a:defPPr marR="0" lvl="0" algn="l" rtl="0">
         <a:lnSpc>
           <a:spcPct val="100000"/>
         </a:lnSpc>
@@ -6771,7 +7114,7 @@
           <a:spcPts val="0"/>
         </a:spcAft>
       </a:defPPr>
-      <a:lvl1pPr lvl="0" marR="0" rtl="0" algn="l">
+      <a:lvl1pPr marR="0" lvl="0" algn="l" rtl="0">
         <a:lnSpc>
           <a:spcPct val="100000"/>
         </a:lnSpc>
@@ -6782,7 +7125,7 @@
           <a:spcPts val="0"/>
         </a:spcAft>
         <a:buNone/>
-        <a:defRPr b="0" i="0" sz="1400" u="none" cap="none" strike="noStrike">
+        <a:defRPr sz="1400" b="0" i="0" u="none" strike="noStrike" cap="none">
           <a:solidFill>
             <a:srgbClr val="000000"/>
           </a:solidFill>
@@ -6792,7 +7135,7 @@
           <a:sym typeface="Arial"/>
         </a:defRPr>
       </a:lvl1pPr>
-      <a:lvl2pPr lvl="1" marR="0" rtl="0" algn="l">
+      <a:lvl2pPr marR="0" lvl="1" algn="l" rtl="0">
         <a:lnSpc>
           <a:spcPct val="100000"/>
         </a:lnSpc>
@@ -6803,7 +7146,7 @@
           <a:spcPts val="0"/>
         </a:spcAft>
         <a:buNone/>
-        <a:defRPr b="0" i="0" sz="1400" u="none" cap="none" strike="noStrike">
+        <a:defRPr sz="1400" b="0" i="0" u="none" strike="noStrike" cap="none">
           <a:solidFill>
             <a:srgbClr val="000000"/>
           </a:solidFill>
@@ -6813,7 +7156,7 @@
           <a:sym typeface="Arial"/>
         </a:defRPr>
       </a:lvl2pPr>
-      <a:lvl3pPr lvl="2" marR="0" rtl="0" algn="l">
+      <a:lvl3pPr marR="0" lvl="2" algn="l" rtl="0">
         <a:lnSpc>
           <a:spcPct val="100000"/>
         </a:lnSpc>
@@ -6824,7 +7167,7 @@
           <a:spcPts val="0"/>
         </a:spcAft>
         <a:buNone/>
-        <a:defRPr b="0" i="0" sz="1400" u="none" cap="none" strike="noStrike">
+        <a:defRPr sz="1400" b="0" i="0" u="none" strike="noStrike" cap="none">
           <a:solidFill>
             <a:srgbClr val="000000"/>
           </a:solidFill>
@@ -6834,7 +7177,7 @@
           <a:sym typeface="Arial"/>
         </a:defRPr>
       </a:lvl3pPr>
-      <a:lvl4pPr lvl="3" marR="0" rtl="0" algn="l">
+      <a:lvl4pPr marR="0" lvl="3" algn="l" rtl="0">
         <a:lnSpc>
           <a:spcPct val="100000"/>
         </a:lnSpc>
@@ -6845,7 +7188,7 @@
           <a:spcPts val="0"/>
         </a:spcAft>
         <a:buNone/>
-        <a:defRPr b="0" i="0" sz="1400" u="none" cap="none" strike="noStrike">
+        <a:defRPr sz="1400" b="0" i="0" u="none" strike="noStrike" cap="none">
           <a:solidFill>
             <a:srgbClr val="000000"/>
           </a:solidFill>
@@ -6855,7 +7198,7 @@
           <a:sym typeface="Arial"/>
         </a:defRPr>
       </a:lvl4pPr>
-      <a:lvl5pPr lvl="4" marR="0" rtl="0" algn="l">
+      <a:lvl5pPr marR="0" lvl="4" algn="l" rtl="0">
         <a:lnSpc>
           <a:spcPct val="100000"/>
         </a:lnSpc>
@@ -6866,7 +7209,7 @@
           <a:spcPts val="0"/>
         </a:spcAft>
         <a:buNone/>
-        <a:defRPr b="0" i="0" sz="1400" u="none" cap="none" strike="noStrike">
+        <a:defRPr sz="1400" b="0" i="0" u="none" strike="noStrike" cap="none">
           <a:solidFill>
             <a:srgbClr val="000000"/>
           </a:solidFill>
@@ -6876,7 +7219,7 @@
           <a:sym typeface="Arial"/>
         </a:defRPr>
       </a:lvl5pPr>
-      <a:lvl6pPr lvl="5" marR="0" rtl="0" algn="l">
+      <a:lvl6pPr marR="0" lvl="5" algn="l" rtl="0">
         <a:lnSpc>
           <a:spcPct val="100000"/>
         </a:lnSpc>
@@ -6887,7 +7230,7 @@
           <a:spcPts val="0"/>
         </a:spcAft>
         <a:buNone/>
-        <a:defRPr b="0" i="0" sz="1400" u="none" cap="none" strike="noStrike">
+        <a:defRPr sz="1400" b="0" i="0" u="none" strike="noStrike" cap="none">
           <a:solidFill>
             <a:srgbClr val="000000"/>
           </a:solidFill>
@@ -6897,7 +7240,7 @@
           <a:sym typeface="Arial"/>
         </a:defRPr>
       </a:lvl6pPr>
-      <a:lvl7pPr lvl="6" marR="0" rtl="0" algn="l">
+      <a:lvl7pPr marR="0" lvl="6" algn="l" rtl="0">
         <a:lnSpc>
           <a:spcPct val="100000"/>
         </a:lnSpc>
@@ -6908,7 +7251,7 @@
           <a:spcPts val="0"/>
         </a:spcAft>
         <a:buNone/>
-        <a:defRPr b="0" i="0" sz="1400" u="none" cap="none" strike="noStrike">
+        <a:defRPr sz="1400" b="0" i="0" u="none" strike="noStrike" cap="none">
           <a:solidFill>
             <a:srgbClr val="000000"/>
           </a:solidFill>
@@ -6918,7 +7261,7 @@
           <a:sym typeface="Arial"/>
         </a:defRPr>
       </a:lvl7pPr>
-      <a:lvl8pPr lvl="7" marR="0" rtl="0" algn="l">
+      <a:lvl8pPr marR="0" lvl="7" algn="l" rtl="0">
         <a:lnSpc>
           <a:spcPct val="100000"/>
         </a:lnSpc>
@@ -6929,7 +7272,7 @@
           <a:spcPts val="0"/>
         </a:spcAft>
         <a:buNone/>
-        <a:defRPr b="0" i="0" sz="1400" u="none" cap="none" strike="noStrike">
+        <a:defRPr sz="1400" b="0" i="0" u="none" strike="noStrike" cap="none">
           <a:solidFill>
             <a:srgbClr val="000000"/>
           </a:solidFill>
@@ -6939,7 +7282,7 @@
           <a:sym typeface="Arial"/>
         </a:defRPr>
       </a:lvl8pPr>
-      <a:lvl9pPr lvl="8" marR="0" rtl="0" algn="l">
+      <a:lvl9pPr marR="0" lvl="8" algn="l" rtl="0">
         <a:lnSpc>
           <a:spcPct val="100000"/>
         </a:lnSpc>
@@ -6950,7 +7293,7 @@
           <a:spcPts val="0"/>
         </a:spcAft>
         <a:buNone/>
-        <a:defRPr b="0" i="0" sz="1400" u="none" cap="none" strike="noStrike">
+        <a:defRPr sz="1400" b="0" i="0" u="none" strike="noStrike" cap="none">
           <a:solidFill>
             <a:srgbClr val="000000"/>
           </a:solidFill>
@@ -6962,7 +7305,7 @@
       </a:lvl9pPr>
     </p:bodyStyle>
     <p:otherStyle>
-      <a:defPPr lvl="0" marR="0" rtl="0" algn="l">
+      <a:defPPr marR="0" lvl="0" algn="l" rtl="0">
         <a:lnSpc>
           <a:spcPct val="100000"/>
         </a:lnSpc>
@@ -6973,7 +7316,7 @@
           <a:spcPts val="0"/>
         </a:spcAft>
       </a:defPPr>
-      <a:lvl1pPr lvl="0" marR="0" rtl="0" algn="l">
+      <a:lvl1pPr marR="0" lvl="0" algn="l" rtl="0">
         <a:lnSpc>
           <a:spcPct val="100000"/>
         </a:lnSpc>
@@ -6984,7 +7327,7 @@
           <a:spcPts val="0"/>
         </a:spcAft>
         <a:buNone/>
-        <a:defRPr b="0" i="0" sz="1400" u="none" cap="none" strike="noStrike">
+        <a:defRPr sz="1400" b="0" i="0" u="none" strike="noStrike" cap="none">
           <a:solidFill>
             <a:srgbClr val="000000"/>
           </a:solidFill>
@@ -6994,7 +7337,7 @@
           <a:sym typeface="Arial"/>
         </a:defRPr>
       </a:lvl1pPr>
-      <a:lvl2pPr lvl="1" marR="0" rtl="0" algn="l">
+      <a:lvl2pPr marR="0" lvl="1" algn="l" rtl="0">
         <a:lnSpc>
           <a:spcPct val="100000"/>
         </a:lnSpc>
@@ -7005,7 +7348,7 @@
           <a:spcPts val="0"/>
         </a:spcAft>
         <a:buNone/>
-        <a:defRPr b="0" i="0" sz="1400" u="none" cap="none" strike="noStrike">
+        <a:defRPr sz="1400" b="0" i="0" u="none" strike="noStrike" cap="none">
           <a:solidFill>
             <a:srgbClr val="000000"/>
           </a:solidFill>
@@ -7015,7 +7358,7 @@
           <a:sym typeface="Arial"/>
         </a:defRPr>
       </a:lvl2pPr>
-      <a:lvl3pPr lvl="2" marR="0" rtl="0" algn="l">
+      <a:lvl3pPr marR="0" lvl="2" algn="l" rtl="0">
         <a:lnSpc>
           <a:spcPct val="100000"/>
         </a:lnSpc>
@@ -7026,7 +7369,7 @@
           <a:spcPts val="0"/>
         </a:spcAft>
         <a:buNone/>
-        <a:defRPr b="0" i="0" sz="1400" u="none" cap="none" strike="noStrike">
+        <a:defRPr sz="1400" b="0" i="0" u="none" strike="noStrike" cap="none">
           <a:solidFill>
             <a:srgbClr val="000000"/>
           </a:solidFill>
@@ -7036,7 +7379,7 @@
           <a:sym typeface="Arial"/>
         </a:defRPr>
       </a:lvl3pPr>
-      <a:lvl4pPr lvl="3" marR="0" rtl="0" algn="l">
+      <a:lvl4pPr marR="0" lvl="3" algn="l" rtl="0">
         <a:lnSpc>
           <a:spcPct val="100000"/>
         </a:lnSpc>
@@ -7047,7 +7390,7 @@
           <a:spcPts val="0"/>
         </a:spcAft>
         <a:buNone/>
-        <a:defRPr b="0" i="0" sz="1400" u="none" cap="none" strike="noStrike">
+        <a:defRPr sz="1400" b="0" i="0" u="none" strike="noStrike" cap="none">
           <a:solidFill>
             <a:srgbClr val="000000"/>
           </a:solidFill>
@@ -7057,7 +7400,7 @@
           <a:sym typeface="Arial"/>
         </a:defRPr>
       </a:lvl4pPr>
-      <a:lvl5pPr lvl="4" marR="0" rtl="0" algn="l">
+      <a:lvl5pPr marR="0" lvl="4" algn="l" rtl="0">
         <a:lnSpc>
           <a:spcPct val="100000"/>
         </a:lnSpc>
@@ -7068,7 +7411,7 @@
           <a:spcPts val="0"/>
         </a:spcAft>
         <a:buNone/>
-        <a:defRPr b="0" i="0" sz="1400" u="none" cap="none" strike="noStrike">
+        <a:defRPr sz="1400" b="0" i="0" u="none" strike="noStrike" cap="none">
           <a:solidFill>
             <a:srgbClr val="000000"/>
           </a:solidFill>
@@ -7078,7 +7421,7 @@
           <a:sym typeface="Arial"/>
         </a:defRPr>
       </a:lvl5pPr>
-      <a:lvl6pPr lvl="5" marR="0" rtl="0" algn="l">
+      <a:lvl6pPr marR="0" lvl="5" algn="l" rtl="0">
         <a:lnSpc>
           <a:spcPct val="100000"/>
         </a:lnSpc>
@@ -7089,7 +7432,7 @@
           <a:spcPts val="0"/>
         </a:spcAft>
         <a:buNone/>
-        <a:defRPr b="0" i="0" sz="1400" u="none" cap="none" strike="noStrike">
+        <a:defRPr sz="1400" b="0" i="0" u="none" strike="noStrike" cap="none">
           <a:solidFill>
             <a:srgbClr val="000000"/>
           </a:solidFill>
@@ -7099,7 +7442,7 @@
           <a:sym typeface="Arial"/>
         </a:defRPr>
       </a:lvl6pPr>
-      <a:lvl7pPr lvl="6" marR="0" rtl="0" algn="l">
+      <a:lvl7pPr marR="0" lvl="6" algn="l" rtl="0">
         <a:lnSpc>
           <a:spcPct val="100000"/>
         </a:lnSpc>
@@ -7110,7 +7453,7 @@
           <a:spcPts val="0"/>
         </a:spcAft>
         <a:buNone/>
-        <a:defRPr b="0" i="0" sz="1400" u="none" cap="none" strike="noStrike">
+        <a:defRPr sz="1400" b="0" i="0" u="none" strike="noStrike" cap="none">
           <a:solidFill>
             <a:srgbClr val="000000"/>
           </a:solidFill>
@@ -7120,7 +7463,7 @@
           <a:sym typeface="Arial"/>
         </a:defRPr>
       </a:lvl7pPr>
-      <a:lvl8pPr lvl="7" marR="0" rtl="0" algn="l">
+      <a:lvl8pPr marR="0" lvl="7" algn="l" rtl="0">
         <a:lnSpc>
           <a:spcPct val="100000"/>
         </a:lnSpc>
@@ -7131,7 +7474,7 @@
           <a:spcPts val="0"/>
         </a:spcAft>
         <a:buNone/>
-        <a:defRPr b="0" i="0" sz="1400" u="none" cap="none" strike="noStrike">
+        <a:defRPr sz="1400" b="0" i="0" u="none" strike="noStrike" cap="none">
           <a:solidFill>
             <a:srgbClr val="000000"/>
           </a:solidFill>
@@ -7141,7 +7484,7 @@
           <a:sym typeface="Arial"/>
         </a:defRPr>
       </a:lvl8pPr>
-      <a:lvl9pPr lvl="8" marR="0" rtl="0" algn="l">
+      <a:lvl9pPr marR="0" lvl="8" algn="l" rtl="0">
         <a:lnSpc>
           <a:spcPct val="100000"/>
         </a:lnSpc>
@@ -7152,7 +7495,7 @@
           <a:spcPts val="0"/>
         </a:spcAft>
         <a:buNone/>
-        <a:defRPr b="0" i="0" sz="1400" u="none" cap="none" strike="noStrike">
+        <a:defRPr sz="1400" b="0" i="0" u="none" strike="noStrike" cap="none">
           <a:solidFill>
             <a:srgbClr val="000000"/>
           </a:solidFill>
@@ -7168,18 +7511,19 @@
 </file>
 
 <file path=ppt/slideMasters/slideMaster2.xml><?xml version="1.0" encoding="utf-8"?>
-<p:sldMaster xmlns:a="http://schemas.openxmlformats.org/drawingml/2006/main" xmlns:r="http://schemas.openxmlformats.org/officeDocument/2006/relationships" xmlns:mc="http://schemas.openxmlformats.org/markup-compatibility/2006" xmlns:mv="urn:schemas-microsoft-com:mac:vml" xmlns:p="http://schemas.openxmlformats.org/presentationml/2006/main" xmlns:c="http://schemas.openxmlformats.org/drawingml/2006/chart" xmlns:dgm="http://schemas.openxmlformats.org/drawingml/2006/diagram" xmlns:o="urn:schemas-microsoft-com:office:office" xmlns:v="urn:schemas-microsoft-com:vml" xmlns:pvml="urn:schemas-microsoft-com:office:powerpoint" xmlns:com="http://schemas.openxmlformats.org/drawingml/2006/compatibility" xmlns:p14="http://schemas.microsoft.com/office/powerpoint/2010/main">
+<p:sldMaster xmlns:a="http://schemas.openxmlformats.org/drawingml/2006/main" xmlns:r="http://schemas.openxmlformats.org/officeDocument/2006/relationships" xmlns:p="http://schemas.openxmlformats.org/presentationml/2006/main">
   <p:cSld>
     <p:bg>
       <p:bgPr>
         <a:solidFill>
           <a:schemeClr val="lt1"/>
         </a:solidFill>
+        <a:effectLst/>
       </p:bgPr>
     </p:bg>
     <p:spTree>
       <p:nvGrpSpPr>
-        <p:cNvPr id="52" name="Shape 52"/>
+        <p:cNvPr id="1" name="Shape 52"/>
         <p:cNvGrpSpPr/>
         <p:nvPr/>
       </p:nvGrpSpPr>
@@ -7194,7 +7538,9 @@
       <p:sp>
         <p:nvSpPr>
           <p:cNvPr id="53" name="Shape 53"/>
-          <p:cNvSpPr txBox="1"/>
+          <p:cNvSpPr txBox="1">
+            <a:spLocks noGrp="1"/>
+          </p:cNvSpPr>
           <p:nvPr>
             <p:ph type="title"/>
           </p:nvPr>
@@ -7213,7 +7559,7 @@
           </a:ln>
         </p:spPr>
         <p:txBody>
-          <a:bodyPr anchorCtr="0" anchor="t" bIns="91425" lIns="91425" rIns="91425" tIns="91425"/>
+          <a:bodyPr lIns="91425" tIns="91425" rIns="91425" bIns="91425" anchor="t" anchorCtr="0"/>
           <a:lstStyle>
             <a:lvl1pPr lvl="0" rtl="0">
               <a:spcBef>
@@ -7351,15 +7697,19 @@
               </a:defRPr>
             </a:lvl9pPr>
           </a:lstStyle>
-          <a:p/>
+          <a:p>
+            <a:endParaRPr/>
+          </a:p>
         </p:txBody>
       </p:sp>
       <p:sp>
         <p:nvSpPr>
           <p:cNvPr id="54" name="Shape 54"/>
-          <p:cNvSpPr txBox="1"/>
+          <p:cNvSpPr txBox="1">
+            <a:spLocks noGrp="1"/>
+          </p:cNvSpPr>
           <p:nvPr>
-            <p:ph idx="1" type="body"/>
+            <p:ph type="body" idx="1"/>
           </p:nvPr>
         </p:nvSpPr>
         <p:spPr>
@@ -7376,7 +7726,7 @@
           </a:ln>
         </p:spPr>
         <p:txBody>
-          <a:bodyPr anchorCtr="0" anchor="t" bIns="91425" lIns="91425" rIns="91425" tIns="91425"/>
+          <a:bodyPr lIns="91425" tIns="91425" rIns="91425" bIns="91425" anchor="t" anchorCtr="0"/>
           <a:lstStyle>
             <a:lvl1pPr lvl="0" rtl="0">
               <a:lnSpc>
@@ -7551,15 +7901,19 @@
               </a:defRPr>
             </a:lvl9pPr>
           </a:lstStyle>
-          <a:p/>
+          <a:p>
+            <a:endParaRPr/>
+          </a:p>
         </p:txBody>
       </p:sp>
       <p:sp>
         <p:nvSpPr>
           <p:cNvPr id="55" name="Shape 55"/>
-          <p:cNvSpPr txBox="1"/>
+          <p:cNvSpPr txBox="1">
+            <a:spLocks noGrp="1"/>
+          </p:cNvSpPr>
           <p:nvPr>
-            <p:ph idx="12" type="sldNum"/>
+            <p:ph type="sldNum" idx="12"/>
           </p:nvPr>
         </p:nvSpPr>
         <p:spPr>
@@ -7576,12 +7930,12 @@
           </a:ln>
         </p:spPr>
         <p:txBody>
-          <a:bodyPr anchorCtr="0" anchor="ctr" bIns="91425" lIns="91425" rIns="91425" tIns="91425">
+          <a:bodyPr lIns="91425" tIns="91425" rIns="91425" bIns="91425" anchor="ctr" anchorCtr="0">
             <a:noAutofit/>
           </a:bodyPr>
           <a:lstStyle/>
           <a:p>
-            <a:pPr lvl="0" rtl="0" algn="r">
+            <a:pPr lvl="0" algn="r" rtl="0">
               <a:spcBef>
                 <a:spcPts val="0"/>
               </a:spcBef>
@@ -7595,12 +7949,17 @@
               </a:rPr>
               <a:t>‹#›</a:t>
             </a:fld>
+            <a:endParaRPr lang="vi" sz="1000">
+              <a:solidFill>
+                <a:schemeClr val="dk2"/>
+              </a:solidFill>
+            </a:endParaRPr>
           </a:p>
         </p:txBody>
       </p:sp>
     </p:spTree>
   </p:cSld>
-  <p:clrMap accent1="accent1" accent2="accent2" accent3="accent3" accent4="accent4" accent5="accent5" accent6="accent6" bg1="lt1" bg2="dk2" tx1="dk1" tx2="lt2" folHlink="folHlink" hlink="hlink"/>
+  <p:clrMap bg1="lt1" tx1="dk1" bg2="dk2" tx2="lt2" accent1="accent1" accent2="accent2" accent3="accent3" accent4="accent4" accent5="accent5" accent6="accent6" hlink="hlink" folHlink="folHlink"/>
   <p:sldLayoutIdLst>
     <p:sldLayoutId id="2147483659" r:id="rId1"/>
     <p:sldLayoutId id="2147483660" r:id="rId2"/>
@@ -7614,10 +7973,10 @@
     <p:sldLayoutId id="2147483668" r:id="rId10"/>
     <p:sldLayoutId id="2147483669" r:id="rId11"/>
   </p:sldLayoutIdLst>
-  <p:hf dt="0" ftr="0" hdr="0" sldNum="0"/>
+  <p:hf sldNum="0" hdr="0" ftr="0" dt="0"/>
   <p:txStyles>
     <p:titleStyle>
-      <a:defPPr lvl="0" marR="0" rtl="0" algn="l">
+      <a:defPPr marR="0" lvl="0" algn="l" rtl="0">
         <a:lnSpc>
           <a:spcPct val="100000"/>
         </a:lnSpc>
@@ -7628,7 +7987,7 @@
           <a:spcPts val="0"/>
         </a:spcAft>
       </a:defPPr>
-      <a:lvl1pPr lvl="0" marR="0" rtl="0" algn="l">
+      <a:lvl1pPr marR="0" lvl="0" algn="l" rtl="0">
         <a:lnSpc>
           <a:spcPct val="100000"/>
         </a:lnSpc>
@@ -7639,7 +7998,7 @@
           <a:spcPts val="0"/>
         </a:spcAft>
         <a:buNone/>
-        <a:defRPr b="0" i="0" sz="1400" u="none" cap="none" strike="noStrike">
+        <a:defRPr sz="1400" b="0" i="0" u="none" strike="noStrike" cap="none">
           <a:solidFill>
             <a:srgbClr val="000000"/>
           </a:solidFill>
@@ -7651,7 +8010,7 @@
       </a:lvl1pPr>
     </p:titleStyle>
     <p:bodyStyle>
-      <a:defPPr lvl="0" marR="0" rtl="0" algn="l">
+      <a:defPPr marR="0" lvl="0" algn="l" rtl="0">
         <a:lnSpc>
           <a:spcPct val="100000"/>
         </a:lnSpc>
@@ -7662,7 +8021,7 @@
           <a:spcPts val="0"/>
         </a:spcAft>
       </a:defPPr>
-      <a:lvl1pPr lvl="0" marR="0" rtl="0" algn="l">
+      <a:lvl1pPr marR="0" lvl="0" algn="l" rtl="0">
         <a:lnSpc>
           <a:spcPct val="100000"/>
         </a:lnSpc>
@@ -7673,7 +8032,7 @@
           <a:spcPts val="0"/>
         </a:spcAft>
         <a:buNone/>
-        <a:defRPr b="0" i="0" sz="1400" u="none" cap="none" strike="noStrike">
+        <a:defRPr sz="1400" b="0" i="0" u="none" strike="noStrike" cap="none">
           <a:solidFill>
             <a:srgbClr val="000000"/>
           </a:solidFill>
@@ -7683,7 +8042,7 @@
           <a:sym typeface="Arial"/>
         </a:defRPr>
       </a:lvl1pPr>
-      <a:lvl2pPr lvl="1" marR="0" rtl="0" algn="l">
+      <a:lvl2pPr marR="0" lvl="1" algn="l" rtl="0">
         <a:lnSpc>
           <a:spcPct val="100000"/>
         </a:lnSpc>
@@ -7694,7 +8053,7 @@
           <a:spcPts val="0"/>
         </a:spcAft>
         <a:buNone/>
-        <a:defRPr b="0" i="0" sz="1400" u="none" cap="none" strike="noStrike">
+        <a:defRPr sz="1400" b="0" i="0" u="none" strike="noStrike" cap="none">
           <a:solidFill>
             <a:srgbClr val="000000"/>
           </a:solidFill>
@@ -7704,7 +8063,7 @@
           <a:sym typeface="Arial"/>
         </a:defRPr>
       </a:lvl2pPr>
-      <a:lvl3pPr lvl="2" marR="0" rtl="0" algn="l">
+      <a:lvl3pPr marR="0" lvl="2" algn="l" rtl="0">
         <a:lnSpc>
           <a:spcPct val="100000"/>
         </a:lnSpc>
@@ -7715,7 +8074,7 @@
           <a:spcPts val="0"/>
         </a:spcAft>
         <a:buNone/>
-        <a:defRPr b="0" i="0" sz="1400" u="none" cap="none" strike="noStrike">
+        <a:defRPr sz="1400" b="0" i="0" u="none" strike="noStrike" cap="none">
           <a:solidFill>
             <a:srgbClr val="000000"/>
           </a:solidFill>
@@ -7725,7 +8084,7 @@
           <a:sym typeface="Arial"/>
         </a:defRPr>
       </a:lvl3pPr>
-      <a:lvl4pPr lvl="3" marR="0" rtl="0" algn="l">
+      <a:lvl4pPr marR="0" lvl="3" algn="l" rtl="0">
         <a:lnSpc>
           <a:spcPct val="100000"/>
         </a:lnSpc>
@@ -7736,7 +8095,7 @@
           <a:spcPts val="0"/>
         </a:spcAft>
         <a:buNone/>
-        <a:defRPr b="0" i="0" sz="1400" u="none" cap="none" strike="noStrike">
+        <a:defRPr sz="1400" b="0" i="0" u="none" strike="noStrike" cap="none">
           <a:solidFill>
             <a:srgbClr val="000000"/>
           </a:solidFill>
@@ -7746,7 +8105,7 @@
           <a:sym typeface="Arial"/>
         </a:defRPr>
       </a:lvl4pPr>
-      <a:lvl5pPr lvl="4" marR="0" rtl="0" algn="l">
+      <a:lvl5pPr marR="0" lvl="4" algn="l" rtl="0">
         <a:lnSpc>
           <a:spcPct val="100000"/>
         </a:lnSpc>
@@ -7757,7 +8116,7 @@
           <a:spcPts val="0"/>
         </a:spcAft>
         <a:buNone/>
-        <a:defRPr b="0" i="0" sz="1400" u="none" cap="none" strike="noStrike">
+        <a:defRPr sz="1400" b="0" i="0" u="none" strike="noStrike" cap="none">
           <a:solidFill>
             <a:srgbClr val="000000"/>
           </a:solidFill>
@@ -7767,7 +8126,7 @@
           <a:sym typeface="Arial"/>
         </a:defRPr>
       </a:lvl5pPr>
-      <a:lvl6pPr lvl="5" marR="0" rtl="0" algn="l">
+      <a:lvl6pPr marR="0" lvl="5" algn="l" rtl="0">
         <a:lnSpc>
           <a:spcPct val="100000"/>
         </a:lnSpc>
@@ -7778,7 +8137,7 @@
           <a:spcPts val="0"/>
         </a:spcAft>
         <a:buNone/>
-        <a:defRPr b="0" i="0" sz="1400" u="none" cap="none" strike="noStrike">
+        <a:defRPr sz="1400" b="0" i="0" u="none" strike="noStrike" cap="none">
           <a:solidFill>
             <a:srgbClr val="000000"/>
           </a:solidFill>
@@ -7788,7 +8147,7 @@
           <a:sym typeface="Arial"/>
         </a:defRPr>
       </a:lvl6pPr>
-      <a:lvl7pPr lvl="6" marR="0" rtl="0" algn="l">
+      <a:lvl7pPr marR="0" lvl="6" algn="l" rtl="0">
         <a:lnSpc>
           <a:spcPct val="100000"/>
         </a:lnSpc>
@@ -7799,7 +8158,7 @@
           <a:spcPts val="0"/>
         </a:spcAft>
         <a:buNone/>
-        <a:defRPr b="0" i="0" sz="1400" u="none" cap="none" strike="noStrike">
+        <a:defRPr sz="1400" b="0" i="0" u="none" strike="noStrike" cap="none">
           <a:solidFill>
             <a:srgbClr val="000000"/>
           </a:solidFill>
@@ -7809,7 +8168,7 @@
           <a:sym typeface="Arial"/>
         </a:defRPr>
       </a:lvl7pPr>
-      <a:lvl8pPr lvl="7" marR="0" rtl="0" algn="l">
+      <a:lvl8pPr marR="0" lvl="7" algn="l" rtl="0">
         <a:lnSpc>
           <a:spcPct val="100000"/>
         </a:lnSpc>
@@ -7820,7 +8179,7 @@
           <a:spcPts val="0"/>
         </a:spcAft>
         <a:buNone/>
-        <a:defRPr b="0" i="0" sz="1400" u="none" cap="none" strike="noStrike">
+        <a:defRPr sz="1400" b="0" i="0" u="none" strike="noStrike" cap="none">
           <a:solidFill>
             <a:srgbClr val="000000"/>
           </a:solidFill>
@@ -7830,7 +8189,7 @@
           <a:sym typeface="Arial"/>
         </a:defRPr>
       </a:lvl8pPr>
-      <a:lvl9pPr lvl="8" marR="0" rtl="0" algn="l">
+      <a:lvl9pPr marR="0" lvl="8" algn="l" rtl="0">
         <a:lnSpc>
           <a:spcPct val="100000"/>
         </a:lnSpc>
@@ -7841,7 +8200,7 @@
           <a:spcPts val="0"/>
         </a:spcAft>
         <a:buNone/>
-        <a:defRPr b="0" i="0" sz="1400" u="none" cap="none" strike="noStrike">
+        <a:defRPr sz="1400" b="0" i="0" u="none" strike="noStrike" cap="none">
           <a:solidFill>
             <a:srgbClr val="000000"/>
           </a:solidFill>
@@ -7853,7 +8212,7 @@
       </a:lvl9pPr>
     </p:bodyStyle>
     <p:otherStyle>
-      <a:defPPr lvl="0" marR="0" rtl="0" algn="l">
+      <a:defPPr marR="0" lvl="0" algn="l" rtl="0">
         <a:lnSpc>
           <a:spcPct val="100000"/>
         </a:lnSpc>
@@ -7864,7 +8223,7 @@
           <a:spcPts val="0"/>
         </a:spcAft>
       </a:defPPr>
-      <a:lvl1pPr lvl="0" marR="0" rtl="0" algn="l">
+      <a:lvl1pPr marR="0" lvl="0" algn="l" rtl="0">
         <a:lnSpc>
           <a:spcPct val="100000"/>
         </a:lnSpc>
@@ -7875,7 +8234,7 @@
           <a:spcPts val="0"/>
         </a:spcAft>
         <a:buNone/>
-        <a:defRPr b="0" i="0" sz="1400" u="none" cap="none" strike="noStrike">
+        <a:defRPr sz="1400" b="0" i="0" u="none" strike="noStrike" cap="none">
           <a:solidFill>
             <a:srgbClr val="000000"/>
           </a:solidFill>
@@ -7885,7 +8244,7 @@
           <a:sym typeface="Arial"/>
         </a:defRPr>
       </a:lvl1pPr>
-      <a:lvl2pPr lvl="1" marR="0" rtl="0" algn="l">
+      <a:lvl2pPr marR="0" lvl="1" algn="l" rtl="0">
         <a:lnSpc>
           <a:spcPct val="100000"/>
         </a:lnSpc>
@@ -7896,7 +8255,7 @@
           <a:spcPts val="0"/>
         </a:spcAft>
         <a:buNone/>
-        <a:defRPr b="0" i="0" sz="1400" u="none" cap="none" strike="noStrike">
+        <a:defRPr sz="1400" b="0" i="0" u="none" strike="noStrike" cap="none">
           <a:solidFill>
             <a:srgbClr val="000000"/>
           </a:solidFill>
@@ -7906,7 +8265,7 @@
           <a:sym typeface="Arial"/>
         </a:defRPr>
       </a:lvl2pPr>
-      <a:lvl3pPr lvl="2" marR="0" rtl="0" algn="l">
+      <a:lvl3pPr marR="0" lvl="2" algn="l" rtl="0">
         <a:lnSpc>
           <a:spcPct val="100000"/>
         </a:lnSpc>
@@ -7917,7 +8276,7 @@
           <a:spcPts val="0"/>
         </a:spcAft>
         <a:buNone/>
-        <a:defRPr b="0" i="0" sz="1400" u="none" cap="none" strike="noStrike">
+        <a:defRPr sz="1400" b="0" i="0" u="none" strike="noStrike" cap="none">
           <a:solidFill>
             <a:srgbClr val="000000"/>
           </a:solidFill>
@@ -7927,7 +8286,7 @@
           <a:sym typeface="Arial"/>
         </a:defRPr>
       </a:lvl3pPr>
-      <a:lvl4pPr lvl="3" marR="0" rtl="0" algn="l">
+      <a:lvl4pPr marR="0" lvl="3" algn="l" rtl="0">
         <a:lnSpc>
           <a:spcPct val="100000"/>
         </a:lnSpc>
@@ -7938,7 +8297,7 @@
           <a:spcPts val="0"/>
         </a:spcAft>
         <a:buNone/>
-        <a:defRPr b="0" i="0" sz="1400" u="none" cap="none" strike="noStrike">
+        <a:defRPr sz="1400" b="0" i="0" u="none" strike="noStrike" cap="none">
           <a:solidFill>
             <a:srgbClr val="000000"/>
           </a:solidFill>
@@ -7948,7 +8307,7 @@
           <a:sym typeface="Arial"/>
         </a:defRPr>
       </a:lvl4pPr>
-      <a:lvl5pPr lvl="4" marR="0" rtl="0" algn="l">
+      <a:lvl5pPr marR="0" lvl="4" algn="l" rtl="0">
         <a:lnSpc>
           <a:spcPct val="100000"/>
         </a:lnSpc>
@@ -7959,7 +8318,7 @@
           <a:spcPts val="0"/>
         </a:spcAft>
         <a:buNone/>
-        <a:defRPr b="0" i="0" sz="1400" u="none" cap="none" strike="noStrike">
+        <a:defRPr sz="1400" b="0" i="0" u="none" strike="noStrike" cap="none">
           <a:solidFill>
             <a:srgbClr val="000000"/>
           </a:solidFill>
@@ -7969,7 +8328,7 @@
           <a:sym typeface="Arial"/>
         </a:defRPr>
       </a:lvl5pPr>
-      <a:lvl6pPr lvl="5" marR="0" rtl="0" algn="l">
+      <a:lvl6pPr marR="0" lvl="5" algn="l" rtl="0">
         <a:lnSpc>
           <a:spcPct val="100000"/>
         </a:lnSpc>
@@ -7980,7 +8339,7 @@
           <a:spcPts val="0"/>
         </a:spcAft>
         <a:buNone/>
-        <a:defRPr b="0" i="0" sz="1400" u="none" cap="none" strike="noStrike">
+        <a:defRPr sz="1400" b="0" i="0" u="none" strike="noStrike" cap="none">
           <a:solidFill>
             <a:srgbClr val="000000"/>
           </a:solidFill>
@@ -7990,7 +8349,7 @@
           <a:sym typeface="Arial"/>
         </a:defRPr>
       </a:lvl6pPr>
-      <a:lvl7pPr lvl="6" marR="0" rtl="0" algn="l">
+      <a:lvl7pPr marR="0" lvl="6" algn="l" rtl="0">
         <a:lnSpc>
           <a:spcPct val="100000"/>
         </a:lnSpc>
@@ -8001,7 +8360,7 @@
           <a:spcPts val="0"/>
         </a:spcAft>
         <a:buNone/>
-        <a:defRPr b="0" i="0" sz="1400" u="none" cap="none" strike="noStrike">
+        <a:defRPr sz="1400" b="0" i="0" u="none" strike="noStrike" cap="none">
           <a:solidFill>
             <a:srgbClr val="000000"/>
           </a:solidFill>
@@ -8011,7 +8370,7 @@
           <a:sym typeface="Arial"/>
         </a:defRPr>
       </a:lvl7pPr>
-      <a:lvl8pPr lvl="7" marR="0" rtl="0" algn="l">
+      <a:lvl8pPr marR="0" lvl="7" algn="l" rtl="0">
         <a:lnSpc>
           <a:spcPct val="100000"/>
         </a:lnSpc>
@@ -8022,7 +8381,7 @@
           <a:spcPts val="0"/>
         </a:spcAft>
         <a:buNone/>
-        <a:defRPr b="0" i="0" sz="1400" u="none" cap="none" strike="noStrike">
+        <a:defRPr sz="1400" b="0" i="0" u="none" strike="noStrike" cap="none">
           <a:solidFill>
             <a:srgbClr val="000000"/>
           </a:solidFill>
@@ -8032,7 +8391,7 @@
           <a:sym typeface="Arial"/>
         </a:defRPr>
       </a:lvl8pPr>
-      <a:lvl9pPr lvl="8" marR="0" rtl="0" algn="l">
+      <a:lvl9pPr marR="0" lvl="8" algn="l" rtl="0">
         <a:lnSpc>
           <a:spcPct val="100000"/>
         </a:lnSpc>
@@ -8043,7 +8402,7 @@
           <a:spcPts val="0"/>
         </a:spcAft>
         <a:buNone/>
-        <a:defRPr b="0" i="0" sz="1400" u="none" cap="none" strike="noStrike">
+        <a:defRPr sz="1400" b="0" i="0" u="none" strike="noStrike" cap="none">
           <a:solidFill>
             <a:srgbClr val="000000"/>
           </a:solidFill>
@@ -8059,11 +8418,11 @@
 </file>
 
 <file path=ppt/slides/slide1.xml><?xml version="1.0" encoding="utf-8"?>
-<p:sld xmlns:a="http://schemas.openxmlformats.org/drawingml/2006/main" xmlns:r="http://schemas.openxmlformats.org/officeDocument/2006/relationships" xmlns:mc="http://schemas.openxmlformats.org/markup-compatibility/2006" xmlns:mv="urn:schemas-microsoft-com:mac:vml" xmlns:p="http://schemas.openxmlformats.org/presentationml/2006/main" xmlns:c="http://schemas.openxmlformats.org/drawingml/2006/chart" xmlns:dgm="http://schemas.openxmlformats.org/drawingml/2006/diagram" xmlns:o="urn:schemas-microsoft-com:office:office" xmlns:v="urn:schemas-microsoft-com:vml" xmlns:pvml="urn:schemas-microsoft-com:office:powerpoint" xmlns:com="http://schemas.openxmlformats.org/drawingml/2006/compatibility" xmlns:p14="http://schemas.microsoft.com/office/powerpoint/2010/main">
+<p:sld xmlns:a="http://schemas.openxmlformats.org/drawingml/2006/main" xmlns:r="http://schemas.openxmlformats.org/officeDocument/2006/relationships" xmlns:p="http://schemas.openxmlformats.org/presentationml/2006/main">
   <p:cSld>
     <p:spTree>
       <p:nvGrpSpPr>
-        <p:cNvPr id="100" name="Shape 100"/>
+        <p:cNvPr id="1" name="Shape 100"/>
         <p:cNvGrpSpPr/>
         <p:nvPr/>
       </p:nvGrpSpPr>
@@ -8078,7 +8437,9 @@
       <p:sp>
         <p:nvSpPr>
           <p:cNvPr id="101" name="Shape 101"/>
-          <p:cNvSpPr txBox="1"/>
+          <p:cNvSpPr txBox="1">
+            <a:spLocks noGrp="1"/>
+          </p:cNvSpPr>
           <p:nvPr>
             <p:ph type="ctrTitle"/>
           </p:nvPr>
@@ -8093,7 +8454,7 @@
           </a:prstGeom>
         </p:spPr>
         <p:txBody>
-          <a:bodyPr anchorCtr="0" anchor="b" bIns="91425" lIns="91425" rIns="91425" tIns="91425">
+          <a:bodyPr lIns="91425" tIns="91425" rIns="91425" bIns="91425" anchor="b" anchorCtr="0">
             <a:noAutofit/>
           </a:bodyPr>
           <a:lstStyle/>
@@ -8119,9 +8480,11 @@
       <p:sp>
         <p:nvSpPr>
           <p:cNvPr id="102" name="Shape 102"/>
-          <p:cNvSpPr txBox="1"/>
+          <p:cNvSpPr txBox="1">
+            <a:spLocks noGrp="1"/>
+          </p:cNvSpPr>
           <p:nvPr>
-            <p:ph idx="1" type="subTitle"/>
+            <p:ph type="subTitle" idx="1"/>
           </p:nvPr>
         </p:nvSpPr>
         <p:spPr>
@@ -8134,7 +8497,7 @@
           </a:prstGeom>
         </p:spPr>
         <p:txBody>
-          <a:bodyPr anchorCtr="0" anchor="t" bIns="91425" lIns="91425" rIns="91425" tIns="91425">
+          <a:bodyPr lIns="91425" tIns="91425" rIns="91425" bIns="91425" anchor="t" anchorCtr="0">
             <a:noAutofit/>
           </a:bodyPr>
           <a:lstStyle/>
@@ -8183,11 +8546,11 @@
 </file>
 
 <file path=ppt/slides/slide2.xml><?xml version="1.0" encoding="utf-8"?>
-<p:sld xmlns:a="http://schemas.openxmlformats.org/drawingml/2006/main" xmlns:r="http://schemas.openxmlformats.org/officeDocument/2006/relationships" xmlns:mc="http://schemas.openxmlformats.org/markup-compatibility/2006" xmlns:mv="urn:schemas-microsoft-com:mac:vml" xmlns:p="http://schemas.openxmlformats.org/presentationml/2006/main" xmlns:c="http://schemas.openxmlformats.org/drawingml/2006/chart" xmlns:dgm="http://schemas.openxmlformats.org/drawingml/2006/diagram" xmlns:o="urn:schemas-microsoft-com:office:office" xmlns:v="urn:schemas-microsoft-com:vml" xmlns:pvml="urn:schemas-microsoft-com:office:powerpoint" xmlns:com="http://schemas.openxmlformats.org/drawingml/2006/compatibility" xmlns:p14="http://schemas.microsoft.com/office/powerpoint/2010/main">
+<p:sld xmlns:a="http://schemas.openxmlformats.org/drawingml/2006/main" xmlns:r="http://schemas.openxmlformats.org/officeDocument/2006/relationships" xmlns:p="http://schemas.openxmlformats.org/presentationml/2006/main">
   <p:cSld>
     <p:spTree>
       <p:nvGrpSpPr>
-        <p:cNvPr id="106" name="Shape 106"/>
+        <p:cNvPr id="1" name="Shape 106"/>
         <p:cNvGrpSpPr/>
         <p:nvPr/>
       </p:nvGrpSpPr>
@@ -8202,7 +8565,9 @@
       <p:sp>
         <p:nvSpPr>
           <p:cNvPr id="107" name="Shape 107"/>
-          <p:cNvSpPr txBox="1"/>
+          <p:cNvSpPr txBox="1">
+            <a:spLocks noGrp="1"/>
+          </p:cNvSpPr>
           <p:nvPr>
             <p:ph type="title"/>
           </p:nvPr>
@@ -8217,12 +8582,12 @@
           </a:prstGeom>
         </p:spPr>
         <p:txBody>
-          <a:bodyPr anchorCtr="0" anchor="t" bIns="91425" lIns="91425" rIns="91425" tIns="91425">
+          <a:bodyPr lIns="91425" tIns="91425" rIns="91425" bIns="91425" anchor="t" anchorCtr="0">
             <a:noAutofit/>
           </a:bodyPr>
           <a:lstStyle/>
           <a:p>
-            <a:pPr indent="-228600" lvl="0" marL="457200">
+            <a:pPr marL="457200" lvl="0" indent="-228600">
               <a:spcBef>
                 <a:spcPts val="0"/>
               </a:spcBef>
@@ -8244,9 +8609,11 @@
       <p:sp>
         <p:nvSpPr>
           <p:cNvPr id="108" name="Shape 108"/>
-          <p:cNvSpPr txBox="1"/>
+          <p:cNvSpPr txBox="1">
+            <a:spLocks noGrp="1"/>
+          </p:cNvSpPr>
           <p:nvPr>
-            <p:ph idx="1" type="body"/>
+            <p:ph type="body" idx="1"/>
           </p:nvPr>
         </p:nvSpPr>
         <p:spPr>
@@ -8259,12 +8626,12 @@
           </a:prstGeom>
         </p:spPr>
         <p:txBody>
-          <a:bodyPr anchorCtr="0" anchor="t" bIns="91425" lIns="91425" rIns="91425" tIns="91425">
+          <a:bodyPr lIns="91425" tIns="91425" rIns="91425" bIns="91425" anchor="t" anchorCtr="0">
             <a:noAutofit/>
           </a:bodyPr>
           <a:lstStyle/>
           <a:p>
-            <a:pPr indent="-228600" lvl="0" marL="457200" rtl="0">
+            <a:pPr marL="457200" lvl="0" indent="-228600" rtl="0">
               <a:spcBef>
                 <a:spcPts val="0"/>
               </a:spcBef>
@@ -8278,25 +8645,7 @@
                 <a:cs typeface="Times New Roman"/>
                 <a:sym typeface="Times New Roman"/>
               </a:rPr>
-              <a:t>Khi việc thể hiện đối tượng là trừu tượng, không rõ ràng (một trường từ vựng, một nhóm các khái niệm), không thể tạo một đối tượng từ clas</a:t>
-            </a:r>
-            <a:r>
-              <a:rPr lang="vi">
-                <a:latin typeface="Times New Roman"/>
-                <a:ea typeface="Times New Roman"/>
-                <a:cs typeface="Times New Roman"/>
-                <a:sym typeface="Times New Roman"/>
-              </a:rPr>
-              <a:t>s</a:t>
-            </a:r>
-            <a:r>
-              <a:rPr lang="vi">
-                <a:latin typeface="Times New Roman"/>
-                <a:ea typeface="Times New Roman"/>
-                <a:cs typeface="Times New Roman"/>
-                <a:sym typeface="Times New Roman"/>
-              </a:rPr>
-              <a:t> đó.</a:t>
+              <a:t>Khi việc thể hiện đối tượng là trừu tượng, không rõ ràng (một trường từ vựng, một nhóm các khái niệm), không thể tạo một đối tượng từ class đó.</a:t>
             </a:r>
           </a:p>
           <a:p>
@@ -8317,7 +8666,7 @@
             </a:r>
           </a:p>
           <a:p>
-            <a:pPr indent="-228600" lvl="0" marL="457200" rtl="0">
+            <a:pPr marL="457200" lvl="0" indent="-228600" rtl="0">
               <a:spcBef>
                 <a:spcPts val="0"/>
               </a:spcBef>
@@ -8335,7 +8684,7 @@
             </a:r>
           </a:p>
           <a:p>
-            <a:pPr indent="-228600" lvl="0" marL="457200" rtl="0">
+            <a:pPr marL="457200" lvl="0" indent="-228600" rtl="0">
               <a:spcBef>
                 <a:spcPts val="0"/>
               </a:spcBef>
@@ -8353,7 +8702,7 @@
             </a:r>
           </a:p>
           <a:p>
-            <a:pPr indent="-228600" lvl="0" marL="457200" rtl="0">
+            <a:pPr marL="457200" lvl="0" indent="-228600" rtl="0">
               <a:spcBef>
                 <a:spcPts val="0"/>
               </a:spcBef>
@@ -8371,7 +8720,7 @@
             </a:r>
           </a:p>
           <a:p>
-            <a:pPr indent="-228600" lvl="0" marL="457200">
+            <a:pPr marL="457200" lvl="0" indent="-228600">
               <a:spcBef>
                 <a:spcPts val="0"/>
               </a:spcBef>
@@ -8399,11 +8748,11 @@
 </file>
 
 <file path=ppt/slides/slide3.xml><?xml version="1.0" encoding="utf-8"?>
-<p:sld xmlns:a="http://schemas.openxmlformats.org/drawingml/2006/main" xmlns:r="http://schemas.openxmlformats.org/officeDocument/2006/relationships" xmlns:mc="http://schemas.openxmlformats.org/markup-compatibility/2006" xmlns:mv="urn:schemas-microsoft-com:mac:vml" xmlns:p="http://schemas.openxmlformats.org/presentationml/2006/main" xmlns:c="http://schemas.openxmlformats.org/drawingml/2006/chart" xmlns:dgm="http://schemas.openxmlformats.org/drawingml/2006/diagram" xmlns:o="urn:schemas-microsoft-com:office:office" xmlns:v="urn:schemas-microsoft-com:vml" xmlns:pvml="urn:schemas-microsoft-com:office:powerpoint" xmlns:com="http://schemas.openxmlformats.org/drawingml/2006/compatibility" xmlns:p14="http://schemas.microsoft.com/office/powerpoint/2010/main">
+<p:sld xmlns:a="http://schemas.openxmlformats.org/drawingml/2006/main" xmlns:r="http://schemas.openxmlformats.org/officeDocument/2006/relationships" xmlns:p="http://schemas.openxmlformats.org/presentationml/2006/main">
   <p:cSld>
     <p:spTree>
       <p:nvGrpSpPr>
-        <p:cNvPr id="112" name="Shape 112"/>
+        <p:cNvPr id="1" name="Shape 112"/>
         <p:cNvGrpSpPr/>
         <p:nvPr/>
       </p:nvGrpSpPr>
@@ -8418,7 +8767,9 @@
       <p:sp>
         <p:nvSpPr>
           <p:cNvPr id="113" name="Shape 113"/>
-          <p:cNvSpPr txBox="1"/>
+          <p:cNvSpPr txBox="1">
+            <a:spLocks noGrp="1"/>
+          </p:cNvSpPr>
           <p:nvPr>
             <p:ph type="title"/>
           </p:nvPr>
@@ -8433,12 +8784,12 @@
           </a:prstGeom>
         </p:spPr>
         <p:txBody>
-          <a:bodyPr anchorCtr="0" anchor="t" bIns="91425" lIns="91425" rIns="91425" tIns="91425">
+          <a:bodyPr lIns="91425" tIns="91425" rIns="91425" bIns="91425" anchor="t" anchorCtr="0">
             <a:noAutofit/>
           </a:bodyPr>
           <a:lstStyle/>
           <a:p>
-            <a:pPr indent="-228600" lvl="0" marL="457200" rtl="0">
+            <a:pPr marL="457200" lvl="0" indent="-228600" rtl="0">
               <a:spcBef>
                 <a:spcPts val="0"/>
               </a:spcBef>
@@ -8460,9 +8811,11 @@
       <p:sp>
         <p:nvSpPr>
           <p:cNvPr id="114" name="Shape 114"/>
-          <p:cNvSpPr txBox="1"/>
+          <p:cNvSpPr txBox="1">
+            <a:spLocks noGrp="1"/>
+          </p:cNvSpPr>
           <p:nvPr>
-            <p:ph idx="1" type="body"/>
+            <p:ph type="body" idx="1"/>
           </p:nvPr>
         </p:nvSpPr>
         <p:spPr>
@@ -8475,12 +8828,12 @@
           </a:prstGeom>
         </p:spPr>
         <p:txBody>
-          <a:bodyPr anchorCtr="0" anchor="t" bIns="91425" lIns="91425" rIns="91425" tIns="91425">
+          <a:bodyPr lIns="91425" tIns="91425" rIns="91425" bIns="91425" anchor="t" anchorCtr="0">
             <a:noAutofit/>
           </a:bodyPr>
           <a:lstStyle/>
           <a:p>
-            <a:pPr indent="-228600" lvl="0" marL="457200" rtl="0">
+            <a:pPr marL="457200" lvl="0" indent="-228600" rtl="0">
               <a:spcBef>
                 <a:spcPts val="0"/>
               </a:spcBef>
@@ -8497,7 +8850,7 @@
               <a:t>Abstract Class có </a:t>
             </a:r>
             <a:r>
-              <a:rPr b="1" i="1" lang="vi">
+              <a:rPr lang="vi" b="1" i="1">
                 <a:solidFill>
                   <a:srgbClr val="FF0000"/>
                 </a:solidFill>
@@ -8509,7 +8862,7 @@
               <a:t>một số </a:t>
             </a:r>
             <a:r>
-              <a:rPr b="1" i="1" lang="vi">
+              <a:rPr lang="vi" b="1" i="1">
                 <a:solidFill>
                   <a:srgbClr val="00FF00"/>
                 </a:solidFill>
@@ -8521,7 +8874,7 @@
               <a:t>thuộc tính, phương thức</a:t>
             </a:r>
             <a:r>
-              <a:rPr b="1" i="1" lang="vi">
+              <a:rPr lang="vi" b="1" i="1">
                 <a:solidFill>
                   <a:srgbClr val="FF0000"/>
                 </a:solidFill>
@@ -8533,7 +8886,7 @@
               <a:t> cơ bản</a:t>
             </a:r>
             <a:r>
-              <a:rPr i="1" lang="vi">
+              <a:rPr lang="vi" i="1">
                 <a:latin typeface="Times New Roman"/>
                 <a:ea typeface="Times New Roman"/>
                 <a:cs typeface="Times New Roman"/>
@@ -8542,7 +8895,7 @@
               <a:t> </a:t>
             </a:r>
             <a:r>
-              <a:rPr b="1" i="1" lang="vi">
+              <a:rPr lang="vi" b="1" i="1">
                 <a:solidFill>
                   <a:srgbClr val="FF0000"/>
                 </a:solidFill>
@@ -8564,7 +8917,7 @@
             </a:r>
           </a:p>
           <a:p>
-            <a:pPr indent="-228600" lvl="0" marL="457200" rtl="0">
+            <a:pPr marL="457200" lvl="0" indent="-228600" rtl="0">
               <a:spcBef>
                 <a:spcPts val="0"/>
               </a:spcBef>
@@ -8581,7 +8934,7 @@
               <a:t>Các subClass (class cụ thể) </a:t>
             </a:r>
             <a:r>
-              <a:rPr b="1" i="1" lang="vi">
+              <a:rPr lang="vi" b="1" i="1">
                 <a:solidFill>
                   <a:srgbClr val="FF0000"/>
                 </a:solidFill>
@@ -8602,7 +8955,7 @@
               <a:t> và những </a:t>
             </a:r>
             <a:r>
-              <a:rPr b="1" i="1" lang="vi">
+              <a:rPr lang="vi" b="1" i="1">
                 <a:solidFill>
                   <a:srgbClr val="FF0000"/>
                 </a:solidFill>
@@ -8640,7 +8993,7 @@
               <a:t>Do đó, subClass cần </a:t>
             </a:r>
             <a:r>
-              <a:rPr b="1" i="1" lang="vi">
+              <a:rPr lang="vi" b="1" i="1">
                 <a:solidFill>
                   <a:srgbClr val="FF0000"/>
                 </a:solidFill>
@@ -8661,7 +9014,7 @@
               <a:t> và hiện thực hóa </a:t>
             </a:r>
             <a:r>
-              <a:rPr b="1" i="1" lang="vi">
+              <a:rPr lang="vi" b="1" i="1">
                 <a:solidFill>
                   <a:srgbClr val="FF0000"/>
                 </a:solidFill>
@@ -8727,14 +9080,14 @@
             <a:avLst/>
           </a:prstGeom>
           <a:noFill/>
-          <a:ln cap="flat" cmpd="sng" w="9525">
+          <a:ln w="9525" cap="flat" cmpd="sng">
             <a:solidFill>
               <a:schemeClr val="dk2"/>
             </a:solidFill>
             <a:prstDash val="solid"/>
             <a:round/>
-            <a:headEnd len="lg" w="lg" type="none"/>
-            <a:tailEnd len="lg" w="lg" type="triangle"/>
+            <a:headEnd type="none" w="lg" len="lg"/>
+            <a:tailEnd type="triangle" w="lg" len="lg"/>
           </a:ln>
         </p:spPr>
       </p:cxnSp>
@@ -8747,11 +9100,11 @@
 </file>
 
 <file path=ppt/slides/slide4.xml><?xml version="1.0" encoding="utf-8"?>
-<p:sld xmlns:a="http://schemas.openxmlformats.org/drawingml/2006/main" xmlns:r="http://schemas.openxmlformats.org/officeDocument/2006/relationships" xmlns:mc="http://schemas.openxmlformats.org/markup-compatibility/2006" xmlns:mv="urn:schemas-microsoft-com:mac:vml" xmlns:p="http://schemas.openxmlformats.org/presentationml/2006/main" xmlns:c="http://schemas.openxmlformats.org/drawingml/2006/chart" xmlns:dgm="http://schemas.openxmlformats.org/drawingml/2006/diagram" xmlns:o="urn:schemas-microsoft-com:office:office" xmlns:v="urn:schemas-microsoft-com:vml" xmlns:pvml="urn:schemas-microsoft-com:office:powerpoint" xmlns:com="http://schemas.openxmlformats.org/drawingml/2006/compatibility" xmlns:p14="http://schemas.microsoft.com/office/powerpoint/2010/main">
+<p:sld xmlns:a="http://schemas.openxmlformats.org/drawingml/2006/main" xmlns:r="http://schemas.openxmlformats.org/officeDocument/2006/relationships" xmlns:p="http://schemas.openxmlformats.org/presentationml/2006/main">
   <p:cSld>
     <p:spTree>
       <p:nvGrpSpPr>
-        <p:cNvPr id="120" name="Shape 120"/>
+        <p:cNvPr id="1" name="Shape 120"/>
         <p:cNvGrpSpPr/>
         <p:nvPr/>
       </p:nvGrpSpPr>
@@ -8766,9 +9119,11 @@
       <p:sp>
         <p:nvSpPr>
           <p:cNvPr id="121" name="Shape 121"/>
-          <p:cNvSpPr txBox="1"/>
+          <p:cNvSpPr txBox="1">
+            <a:spLocks noGrp="1"/>
+          </p:cNvSpPr>
           <p:nvPr>
-            <p:ph idx="1" type="body"/>
+            <p:ph type="body" idx="1"/>
           </p:nvPr>
         </p:nvSpPr>
         <p:spPr>
@@ -8781,7 +9136,7 @@
           </a:prstGeom>
         </p:spPr>
         <p:txBody>
-          <a:bodyPr anchorCtr="0" anchor="t" bIns="91425" lIns="91425" rIns="91425" tIns="91425">
+          <a:bodyPr lIns="91425" tIns="91425" rIns="91425" bIns="91425" anchor="t" anchorCtr="0">
             <a:noAutofit/>
           </a:bodyPr>
           <a:lstStyle/>
@@ -8838,7 +9193,9 @@
       <p:sp>
         <p:nvSpPr>
           <p:cNvPr id="122" name="Shape 122"/>
-          <p:cNvSpPr txBox="1"/>
+          <p:cNvSpPr txBox="1">
+            <a:spLocks noGrp="1"/>
+          </p:cNvSpPr>
           <p:nvPr>
             <p:ph type="title"/>
           </p:nvPr>
@@ -8853,12 +9210,12 @@
           </a:prstGeom>
         </p:spPr>
         <p:txBody>
-          <a:bodyPr anchorCtr="0" anchor="t" bIns="91425" lIns="91425" rIns="91425" tIns="91425">
+          <a:bodyPr lIns="91425" tIns="91425" rIns="91425" bIns="91425" anchor="t" anchorCtr="0">
             <a:noAutofit/>
           </a:bodyPr>
           <a:lstStyle/>
           <a:p>
-            <a:pPr indent="-228600" lvl="0" marL="457200" rtl="0">
+            <a:pPr marL="457200" lvl="0" indent="-228600" rtl="0">
               <a:spcBef>
                 <a:spcPts val="0"/>
               </a:spcBef>
@@ -8892,11 +9249,11 @@
 </file>
 
 <file path=ppt/slides/slide5.xml><?xml version="1.0" encoding="utf-8"?>
-<p:sld xmlns:a="http://schemas.openxmlformats.org/drawingml/2006/main" xmlns:r="http://schemas.openxmlformats.org/officeDocument/2006/relationships" xmlns:mc="http://schemas.openxmlformats.org/markup-compatibility/2006" xmlns:mv="urn:schemas-microsoft-com:mac:vml" xmlns:p="http://schemas.openxmlformats.org/presentationml/2006/main" xmlns:c="http://schemas.openxmlformats.org/drawingml/2006/chart" xmlns:dgm="http://schemas.openxmlformats.org/drawingml/2006/diagram" xmlns:o="urn:schemas-microsoft-com:office:office" xmlns:v="urn:schemas-microsoft-com:vml" xmlns:pvml="urn:schemas-microsoft-com:office:powerpoint" xmlns:com="http://schemas.openxmlformats.org/drawingml/2006/compatibility" xmlns:p14="http://schemas.microsoft.com/office/powerpoint/2010/main">
+<p:sld xmlns:a="http://schemas.openxmlformats.org/drawingml/2006/main" xmlns:r="http://schemas.openxmlformats.org/officeDocument/2006/relationships" xmlns:p="http://schemas.openxmlformats.org/presentationml/2006/main">
   <p:cSld>
     <p:spTree>
       <p:nvGrpSpPr>
-        <p:cNvPr id="126" name="Shape 126"/>
+        <p:cNvPr id="1" name="Shape 126"/>
         <p:cNvGrpSpPr/>
         <p:nvPr/>
       </p:nvGrpSpPr>
@@ -8911,7 +9268,9 @@
       <p:sp>
         <p:nvSpPr>
           <p:cNvPr id="127" name="Shape 127"/>
-          <p:cNvSpPr txBox="1"/>
+          <p:cNvSpPr txBox="1">
+            <a:spLocks noGrp="1"/>
+          </p:cNvSpPr>
           <p:nvPr>
             <p:ph type="title"/>
           </p:nvPr>
@@ -8926,7 +9285,7 @@
           </a:prstGeom>
         </p:spPr>
         <p:txBody>
-          <a:bodyPr anchorCtr="0" anchor="t" bIns="91425" lIns="91425" rIns="91425" tIns="91425">
+          <a:bodyPr lIns="91425" tIns="91425" rIns="91425" bIns="91425" anchor="t" anchorCtr="0">
             <a:noAutofit/>
           </a:bodyPr>
           <a:lstStyle/>
@@ -8952,27 +9311,29 @@
       <p:sp>
         <p:nvSpPr>
           <p:cNvPr id="128" name="Shape 128"/>
-          <p:cNvSpPr txBox="1"/>
+          <p:cNvSpPr txBox="1">
+            <a:spLocks noGrp="1"/>
+          </p:cNvSpPr>
           <p:nvPr>
-            <p:ph idx="1" type="body"/>
+            <p:ph type="body" idx="1"/>
           </p:nvPr>
         </p:nvSpPr>
         <p:spPr>
           <a:xfrm>
             <a:off x="311700" y="1152475"/>
-            <a:ext cx="3616200" cy="1751400"/>
+            <a:ext cx="8233586" cy="872268"/>
           </a:xfrm>
           <a:prstGeom prst="rect">
             <a:avLst/>
           </a:prstGeom>
         </p:spPr>
         <p:txBody>
-          <a:bodyPr anchorCtr="0" anchor="t" bIns="91425" lIns="91425" rIns="91425" tIns="91425">
+          <a:bodyPr lIns="91425" tIns="91425" rIns="91425" bIns="91425" anchor="t" anchorCtr="0">
             <a:noAutofit/>
           </a:bodyPr>
           <a:lstStyle/>
           <a:p>
-            <a:pPr indent="-228600" lvl="0" marL="457200" rtl="0">
+            <a:pPr marL="457200" lvl="0" indent="-228600" rtl="0">
               <a:spcBef>
                 <a:spcPts val="0"/>
               </a:spcBef>
@@ -8989,7 +9350,7 @@
               <a:t>Sử dụng interface khi muốn </a:t>
             </a:r>
             <a:r>
-              <a:rPr b="1" i="1" lang="vi">
+              <a:rPr lang="vi" b="1" i="1">
                 <a:solidFill>
                   <a:srgbClr val="FF0000"/>
                 </a:solidFill>
@@ -9007,221 +9368,62 @@
                 <a:cs typeface="Times New Roman"/>
                 <a:sym typeface="Times New Roman"/>
               </a:rPr>
-              <a:t> (tách) những khối chức năng (method), chứ không gom vào cùng môt khối chung, gây dư thừa.</a:t>
+              <a:t> (tách) những khối chức năng (method), chứ không gom vào cùng </a:t>
+            </a:r>
+            <a:r>
+              <a:rPr lang="en-US" smtClean="0">
+                <a:latin typeface="Times New Roman"/>
+                <a:ea typeface="Times New Roman"/>
+                <a:cs typeface="Times New Roman"/>
+                <a:sym typeface="Times New Roman"/>
+              </a:rPr>
+              <a:t>một </a:t>
+            </a:r>
+            <a:r>
+              <a:rPr lang="vi" smtClean="0">
+                <a:latin typeface="Times New Roman"/>
+                <a:ea typeface="Times New Roman"/>
+                <a:cs typeface="Times New Roman"/>
+                <a:sym typeface="Times New Roman"/>
+              </a:rPr>
+              <a:t>khối </a:t>
+            </a:r>
+            <a:r>
+              <a:rPr lang="vi">
+                <a:latin typeface="Times New Roman"/>
+                <a:ea typeface="Times New Roman"/>
+                <a:cs typeface="Times New Roman"/>
+                <a:sym typeface="Times New Roman"/>
+              </a:rPr>
+              <a:t>chung, gây dư thừa.</a:t>
             </a:r>
           </a:p>
         </p:txBody>
       </p:sp>
       <p:pic>
         <p:nvPicPr>
-          <p:cNvPr id="129" name="Shape 129"/>
-          <p:cNvPicPr preferRelativeResize="0"/>
+          <p:cNvPr id="2" name="Picture 1"/>
+          <p:cNvPicPr>
+            <a:picLocks noChangeAspect="1"/>
+          </p:cNvPicPr>
           <p:nvPr/>
         </p:nvPicPr>
         <p:blipFill>
-          <a:blip r:embed="rId3">
-            <a:alphaModFix/>
-          </a:blip>
+          <a:blip r:embed="rId3"/>
           <a:stretch>
             <a:fillRect/>
           </a:stretch>
         </p:blipFill>
         <p:spPr>
           <a:xfrm>
-            <a:off x="5215578" y="199037"/>
-            <a:ext cx="2730400" cy="4745424"/>
+            <a:off x="1579790" y="2024743"/>
+            <a:ext cx="6345011" cy="3086213"/>
           </a:xfrm>
           <a:prstGeom prst="rect">
             <a:avLst/>
           </a:prstGeom>
-          <a:noFill/>
-          <a:ln>
-            <a:noFill/>
-          </a:ln>
         </p:spPr>
       </p:pic>
-      <p:cxnSp>
-        <p:nvCxnSpPr>
-          <p:cNvPr id="130" name="Shape 130"/>
-          <p:cNvCxnSpPr/>
-          <p:nvPr/>
-        </p:nvCxnSpPr>
-        <p:spPr>
-          <a:xfrm rot="10800000">
-            <a:off x="6640400" y="2206050"/>
-            <a:ext cx="0" cy="900300"/>
-          </a:xfrm>
-          <a:prstGeom prst="straightConnector1">
-            <a:avLst/>
-          </a:prstGeom>
-          <a:noFill/>
-          <a:ln cap="flat" cmpd="sng" w="9525">
-            <a:solidFill>
-              <a:schemeClr val="dk2"/>
-            </a:solidFill>
-            <a:prstDash val="solid"/>
-            <a:round/>
-            <a:headEnd len="lg" w="lg" type="none"/>
-            <a:tailEnd len="lg" w="lg" type="triangle"/>
-          </a:ln>
-        </p:spPr>
-      </p:cxnSp>
-      <p:cxnSp>
-        <p:nvCxnSpPr>
-          <p:cNvPr id="131" name="Shape 131"/>
-          <p:cNvCxnSpPr/>
-          <p:nvPr/>
-        </p:nvCxnSpPr>
-        <p:spPr>
-          <a:xfrm>
-            <a:off x="5537425" y="3860450"/>
-            <a:ext cx="2115900" cy="0"/>
-          </a:xfrm>
-          <a:prstGeom prst="straightConnector1">
-            <a:avLst/>
-          </a:prstGeom>
-          <a:noFill/>
-          <a:ln cap="flat" cmpd="sng" w="9525">
-            <a:solidFill>
-              <a:schemeClr val="dk2"/>
-            </a:solidFill>
-            <a:prstDash val="solid"/>
-            <a:round/>
-            <a:headEnd len="lg" w="lg" type="none"/>
-            <a:tailEnd len="lg" w="lg" type="none"/>
-          </a:ln>
-        </p:spPr>
-      </p:cxnSp>
-      <p:cxnSp>
-        <p:nvCxnSpPr>
-          <p:cNvPr id="132" name="Shape 132"/>
-          <p:cNvCxnSpPr/>
-          <p:nvPr/>
-        </p:nvCxnSpPr>
-        <p:spPr>
-          <a:xfrm>
-            <a:off x="5537425" y="4241450"/>
-            <a:ext cx="2115900" cy="0"/>
-          </a:xfrm>
-          <a:prstGeom prst="straightConnector1">
-            <a:avLst/>
-          </a:prstGeom>
-          <a:noFill/>
-          <a:ln cap="flat" cmpd="sng" w="9525">
-            <a:solidFill>
-              <a:schemeClr val="dk2"/>
-            </a:solidFill>
-            <a:prstDash val="solid"/>
-            <a:round/>
-            <a:headEnd len="lg" w="lg" type="none"/>
-            <a:tailEnd len="lg" w="lg" type="none"/>
-          </a:ln>
-        </p:spPr>
-      </p:cxnSp>
-      <p:cxnSp>
-        <p:nvCxnSpPr>
-          <p:cNvPr id="133" name="Shape 133"/>
-          <p:cNvCxnSpPr/>
-          <p:nvPr/>
-        </p:nvCxnSpPr>
-        <p:spPr>
-          <a:xfrm>
-            <a:off x="5537425" y="4447540"/>
-            <a:ext cx="2115900" cy="0"/>
-          </a:xfrm>
-          <a:prstGeom prst="straightConnector1">
-            <a:avLst/>
-          </a:prstGeom>
-          <a:noFill/>
-          <a:ln cap="flat" cmpd="sng" w="9525">
-            <a:solidFill>
-              <a:schemeClr val="dk2"/>
-            </a:solidFill>
-            <a:prstDash val="solid"/>
-            <a:round/>
-            <a:headEnd len="lg" w="lg" type="none"/>
-            <a:tailEnd len="lg" w="lg" type="none"/>
-          </a:ln>
-        </p:spPr>
-      </p:cxnSp>
-      <p:cxnSp>
-        <p:nvCxnSpPr>
-          <p:cNvPr id="134" name="Shape 134"/>
-          <p:cNvCxnSpPr/>
-          <p:nvPr/>
-        </p:nvCxnSpPr>
-        <p:spPr>
-          <a:xfrm>
-            <a:off x="5537425" y="4653630"/>
-            <a:ext cx="2115900" cy="0"/>
-          </a:xfrm>
-          <a:prstGeom prst="straightConnector1">
-            <a:avLst/>
-          </a:prstGeom>
-          <a:noFill/>
-          <a:ln cap="flat" cmpd="sng" w="9525">
-            <a:solidFill>
-              <a:schemeClr val="dk2"/>
-            </a:solidFill>
-            <a:prstDash val="solid"/>
-            <a:round/>
-            <a:headEnd len="lg" w="lg" type="none"/>
-            <a:tailEnd len="lg" w="lg" type="none"/>
-          </a:ln>
-        </p:spPr>
-      </p:cxnSp>
-      <p:cxnSp>
-        <p:nvCxnSpPr>
-          <p:cNvPr id="135" name="Shape 135"/>
-          <p:cNvCxnSpPr/>
-          <p:nvPr/>
-        </p:nvCxnSpPr>
-        <p:spPr>
-          <a:xfrm>
-            <a:off x="6482825" y="2521100"/>
-            <a:ext cx="292500" cy="292500"/>
-          </a:xfrm>
-          <a:prstGeom prst="straightConnector1">
-            <a:avLst/>
-          </a:prstGeom>
-          <a:noFill/>
-          <a:ln cap="flat" cmpd="sng" w="9525">
-            <a:solidFill>
-              <a:schemeClr val="dk2"/>
-            </a:solidFill>
-            <a:prstDash val="solid"/>
-            <a:round/>
-            <a:headEnd len="lg" w="lg" type="none"/>
-            <a:tailEnd len="lg" w="lg" type="none"/>
-          </a:ln>
-        </p:spPr>
-      </p:cxnSp>
-      <p:cxnSp>
-        <p:nvCxnSpPr>
-          <p:cNvPr id="136" name="Shape 136"/>
-          <p:cNvCxnSpPr/>
-          <p:nvPr/>
-        </p:nvCxnSpPr>
-        <p:spPr>
-          <a:xfrm flipH="1">
-            <a:off x="6502475" y="2577375"/>
-            <a:ext cx="318000" cy="183600"/>
-          </a:xfrm>
-          <a:prstGeom prst="straightConnector1">
-            <a:avLst/>
-          </a:prstGeom>
-          <a:noFill/>
-          <a:ln cap="flat" cmpd="sng" w="9525">
-            <a:solidFill>
-              <a:schemeClr val="dk2"/>
-            </a:solidFill>
-            <a:prstDash val="solid"/>
-            <a:round/>
-            <a:headEnd len="lg" w="lg" type="none"/>
-            <a:tailEnd len="lg" w="lg" type="none"/>
-          </a:ln>
-        </p:spPr>
-      </p:cxnSp>
     </p:spTree>
   </p:cSld>
   <p:clrMapOvr>
@@ -9231,273 +9433,11 @@
 </file>
 
 <file path=ppt/slides/slide6.xml><?xml version="1.0" encoding="utf-8"?>
-<p:sld xmlns:a="http://schemas.openxmlformats.org/drawingml/2006/main" xmlns:r="http://schemas.openxmlformats.org/officeDocument/2006/relationships" xmlns:mc="http://schemas.openxmlformats.org/markup-compatibility/2006" xmlns:mv="urn:schemas-microsoft-com:mac:vml" xmlns:p="http://schemas.openxmlformats.org/presentationml/2006/main" xmlns:c="http://schemas.openxmlformats.org/drawingml/2006/chart" xmlns:dgm="http://schemas.openxmlformats.org/drawingml/2006/diagram" xmlns:o="urn:schemas-microsoft-com:office:office" xmlns:v="urn:schemas-microsoft-com:vml" xmlns:pvml="urn:schemas-microsoft-com:office:powerpoint" xmlns:com="http://schemas.openxmlformats.org/drawingml/2006/compatibility" xmlns:p14="http://schemas.microsoft.com/office/powerpoint/2010/main">
+<p:sld xmlns:a="http://schemas.openxmlformats.org/drawingml/2006/main" xmlns:r="http://schemas.openxmlformats.org/officeDocument/2006/relationships" xmlns:p="http://schemas.openxmlformats.org/presentationml/2006/main">
   <p:cSld>
     <p:spTree>
       <p:nvGrpSpPr>
-        <p:cNvPr id="140" name="Shape 140"/>
-        <p:cNvGrpSpPr/>
-        <p:nvPr/>
-      </p:nvGrpSpPr>
-      <p:grpSpPr>
-        <a:xfrm>
-          <a:off x="0" y="0"/>
-          <a:ext cx="0" cy="0"/>
-          <a:chOff x="0" y="0"/>
-          <a:chExt cx="0" cy="0"/>
-        </a:xfrm>
-      </p:grpSpPr>
-      <p:sp>
-        <p:nvSpPr>
-          <p:cNvPr id="141" name="Shape 141"/>
-          <p:cNvSpPr txBox="1"/>
-          <p:nvPr>
-            <p:ph type="title"/>
-          </p:nvPr>
-        </p:nvSpPr>
-        <p:spPr>
-          <a:xfrm>
-            <a:off x="311700" y="445025"/>
-            <a:ext cx="8520600" cy="572700"/>
-          </a:xfrm>
-          <a:prstGeom prst="rect">
-            <a:avLst/>
-          </a:prstGeom>
-        </p:spPr>
-        <p:txBody>
-          <a:bodyPr anchorCtr="0" anchor="t" bIns="91425" lIns="91425" rIns="91425" tIns="91425">
-            <a:noAutofit/>
-          </a:bodyPr>
-          <a:lstStyle/>
-          <a:p>
-            <a:pPr lvl="0" rtl="0">
-              <a:spcBef>
-                <a:spcPts val="0"/>
-              </a:spcBef>
-              <a:buNone/>
-            </a:pPr>
-            <a:r>
-              <a:rPr lang="vi">
-                <a:latin typeface="Times New Roman"/>
-                <a:ea typeface="Times New Roman"/>
-                <a:cs typeface="Times New Roman"/>
-                <a:sym typeface="Times New Roman"/>
-              </a:rPr>
-              <a:t>2.	Sử dụng Interface</a:t>
-            </a:r>
-          </a:p>
-        </p:txBody>
-      </p:sp>
-      <p:pic>
-        <p:nvPicPr>
-          <p:cNvPr id="142" name="Shape 142"/>
-          <p:cNvPicPr preferRelativeResize="0"/>
-          <p:nvPr/>
-        </p:nvPicPr>
-        <p:blipFill>
-          <a:blip r:embed="rId3">
-            <a:alphaModFix/>
-          </a:blip>
-          <a:stretch>
-            <a:fillRect/>
-          </a:stretch>
-        </p:blipFill>
-        <p:spPr>
-          <a:xfrm>
-            <a:off x="3909775" y="691025"/>
-            <a:ext cx="5155449" cy="4404656"/>
-          </a:xfrm>
-          <a:prstGeom prst="rect">
-            <a:avLst/>
-          </a:prstGeom>
-          <a:noFill/>
-          <a:ln>
-            <a:noFill/>
-          </a:ln>
-        </p:spPr>
-      </p:pic>
-      <p:cxnSp>
-        <p:nvCxnSpPr>
-          <p:cNvPr id="143" name="Shape 143"/>
-          <p:cNvCxnSpPr/>
-          <p:nvPr/>
-        </p:nvCxnSpPr>
-        <p:spPr>
-          <a:xfrm flipH="1" rot="10800000">
-            <a:off x="6055150" y="1271925"/>
-            <a:ext cx="1080600" cy="247500"/>
-          </a:xfrm>
-          <a:prstGeom prst="straightConnector1">
-            <a:avLst/>
-          </a:prstGeom>
-          <a:noFill/>
-          <a:ln cap="flat" cmpd="sng" w="9525">
-            <a:solidFill>
-              <a:schemeClr val="dk2"/>
-            </a:solidFill>
-            <a:prstDash val="solid"/>
-            <a:round/>
-            <a:headEnd len="lg" w="lg" type="none"/>
-            <a:tailEnd len="lg" w="lg" type="triangle"/>
-          </a:ln>
-        </p:spPr>
-      </p:cxnSp>
-      <p:cxnSp>
-        <p:nvCxnSpPr>
-          <p:cNvPr id="144" name="Shape 144"/>
-          <p:cNvCxnSpPr/>
-          <p:nvPr/>
-        </p:nvCxnSpPr>
-        <p:spPr>
-          <a:xfrm>
-            <a:off x="6066400" y="1598200"/>
-            <a:ext cx="1013100" cy="461400"/>
-          </a:xfrm>
-          <a:prstGeom prst="straightConnector1">
-            <a:avLst/>
-          </a:prstGeom>
-          <a:noFill/>
-          <a:ln cap="flat" cmpd="sng" w="9525">
-            <a:solidFill>
-              <a:schemeClr val="dk2"/>
-            </a:solidFill>
-            <a:prstDash val="solid"/>
-            <a:round/>
-            <a:headEnd len="lg" w="lg" type="none"/>
-            <a:tailEnd len="lg" w="lg" type="triangle"/>
-          </a:ln>
-        </p:spPr>
-      </p:cxnSp>
-      <p:cxnSp>
-        <p:nvCxnSpPr>
-          <p:cNvPr id="145" name="Shape 145"/>
-          <p:cNvCxnSpPr/>
-          <p:nvPr/>
-        </p:nvCxnSpPr>
-        <p:spPr>
-          <a:xfrm>
-            <a:off x="6066400" y="1879575"/>
-            <a:ext cx="1046700" cy="1249200"/>
-          </a:xfrm>
-          <a:prstGeom prst="straightConnector1">
-            <a:avLst/>
-          </a:prstGeom>
-          <a:noFill/>
-          <a:ln cap="flat" cmpd="sng" w="9525">
-            <a:solidFill>
-              <a:schemeClr val="dk2"/>
-            </a:solidFill>
-            <a:prstDash val="solid"/>
-            <a:round/>
-            <a:headEnd len="lg" w="lg" type="none"/>
-            <a:tailEnd len="lg" w="lg" type="triangle"/>
-          </a:ln>
-        </p:spPr>
-      </p:cxnSp>
-      <p:cxnSp>
-        <p:nvCxnSpPr>
-          <p:cNvPr id="146" name="Shape 146"/>
-          <p:cNvCxnSpPr/>
-          <p:nvPr/>
-        </p:nvCxnSpPr>
-        <p:spPr>
-          <a:xfrm>
-            <a:off x="5976375" y="1902075"/>
-            <a:ext cx="1148100" cy="2442300"/>
-          </a:xfrm>
-          <a:prstGeom prst="straightConnector1">
-            <a:avLst/>
-          </a:prstGeom>
-          <a:noFill/>
-          <a:ln cap="flat" cmpd="sng" w="9525">
-            <a:solidFill>
-              <a:schemeClr val="dk2"/>
-            </a:solidFill>
-            <a:prstDash val="solid"/>
-            <a:round/>
-            <a:headEnd len="lg" w="lg" type="none"/>
-            <a:tailEnd len="lg" w="lg" type="triangle"/>
-          </a:ln>
-        </p:spPr>
-      </p:cxnSp>
-      <p:cxnSp>
-        <p:nvCxnSpPr>
-          <p:cNvPr id="147" name="Shape 147"/>
-          <p:cNvCxnSpPr/>
-          <p:nvPr/>
-        </p:nvCxnSpPr>
-        <p:spPr>
-          <a:xfrm rot="10800000">
-            <a:off x="4997175" y="1893400"/>
-            <a:ext cx="0" cy="1328100"/>
-          </a:xfrm>
-          <a:prstGeom prst="straightConnector1">
-            <a:avLst/>
-          </a:prstGeom>
-          <a:noFill/>
-          <a:ln cap="flat" cmpd="sng" w="9525">
-            <a:solidFill>
-              <a:schemeClr val="dk2"/>
-            </a:solidFill>
-            <a:prstDash val="solid"/>
-            <a:round/>
-            <a:headEnd len="lg" w="lg" type="none"/>
-            <a:tailEnd len="lg" w="lg" type="triangle"/>
-          </a:ln>
-        </p:spPr>
-      </p:cxnSp>
-      <p:sp>
-        <p:nvSpPr>
-          <p:cNvPr id="148" name="Shape 148"/>
-          <p:cNvSpPr txBox="1"/>
-          <p:nvPr/>
-        </p:nvSpPr>
-        <p:spPr>
-          <a:xfrm>
-            <a:off x="1586925" y="1271925"/>
-            <a:ext cx="1080600" cy="756300"/>
-          </a:xfrm>
-          <a:prstGeom prst="rect">
-            <a:avLst/>
-          </a:prstGeom>
-          <a:noFill/>
-          <a:ln>
-            <a:noFill/>
-          </a:ln>
-        </p:spPr>
-        <p:txBody>
-          <a:bodyPr anchorCtr="0" anchor="t" bIns="91425" lIns="91425" rIns="91425" tIns="91425">
-            <a:noAutofit/>
-          </a:bodyPr>
-          <a:lstStyle/>
-          <a:p>
-            <a:pPr lvl="0">
-              <a:spcBef>
-                <a:spcPts val="0"/>
-              </a:spcBef>
-              <a:buNone/>
-            </a:pPr>
-            <a:r>
-              <a:rPr lang="vi"/>
-              <a:t>Giải pháp:</a:t>
-            </a:r>
-          </a:p>
-        </p:txBody>
-      </p:sp>
-    </p:spTree>
-  </p:cSld>
-  <p:clrMapOvr>
-    <a:masterClrMapping/>
-  </p:clrMapOvr>
-</p:sld>
-</file>
-
-<file path=ppt/slides/slide7.xml><?xml version="1.0" encoding="utf-8"?>
-<p:sld xmlns:a="http://schemas.openxmlformats.org/drawingml/2006/main" xmlns:r="http://schemas.openxmlformats.org/officeDocument/2006/relationships" xmlns:mc="http://schemas.openxmlformats.org/markup-compatibility/2006" xmlns:mv="urn:schemas-microsoft-com:mac:vml" xmlns:p="http://schemas.openxmlformats.org/presentationml/2006/main" xmlns:c="http://schemas.openxmlformats.org/drawingml/2006/chart" xmlns:dgm="http://schemas.openxmlformats.org/drawingml/2006/diagram" xmlns:o="urn:schemas-microsoft-com:office:office" xmlns:v="urn:schemas-microsoft-com:vml" xmlns:pvml="urn:schemas-microsoft-com:office:powerpoint" xmlns:com="http://schemas.openxmlformats.org/drawingml/2006/compatibility" xmlns:p14="http://schemas.microsoft.com/office/powerpoint/2010/main">
-  <p:cSld>
-    <p:spTree>
-      <p:nvGrpSpPr>
-        <p:cNvPr id="152" name="Shape 152"/>
+        <p:cNvPr id="1" name="Shape 152"/>
         <p:cNvGrpSpPr/>
         <p:nvPr/>
       </p:nvGrpSpPr>
@@ -9512,9 +9452,11 @@
       <p:sp>
         <p:nvSpPr>
           <p:cNvPr id="153" name="Shape 153"/>
-          <p:cNvSpPr txBox="1"/>
+          <p:cNvSpPr txBox="1">
+            <a:spLocks noGrp="1"/>
+          </p:cNvSpPr>
           <p:nvPr>
-            <p:ph idx="1" type="body"/>
+            <p:ph type="body" idx="1"/>
           </p:nvPr>
         </p:nvSpPr>
         <p:spPr>
@@ -9527,7 +9469,7 @@
           </a:prstGeom>
         </p:spPr>
         <p:txBody>
-          <a:bodyPr anchorCtr="0" anchor="t" bIns="91425" lIns="91425" rIns="91425" tIns="91425">
+          <a:bodyPr lIns="91425" tIns="91425" rIns="91425" bIns="91425" anchor="t" anchorCtr="0">
             <a:noAutofit/>
           </a:bodyPr>
           <a:lstStyle/>
@@ -9583,7 +9525,7 @@
       </p:sp>
       <p:pic>
         <p:nvPicPr>
-          <p:cNvPr descr="Capture.PNG" id="154" name="Shape 154"/>
+          <p:cNvPr id="154" name="Shape 154" descr="Capture.PNG"/>
           <p:cNvPicPr preferRelativeResize="0"/>
           <p:nvPr/>
         </p:nvPicPr>
@@ -9612,7 +9554,9 @@
       <p:sp>
         <p:nvSpPr>
           <p:cNvPr id="155" name="Shape 155"/>
-          <p:cNvSpPr txBox="1"/>
+          <p:cNvSpPr txBox="1">
+            <a:spLocks noGrp="1"/>
+          </p:cNvSpPr>
           <p:nvPr>
             <p:ph type="title"/>
           </p:nvPr>
@@ -9627,7 +9571,128 @@
           </a:prstGeom>
         </p:spPr>
         <p:txBody>
-          <a:bodyPr anchorCtr="0" anchor="t" bIns="91425" lIns="91425" rIns="91425" tIns="91425">
+          <a:bodyPr lIns="91425" tIns="91425" rIns="91425" bIns="91425" anchor="t" anchorCtr="0">
+            <a:noAutofit/>
+          </a:bodyPr>
+          <a:lstStyle/>
+          <a:p>
+            <a:pPr lvl="0" rtl="0">
+              <a:spcBef>
+                <a:spcPts val="0"/>
+              </a:spcBef>
+              <a:buNone/>
+            </a:pPr>
+            <a:r>
+              <a:rPr lang="vi">
+                <a:solidFill>
+                  <a:srgbClr val="FF0000"/>
+                </a:solidFill>
+                <a:latin typeface="Times New Roman"/>
+                <a:ea typeface="Times New Roman"/>
+                <a:cs typeface="Times New Roman"/>
+                <a:sym typeface="Times New Roman"/>
+              </a:rPr>
+              <a:t>2.	Sử dụng Inheritance</a:t>
+            </a:r>
+          </a:p>
+        </p:txBody>
+      </p:sp>
+    </p:spTree>
+  </p:cSld>
+  <p:clrMapOvr>
+    <a:masterClrMapping/>
+  </p:clrMapOvr>
+</p:sld>
+</file>
+
+<file path=ppt/slides/slide7.xml><?xml version="1.0" encoding="utf-8"?>
+<p:sld xmlns:a="http://schemas.openxmlformats.org/drawingml/2006/main" xmlns:r="http://schemas.openxmlformats.org/officeDocument/2006/relationships" xmlns:p="http://schemas.openxmlformats.org/presentationml/2006/main">
+  <p:cSld>
+    <p:spTree>
+      <p:nvGrpSpPr>
+        <p:cNvPr id="1" name="Shape 159"/>
+        <p:cNvGrpSpPr/>
+        <p:nvPr/>
+      </p:nvGrpSpPr>
+      <p:grpSpPr>
+        <a:xfrm>
+          <a:off x="0" y="0"/>
+          <a:ext cx="0" cy="0"/>
+          <a:chOff x="0" y="0"/>
+          <a:chExt cx="0" cy="0"/>
+        </a:xfrm>
+      </p:grpSpPr>
+      <p:sp>
+        <p:nvSpPr>
+          <p:cNvPr id="160" name="Shape 160"/>
+          <p:cNvSpPr txBox="1">
+            <a:spLocks noGrp="1"/>
+          </p:cNvSpPr>
+          <p:nvPr>
+            <p:ph type="body" idx="1"/>
+          </p:nvPr>
+        </p:nvSpPr>
+        <p:spPr>
+          <a:xfrm>
+            <a:off x="311700" y="1152475"/>
+            <a:ext cx="8520600" cy="3416400"/>
+          </a:xfrm>
+          <a:prstGeom prst="rect">
+            <a:avLst/>
+          </a:prstGeom>
+        </p:spPr>
+        <p:txBody>
+          <a:bodyPr lIns="91425" tIns="91425" rIns="91425" bIns="91425" anchor="t" anchorCtr="0">
+            <a:noAutofit/>
+          </a:bodyPr>
+          <a:lstStyle/>
+          <a:p>
+            <a:pPr marL="457200" lvl="0" indent="-228600" rtl="0">
+              <a:spcBef>
+                <a:spcPts val="0"/>
+              </a:spcBef>
+              <a:buChar char="-"/>
+            </a:pPr>
+            <a:r>
+              <a:rPr lang="vi"/>
+              <a:t>Ta muốn tạo ra một hoặc nhiều các hành vi mà không cần quan tâm các lớp implements tới interface này có liên quan với nhau hay không.</a:t>
+            </a:r>
+          </a:p>
+          <a:p>
+            <a:pPr marL="457200" lvl="0" indent="-228600" rtl="0">
+              <a:spcBef>
+                <a:spcPts val="0"/>
+              </a:spcBef>
+              <a:buChar char="-"/>
+            </a:pPr>
+            <a:r>
+              <a:rPr lang="vi"/>
+              <a:t>Ta muốn mở rộng kế thừa nhiều phương thức. </a:t>
+            </a:r>
+          </a:p>
+        </p:txBody>
+      </p:sp>
+      <p:sp>
+        <p:nvSpPr>
+          <p:cNvPr id="161" name="Shape 161"/>
+          <p:cNvSpPr txBox="1">
+            <a:spLocks noGrp="1"/>
+          </p:cNvSpPr>
+          <p:nvPr>
+            <p:ph type="title"/>
+          </p:nvPr>
+        </p:nvSpPr>
+        <p:spPr>
+          <a:xfrm>
+            <a:off x="311700" y="445025"/>
+            <a:ext cx="8520600" cy="572700"/>
+          </a:xfrm>
+          <a:prstGeom prst="rect">
+            <a:avLst/>
+          </a:prstGeom>
+        </p:spPr>
+        <p:txBody>
+          <a:bodyPr lIns="91425" tIns="91425" rIns="91425" bIns="91425" anchor="t" anchorCtr="0">
             <a:noAutofit/>
           </a:bodyPr>
           <a:lstStyle/>
@@ -9662,11 +9727,11 @@
 </file>
 
 <file path=ppt/slides/slide8.xml><?xml version="1.0" encoding="utf-8"?>
-<p:sld xmlns:a="http://schemas.openxmlformats.org/drawingml/2006/main" xmlns:r="http://schemas.openxmlformats.org/officeDocument/2006/relationships" xmlns:mc="http://schemas.openxmlformats.org/markup-compatibility/2006" xmlns:mv="urn:schemas-microsoft-com:mac:vml" xmlns:p="http://schemas.openxmlformats.org/presentationml/2006/main" xmlns:c="http://schemas.openxmlformats.org/drawingml/2006/chart" xmlns:dgm="http://schemas.openxmlformats.org/drawingml/2006/diagram" xmlns:o="urn:schemas-microsoft-com:office:office" xmlns:v="urn:schemas-microsoft-com:vml" xmlns:pvml="urn:schemas-microsoft-com:office:powerpoint" xmlns:com="http://schemas.openxmlformats.org/drawingml/2006/compatibility" xmlns:p14="http://schemas.microsoft.com/office/powerpoint/2010/main">
+<p:sld xmlns:a="http://schemas.openxmlformats.org/drawingml/2006/main" xmlns:r="http://schemas.openxmlformats.org/officeDocument/2006/relationships" xmlns:p="http://schemas.openxmlformats.org/presentationml/2006/main">
   <p:cSld>
     <p:spTree>
       <p:nvGrpSpPr>
-        <p:cNvPr id="159" name="Shape 159"/>
+        <p:cNvPr id="1" name="Shape 165"/>
         <p:cNvGrpSpPr/>
         <p:nvPr/>
       </p:nvGrpSpPr>
@@ -9680,56 +9745,10 @@
       </p:grpSpPr>
       <p:sp>
         <p:nvSpPr>
-          <p:cNvPr id="160" name="Shape 160"/>
-          <p:cNvSpPr txBox="1"/>
-          <p:nvPr>
-            <p:ph idx="1" type="body"/>
-          </p:nvPr>
-        </p:nvSpPr>
-        <p:spPr>
-          <a:xfrm>
-            <a:off x="311700" y="1152475"/>
-            <a:ext cx="8520600" cy="3416400"/>
-          </a:xfrm>
-          <a:prstGeom prst="rect">
-            <a:avLst/>
-          </a:prstGeom>
-        </p:spPr>
-        <p:txBody>
-          <a:bodyPr anchorCtr="0" anchor="t" bIns="91425" lIns="91425" rIns="91425" tIns="91425">
-            <a:noAutofit/>
-          </a:bodyPr>
-          <a:lstStyle/>
-          <a:p>
-            <a:pPr indent="-228600" lvl="0" marL="457200" rtl="0">
-              <a:spcBef>
-                <a:spcPts val="0"/>
-              </a:spcBef>
-              <a:buChar char="-"/>
-            </a:pPr>
-            <a:r>
-              <a:rPr lang="vi"/>
-              <a:t>Ta muốn tạo ra một hoặc nhiều các hành vi mà không cần quan tâm các lớp implements tới interface này có liên quan với nhau hay không.</a:t>
-            </a:r>
-          </a:p>
-          <a:p>
-            <a:pPr indent="-228600" lvl="0" marL="457200" rtl="0">
-              <a:spcBef>
-                <a:spcPts val="0"/>
-              </a:spcBef>
-              <a:buChar char="-"/>
-            </a:pPr>
-            <a:r>
-              <a:rPr lang="vi"/>
-              <a:t>Ta muốn mở rộng kế thừa nhiều phương thức. </a:t>
-            </a:r>
-          </a:p>
-        </p:txBody>
-      </p:sp>
-      <p:sp>
-        <p:nvSpPr>
-          <p:cNvPr id="161" name="Shape 161"/>
-          <p:cNvSpPr txBox="1"/>
+          <p:cNvPr id="166" name="Shape 166"/>
+          <p:cNvSpPr txBox="1">
+            <a:spLocks noGrp="1"/>
+          </p:cNvSpPr>
           <p:nvPr>
             <p:ph type="title"/>
           </p:nvPr>
@@ -9744,76 +9763,7 @@
           </a:prstGeom>
         </p:spPr>
         <p:txBody>
-          <a:bodyPr anchorCtr="0" anchor="t" bIns="91425" lIns="91425" rIns="91425" tIns="91425">
-            <a:noAutofit/>
-          </a:bodyPr>
-          <a:lstStyle/>
-          <a:p>
-            <a:pPr lvl="0" rtl="0">
-              <a:spcBef>
-                <a:spcPts val="0"/>
-              </a:spcBef>
-              <a:buNone/>
-            </a:pPr>
-            <a:r>
-              <a:rPr lang="vi">
-                <a:solidFill>
-                  <a:srgbClr val="FF0000"/>
-                </a:solidFill>
-                <a:latin typeface="Times New Roman"/>
-                <a:ea typeface="Times New Roman"/>
-                <a:cs typeface="Times New Roman"/>
-                <a:sym typeface="Times New Roman"/>
-              </a:rPr>
-              <a:t>2.	Sử dụng Inheritance</a:t>
-            </a:r>
-          </a:p>
-        </p:txBody>
-      </p:sp>
-    </p:spTree>
-  </p:cSld>
-  <p:clrMapOvr>
-    <a:masterClrMapping/>
-  </p:clrMapOvr>
-</p:sld>
-</file>
-
-<file path=ppt/slides/slide9.xml><?xml version="1.0" encoding="utf-8"?>
-<p:sld xmlns:a="http://schemas.openxmlformats.org/drawingml/2006/main" xmlns:r="http://schemas.openxmlformats.org/officeDocument/2006/relationships" xmlns:mc="http://schemas.openxmlformats.org/markup-compatibility/2006" xmlns:mv="urn:schemas-microsoft-com:mac:vml" xmlns:p="http://schemas.openxmlformats.org/presentationml/2006/main" xmlns:c="http://schemas.openxmlformats.org/drawingml/2006/chart" xmlns:dgm="http://schemas.openxmlformats.org/drawingml/2006/diagram" xmlns:o="urn:schemas-microsoft-com:office:office" xmlns:v="urn:schemas-microsoft-com:vml" xmlns:pvml="urn:schemas-microsoft-com:office:powerpoint" xmlns:com="http://schemas.openxmlformats.org/drawingml/2006/compatibility" xmlns:p14="http://schemas.microsoft.com/office/powerpoint/2010/main">
-  <p:cSld>
-    <p:spTree>
-      <p:nvGrpSpPr>
-        <p:cNvPr id="165" name="Shape 165"/>
-        <p:cNvGrpSpPr/>
-        <p:nvPr/>
-      </p:nvGrpSpPr>
-      <p:grpSpPr>
-        <a:xfrm>
-          <a:off x="0" y="0"/>
-          <a:ext cx="0" cy="0"/>
-          <a:chOff x="0" y="0"/>
-          <a:chExt cx="0" cy="0"/>
-        </a:xfrm>
-      </p:grpSpPr>
-      <p:sp>
-        <p:nvSpPr>
-          <p:cNvPr id="166" name="Shape 166"/>
-          <p:cNvSpPr txBox="1"/>
-          <p:nvPr>
-            <p:ph type="title"/>
-          </p:nvPr>
-        </p:nvSpPr>
-        <p:spPr>
-          <a:xfrm>
-            <a:off x="311700" y="445025"/>
-            <a:ext cx="8520600" cy="572700"/>
-          </a:xfrm>
-          <a:prstGeom prst="rect">
-            <a:avLst/>
-          </a:prstGeom>
-        </p:spPr>
-        <p:txBody>
-          <a:bodyPr anchorCtr="0" anchor="t" bIns="91425" lIns="91425" rIns="91425" tIns="91425">
+          <a:bodyPr lIns="91425" tIns="91425" rIns="91425" bIns="91425" anchor="t" anchorCtr="0">
             <a:noAutofit/>
           </a:bodyPr>
           <a:lstStyle/>
@@ -9839,27 +9789,29 @@
       <p:sp>
         <p:nvSpPr>
           <p:cNvPr id="167" name="Shape 167"/>
-          <p:cNvSpPr txBox="1"/>
+          <p:cNvSpPr txBox="1">
+            <a:spLocks noGrp="1"/>
+          </p:cNvSpPr>
           <p:nvPr>
-            <p:ph idx="1" type="body"/>
+            <p:ph type="body" idx="1"/>
           </p:nvPr>
         </p:nvSpPr>
         <p:spPr>
           <a:xfrm>
             <a:off x="311700" y="1152475"/>
-            <a:ext cx="3616200" cy="1751400"/>
+            <a:ext cx="3879300" cy="2526896"/>
           </a:xfrm>
           <a:prstGeom prst="rect">
             <a:avLst/>
           </a:prstGeom>
         </p:spPr>
         <p:txBody>
-          <a:bodyPr anchorCtr="0" anchor="t" bIns="91425" lIns="91425" rIns="91425" tIns="91425">
+          <a:bodyPr lIns="91425" tIns="91425" rIns="91425" bIns="91425" anchor="t" anchorCtr="0">
             <a:noAutofit/>
           </a:bodyPr>
           <a:lstStyle/>
           <a:p>
-            <a:pPr indent="-228600" lvl="0" marL="457200" rtl="0">
+            <a:pPr marL="457200" lvl="0" indent="-228600" rtl="0">
               <a:spcBef>
                 <a:spcPts val="0"/>
               </a:spcBef>
@@ -9873,8 +9825,90 @@
                 <a:cs typeface="Times New Roman"/>
                 <a:sym typeface="Times New Roman"/>
               </a:rPr>
-              <a:t>Khi một lớp muốn kế thừa những thuộc tính và phương thức của lớp cha nó (lớp chung).</a:t>
+              <a:t>Khi một lớp muốn kế thừa những thuộc tính và phương thức của lớp cha </a:t>
             </a:r>
+            <a:r>
+              <a:rPr lang="en-US" smtClean="0">
+                <a:latin typeface="Times New Roman"/>
+                <a:ea typeface="Times New Roman"/>
+                <a:cs typeface="Times New Roman"/>
+                <a:sym typeface="Times New Roman"/>
+              </a:rPr>
+              <a:t>của </a:t>
+            </a:r>
+            <a:r>
+              <a:rPr lang="vi" smtClean="0">
+                <a:latin typeface="Times New Roman"/>
+                <a:ea typeface="Times New Roman"/>
+                <a:cs typeface="Times New Roman"/>
+                <a:sym typeface="Times New Roman"/>
+              </a:rPr>
+              <a:t>nó </a:t>
+            </a:r>
+            <a:r>
+              <a:rPr lang="vi">
+                <a:latin typeface="Times New Roman"/>
+                <a:ea typeface="Times New Roman"/>
+                <a:cs typeface="Times New Roman"/>
+                <a:sym typeface="Times New Roman"/>
+              </a:rPr>
+              <a:t>(lớp chung</a:t>
+            </a:r>
+            <a:r>
+              <a:rPr lang="vi" smtClean="0">
+                <a:latin typeface="Times New Roman"/>
+                <a:ea typeface="Times New Roman"/>
+                <a:cs typeface="Times New Roman"/>
+                <a:sym typeface="Times New Roman"/>
+              </a:rPr>
+              <a:t>).</a:t>
+            </a:r>
+            <a:endParaRPr lang="en-US" smtClean="0">
+              <a:latin typeface="Times New Roman"/>
+              <a:ea typeface="Times New Roman"/>
+              <a:cs typeface="Times New Roman"/>
+              <a:sym typeface="Times New Roman"/>
+            </a:endParaRPr>
+          </a:p>
+          <a:p>
+            <a:pPr marL="457200" lvl="0" indent="-228600" rtl="0">
+              <a:spcBef>
+                <a:spcPts val="0"/>
+              </a:spcBef>
+              <a:buFont typeface="Times New Roman"/>
+              <a:buChar char="-"/>
+            </a:pPr>
+            <a:r>
+              <a:rPr lang="en-US" smtClean="0">
+                <a:latin typeface="Times New Roman"/>
+                <a:ea typeface="Times New Roman"/>
+                <a:cs typeface="Times New Roman"/>
+                <a:sym typeface="Times New Roman"/>
+              </a:rPr>
+              <a:t>Một lớp con phải thỏa quan hệ là một (is a/an) lớp cha.</a:t>
+            </a:r>
+          </a:p>
+          <a:p>
+            <a:pPr marL="228600" lvl="0" rtl="0">
+              <a:spcBef>
+                <a:spcPts val="0"/>
+              </a:spcBef>
+            </a:pPr>
+            <a:r>
+              <a:rPr lang="en-US" smtClean="0">
+                <a:latin typeface="Times New Roman"/>
+                <a:ea typeface="Times New Roman"/>
+                <a:cs typeface="Times New Roman"/>
+                <a:sym typeface="Times New Roman"/>
+              </a:rPr>
+              <a:t>Vd: Circle is a Shape.</a:t>
+            </a:r>
+            <a:endParaRPr lang="vi">
+              <a:latin typeface="Times New Roman"/>
+              <a:ea typeface="Times New Roman"/>
+              <a:cs typeface="Times New Roman"/>
+              <a:sym typeface="Times New Roman"/>
+            </a:endParaRPr>
           </a:p>
         </p:txBody>
       </p:sp>
@@ -9921,14 +9955,14 @@
             <a:avLst/>
           </a:prstGeom>
           <a:noFill/>
-          <a:ln cap="flat" cmpd="sng" w="9525">
+          <a:ln w="9525" cap="flat" cmpd="sng">
             <a:solidFill>
               <a:schemeClr val="dk2"/>
             </a:solidFill>
             <a:prstDash val="solid"/>
             <a:round/>
-            <a:headEnd len="lg" w="lg" type="none"/>
-            <a:tailEnd len="lg" w="lg" type="triangle"/>
+            <a:headEnd type="none" w="lg" len="lg"/>
+            <a:tailEnd type="triangle" w="lg" len="lg"/>
           </a:ln>
         </p:spPr>
       </p:cxnSp>
@@ -9941,7 +9975,288 @@
 </file>
 
 <file path=ppt/theme/theme1.xml><?xml version="1.0" encoding="utf-8"?>
-<a:theme xmlns:a="http://schemas.openxmlformats.org/drawingml/2006/main" xmlns:r="http://schemas.openxmlformats.org/officeDocument/2006/relationships" name="simple-light-2">
+<a:theme xmlns:a="http://schemas.openxmlformats.org/drawingml/2006/main" name="gameday">
+  <a:themeElements>
+    <a:clrScheme name="Gameday">
+      <a:dk1>
+        <a:srgbClr val="4285F4"/>
+      </a:dk1>
+      <a:lt1>
+        <a:srgbClr val="FFFFFF"/>
+      </a:lt1>
+      <a:dk2>
+        <a:srgbClr val="666666"/>
+      </a:dk2>
+      <a:lt2>
+        <a:srgbClr val="D9D9D9"/>
+      </a:lt2>
+      <a:accent1>
+        <a:srgbClr val="455A64"/>
+      </a:accent1>
+      <a:accent2>
+        <a:srgbClr val="607D8B"/>
+      </a:accent2>
+      <a:accent3>
+        <a:srgbClr val="FF5722"/>
+      </a:accent3>
+      <a:accent4>
+        <a:srgbClr val="D84315"/>
+      </a:accent4>
+      <a:accent5>
+        <a:srgbClr val="1C3AA9"/>
+      </a:accent5>
+      <a:accent6>
+        <a:srgbClr val="FFAB40"/>
+      </a:accent6>
+      <a:hlink>
+        <a:srgbClr val="1C3AA9"/>
+      </a:hlink>
+      <a:folHlink>
+        <a:srgbClr val="1C3AA9"/>
+      </a:folHlink>
+    </a:clrScheme>
+    <a:fontScheme name="Office">
+      <a:majorFont>
+        <a:latin typeface="Arial"/>
+        <a:ea typeface=""/>
+        <a:cs typeface=""/>
+        <a:font script="Jpan" typeface="ＭＳ Ｐゴシック"/>
+        <a:font script="Hang" typeface="맑은 고딕"/>
+        <a:font script="Hans" typeface="宋体"/>
+        <a:font script="Hant" typeface="新細明體"/>
+        <a:font script="Arab" typeface="Times New Roman"/>
+        <a:font script="Hebr" typeface="Times New Roman"/>
+        <a:font script="Thai" typeface="Angsana New"/>
+        <a:font script="Ethi" typeface="Nyala"/>
+        <a:font script="Beng" typeface="Vrinda"/>
+        <a:font script="Gujr" typeface="Shruti"/>
+        <a:font script="Khmr" typeface="MoolBoran"/>
+        <a:font script="Knda" typeface="Tunga"/>
+        <a:font script="Guru" typeface="Raavi"/>
+        <a:font script="Cans" typeface="Euphemia"/>
+        <a:font script="Cher" typeface="Plantagenet Cherokee"/>
+        <a:font script="Yiii" typeface="Microsoft Yi Baiti"/>
+        <a:font script="Tibt" typeface="Microsoft Himalaya"/>
+        <a:font script="Thaa" typeface="MV Boli"/>
+        <a:font script="Deva" typeface="Mangal"/>
+        <a:font script="Telu" typeface="Gautami"/>
+        <a:font script="Taml" typeface="Latha"/>
+        <a:font script="Syrc" typeface="Estrangelo Edessa"/>
+        <a:font script="Orya" typeface="Kalinga"/>
+        <a:font script="Mlym" typeface="Kartika"/>
+        <a:font script="Laoo" typeface="DokChampa"/>
+        <a:font script="Sinh" typeface="Iskoola Pota"/>
+        <a:font script="Mong" typeface="Mongolian Baiti"/>
+        <a:font script="Viet" typeface="Times New Roman"/>
+        <a:font script="Uigh" typeface="Microsoft Uighur"/>
+        <a:font script="Geor" typeface="Sylfaen"/>
+      </a:majorFont>
+      <a:minorFont>
+        <a:latin typeface="Arial"/>
+        <a:ea typeface=""/>
+        <a:cs typeface=""/>
+        <a:font script="Jpan" typeface="ＭＳ Ｐゴシック"/>
+        <a:font script="Hang" typeface="맑은 고딕"/>
+        <a:font script="Hans" typeface="宋体"/>
+        <a:font script="Hant" typeface="新細明體"/>
+        <a:font script="Arab" typeface="Arial"/>
+        <a:font script="Hebr" typeface="Arial"/>
+        <a:font script="Thai" typeface="Cordia New"/>
+        <a:font script="Ethi" typeface="Nyala"/>
+        <a:font script="Beng" typeface="Vrinda"/>
+        <a:font script="Gujr" typeface="Shruti"/>
+        <a:font script="Khmr" typeface="DaunPenh"/>
+        <a:font script="Knda" typeface="Tunga"/>
+        <a:font script="Guru" typeface="Raavi"/>
+        <a:font script="Cans" typeface="Euphemia"/>
+        <a:font script="Cher" typeface="Plantagenet Cherokee"/>
+        <a:font script="Yiii" typeface="Microsoft Yi Baiti"/>
+        <a:font script="Tibt" typeface="Microsoft Himalaya"/>
+        <a:font script="Thaa" typeface="MV Boli"/>
+        <a:font script="Deva" typeface="Mangal"/>
+        <a:font script="Telu" typeface="Gautami"/>
+        <a:font script="Taml" typeface="Latha"/>
+        <a:font script="Syrc" typeface="Estrangelo Edessa"/>
+        <a:font script="Orya" typeface="Kalinga"/>
+        <a:font script="Mlym" typeface="Kartika"/>
+        <a:font script="Laoo" typeface="DokChampa"/>
+        <a:font script="Sinh" typeface="Iskoola Pota"/>
+        <a:font script="Mong" typeface="Mongolian Baiti"/>
+        <a:font script="Viet" typeface="Arial"/>
+        <a:font script="Uigh" typeface="Microsoft Uighur"/>
+        <a:font script="Geor" typeface="Sylfaen"/>
+      </a:minorFont>
+    </a:fontScheme>
+    <a:fmtScheme name="Office">
+      <a:fillStyleLst>
+        <a:solidFill>
+          <a:schemeClr val="phClr"/>
+        </a:solidFill>
+        <a:gradFill rotWithShape="1">
+          <a:gsLst>
+            <a:gs pos="0">
+              <a:schemeClr val="phClr">
+                <a:tint val="50000"/>
+                <a:satMod val="300000"/>
+              </a:schemeClr>
+            </a:gs>
+            <a:gs pos="35000">
+              <a:schemeClr val="phClr">
+                <a:tint val="37000"/>
+                <a:satMod val="300000"/>
+              </a:schemeClr>
+            </a:gs>
+            <a:gs pos="100000">
+              <a:schemeClr val="phClr">
+                <a:tint val="15000"/>
+                <a:satMod val="350000"/>
+              </a:schemeClr>
+            </a:gs>
+          </a:gsLst>
+          <a:lin ang="16200000" scaled="1"/>
+        </a:gradFill>
+        <a:gradFill rotWithShape="1">
+          <a:gsLst>
+            <a:gs pos="0">
+              <a:schemeClr val="phClr">
+                <a:tint val="100000"/>
+                <a:shade val="100000"/>
+                <a:satMod val="130000"/>
+              </a:schemeClr>
+            </a:gs>
+            <a:gs pos="100000">
+              <a:schemeClr val="phClr">
+                <a:tint val="50000"/>
+                <a:shade val="100000"/>
+                <a:satMod val="350000"/>
+              </a:schemeClr>
+            </a:gs>
+          </a:gsLst>
+          <a:lin ang="16200000" scaled="0"/>
+        </a:gradFill>
+      </a:fillStyleLst>
+      <a:lnStyleLst>
+        <a:ln w="9525" cap="flat" cmpd="sng" algn="ctr">
+          <a:solidFill>
+            <a:schemeClr val="phClr">
+              <a:shade val="95000"/>
+              <a:satMod val="105000"/>
+            </a:schemeClr>
+          </a:solidFill>
+          <a:prstDash val="solid"/>
+        </a:ln>
+        <a:ln w="25400" cap="flat" cmpd="sng" algn="ctr">
+          <a:solidFill>
+            <a:schemeClr val="phClr"/>
+          </a:solidFill>
+          <a:prstDash val="solid"/>
+        </a:ln>
+        <a:ln w="38100" cap="flat" cmpd="sng" algn="ctr">
+          <a:solidFill>
+            <a:schemeClr val="phClr"/>
+          </a:solidFill>
+          <a:prstDash val="solid"/>
+        </a:ln>
+      </a:lnStyleLst>
+      <a:effectStyleLst>
+        <a:effectStyle>
+          <a:effectLst>
+            <a:outerShdw blurRad="40000" dist="20000" dir="5400000" rotWithShape="0">
+              <a:srgbClr val="000000">
+                <a:alpha val="38000"/>
+              </a:srgbClr>
+            </a:outerShdw>
+          </a:effectLst>
+        </a:effectStyle>
+        <a:effectStyle>
+          <a:effectLst>
+            <a:outerShdw blurRad="40000" dist="23000" dir="5400000" rotWithShape="0">
+              <a:srgbClr val="000000">
+                <a:alpha val="35000"/>
+              </a:srgbClr>
+            </a:outerShdw>
+          </a:effectLst>
+        </a:effectStyle>
+        <a:effectStyle>
+          <a:effectLst>
+            <a:outerShdw blurRad="40000" dist="23000" dir="5400000" rotWithShape="0">
+              <a:srgbClr val="000000">
+                <a:alpha val="35000"/>
+              </a:srgbClr>
+            </a:outerShdw>
+          </a:effectLst>
+          <a:scene3d>
+            <a:camera prst="orthographicFront">
+              <a:rot lat="0" lon="0" rev="0"/>
+            </a:camera>
+            <a:lightRig rig="threePt" dir="t">
+              <a:rot lat="0" lon="0" rev="1200000"/>
+            </a:lightRig>
+          </a:scene3d>
+          <a:sp3d>
+            <a:bevelT w="63500" h="25400"/>
+          </a:sp3d>
+        </a:effectStyle>
+      </a:effectStyleLst>
+      <a:bgFillStyleLst>
+        <a:solidFill>
+          <a:schemeClr val="phClr"/>
+        </a:solidFill>
+        <a:gradFill rotWithShape="1">
+          <a:gsLst>
+            <a:gs pos="0">
+              <a:schemeClr val="phClr">
+                <a:tint val="40000"/>
+                <a:satMod val="350000"/>
+              </a:schemeClr>
+            </a:gs>
+            <a:gs pos="40000">
+              <a:schemeClr val="phClr">
+                <a:tint val="45000"/>
+                <a:shade val="99000"/>
+                <a:satMod val="350000"/>
+              </a:schemeClr>
+            </a:gs>
+            <a:gs pos="100000">
+              <a:schemeClr val="phClr">
+                <a:shade val="20000"/>
+                <a:satMod val="255000"/>
+              </a:schemeClr>
+            </a:gs>
+          </a:gsLst>
+          <a:path path="circle">
+            <a:fillToRect l="50000" t="-80000" r="50000" b="180000"/>
+          </a:path>
+        </a:gradFill>
+        <a:gradFill rotWithShape="1">
+          <a:gsLst>
+            <a:gs pos="0">
+              <a:schemeClr val="phClr">
+                <a:tint val="80000"/>
+                <a:satMod val="300000"/>
+              </a:schemeClr>
+            </a:gs>
+            <a:gs pos="100000">
+              <a:schemeClr val="phClr">
+                <a:shade val="30000"/>
+                <a:satMod val="200000"/>
+              </a:schemeClr>
+            </a:gs>
+          </a:gsLst>
+          <a:path path="circle">
+            <a:fillToRect l="50000" t="50000" r="50000" b="50000"/>
+          </a:path>
+        </a:gradFill>
+      </a:bgFillStyleLst>
+    </a:fmtScheme>
+  </a:themeElements>
+  <a:objectDefaults/>
+  <a:extraClrSchemeLst/>
+</a:theme>
+</file>
+
+<file path=ppt/theme/theme2.xml><?xml version="1.0" encoding="utf-8"?>
+<a:theme xmlns:a="http://schemas.openxmlformats.org/drawingml/2006/main" name="simple-light-2">
   <a:themeElements>
     <a:clrScheme name="Simple Light">
       <a:dk1>
@@ -10216,290 +10531,13 @@
       </a:bgFillStyleLst>
     </a:fmtScheme>
   </a:themeElements>
-</a:theme>
-</file>
-
-<file path=ppt/theme/theme2.xml><?xml version="1.0" encoding="utf-8"?>
-<a:theme xmlns:a="http://schemas.openxmlformats.org/drawingml/2006/main" xmlns:r="http://schemas.openxmlformats.org/officeDocument/2006/relationships" name="gameday">
-  <a:themeElements>
-    <a:clrScheme name="Gameday">
-      <a:dk1>
-        <a:srgbClr val="4285F4"/>
-      </a:dk1>
-      <a:lt1>
-        <a:srgbClr val="FFFFFF"/>
-      </a:lt1>
-      <a:dk2>
-        <a:srgbClr val="666666"/>
-      </a:dk2>
-      <a:lt2>
-        <a:srgbClr val="D9D9D9"/>
-      </a:lt2>
-      <a:accent1>
-        <a:srgbClr val="455A64"/>
-      </a:accent1>
-      <a:accent2>
-        <a:srgbClr val="607D8B"/>
-      </a:accent2>
-      <a:accent3>
-        <a:srgbClr val="FF5722"/>
-      </a:accent3>
-      <a:accent4>
-        <a:srgbClr val="D84315"/>
-      </a:accent4>
-      <a:accent5>
-        <a:srgbClr val="1C3AA9"/>
-      </a:accent5>
-      <a:accent6>
-        <a:srgbClr val="FFAB40"/>
-      </a:accent6>
-      <a:hlink>
-        <a:srgbClr val="1C3AA9"/>
-      </a:hlink>
-      <a:folHlink>
-        <a:srgbClr val="1C3AA9"/>
-      </a:folHlink>
-    </a:clrScheme>
-    <a:fontScheme name="Office">
-      <a:majorFont>
-        <a:latin typeface="Arial"/>
-        <a:ea typeface=""/>
-        <a:cs typeface=""/>
-        <a:font script="Jpan" typeface="ＭＳ Ｐゴシック"/>
-        <a:font script="Hang" typeface="맑은 고딕"/>
-        <a:font script="Hans" typeface="宋体"/>
-        <a:font script="Hant" typeface="新細明體"/>
-        <a:font script="Arab" typeface="Times New Roman"/>
-        <a:font script="Hebr" typeface="Times New Roman"/>
-        <a:font script="Thai" typeface="Angsana New"/>
-        <a:font script="Ethi" typeface="Nyala"/>
-        <a:font script="Beng" typeface="Vrinda"/>
-        <a:font script="Gujr" typeface="Shruti"/>
-        <a:font script="Khmr" typeface="MoolBoran"/>
-        <a:font script="Knda" typeface="Tunga"/>
-        <a:font script="Guru" typeface="Raavi"/>
-        <a:font script="Cans" typeface="Euphemia"/>
-        <a:font script="Cher" typeface="Plantagenet Cherokee"/>
-        <a:font script="Yiii" typeface="Microsoft Yi Baiti"/>
-        <a:font script="Tibt" typeface="Microsoft Himalaya"/>
-        <a:font script="Thaa" typeface="MV Boli"/>
-        <a:font script="Deva" typeface="Mangal"/>
-        <a:font script="Telu" typeface="Gautami"/>
-        <a:font script="Taml" typeface="Latha"/>
-        <a:font script="Syrc" typeface="Estrangelo Edessa"/>
-        <a:font script="Orya" typeface="Kalinga"/>
-        <a:font script="Mlym" typeface="Kartika"/>
-        <a:font script="Laoo" typeface="DokChampa"/>
-        <a:font script="Sinh" typeface="Iskoola Pota"/>
-        <a:font script="Mong" typeface="Mongolian Baiti"/>
-        <a:font script="Viet" typeface="Times New Roman"/>
-        <a:font script="Uigh" typeface="Microsoft Uighur"/>
-        <a:font script="Geor" typeface="Sylfaen"/>
-      </a:majorFont>
-      <a:minorFont>
-        <a:latin typeface="Arial"/>
-        <a:ea typeface=""/>
-        <a:cs typeface=""/>
-        <a:font script="Jpan" typeface="ＭＳ Ｐゴシック"/>
-        <a:font script="Hang" typeface="맑은 고딕"/>
-        <a:font script="Hans" typeface="宋体"/>
-        <a:font script="Hant" typeface="新細明體"/>
-        <a:font script="Arab" typeface="Arial"/>
-        <a:font script="Hebr" typeface="Arial"/>
-        <a:font script="Thai" typeface="Cordia New"/>
-        <a:font script="Ethi" typeface="Nyala"/>
-        <a:font script="Beng" typeface="Vrinda"/>
-        <a:font script="Gujr" typeface="Shruti"/>
-        <a:font script="Khmr" typeface="DaunPenh"/>
-        <a:font script="Knda" typeface="Tunga"/>
-        <a:font script="Guru" typeface="Raavi"/>
-        <a:font script="Cans" typeface="Euphemia"/>
-        <a:font script="Cher" typeface="Plantagenet Cherokee"/>
-        <a:font script="Yiii" typeface="Microsoft Yi Baiti"/>
-        <a:font script="Tibt" typeface="Microsoft Himalaya"/>
-        <a:font script="Thaa" typeface="MV Boli"/>
-        <a:font script="Deva" typeface="Mangal"/>
-        <a:font script="Telu" typeface="Gautami"/>
-        <a:font script="Taml" typeface="Latha"/>
-        <a:font script="Syrc" typeface="Estrangelo Edessa"/>
-        <a:font script="Orya" typeface="Kalinga"/>
-        <a:font script="Mlym" typeface="Kartika"/>
-        <a:font script="Laoo" typeface="DokChampa"/>
-        <a:font script="Sinh" typeface="Iskoola Pota"/>
-        <a:font script="Mong" typeface="Mongolian Baiti"/>
-        <a:font script="Viet" typeface="Arial"/>
-        <a:font script="Uigh" typeface="Microsoft Uighur"/>
-        <a:font script="Geor" typeface="Sylfaen"/>
-      </a:minorFont>
-    </a:fontScheme>
-    <a:fmtScheme name="Office">
-      <a:fillStyleLst>
-        <a:solidFill>
-          <a:schemeClr val="phClr"/>
-        </a:solidFill>
-        <a:gradFill rotWithShape="1">
-          <a:gsLst>
-            <a:gs pos="0">
-              <a:schemeClr val="phClr">
-                <a:tint val="50000"/>
-                <a:satMod val="300000"/>
-              </a:schemeClr>
-            </a:gs>
-            <a:gs pos="35000">
-              <a:schemeClr val="phClr">
-                <a:tint val="37000"/>
-                <a:satMod val="300000"/>
-              </a:schemeClr>
-            </a:gs>
-            <a:gs pos="100000">
-              <a:schemeClr val="phClr">
-                <a:tint val="15000"/>
-                <a:satMod val="350000"/>
-              </a:schemeClr>
-            </a:gs>
-          </a:gsLst>
-          <a:lin ang="16200000" scaled="1"/>
-        </a:gradFill>
-        <a:gradFill rotWithShape="1">
-          <a:gsLst>
-            <a:gs pos="0">
-              <a:schemeClr val="phClr">
-                <a:tint val="100000"/>
-                <a:shade val="100000"/>
-                <a:satMod val="130000"/>
-              </a:schemeClr>
-            </a:gs>
-            <a:gs pos="100000">
-              <a:schemeClr val="phClr">
-                <a:tint val="50000"/>
-                <a:shade val="100000"/>
-                <a:satMod val="350000"/>
-              </a:schemeClr>
-            </a:gs>
-          </a:gsLst>
-          <a:lin ang="16200000" scaled="0"/>
-        </a:gradFill>
-      </a:fillStyleLst>
-      <a:lnStyleLst>
-        <a:ln w="9525" cap="flat" cmpd="sng" algn="ctr">
-          <a:solidFill>
-            <a:schemeClr val="phClr">
-              <a:shade val="95000"/>
-              <a:satMod val="105000"/>
-            </a:schemeClr>
-          </a:solidFill>
-          <a:prstDash val="solid"/>
-        </a:ln>
-        <a:ln w="25400" cap="flat" cmpd="sng" algn="ctr">
-          <a:solidFill>
-            <a:schemeClr val="phClr"/>
-          </a:solidFill>
-          <a:prstDash val="solid"/>
-        </a:ln>
-        <a:ln w="38100" cap="flat" cmpd="sng" algn="ctr">
-          <a:solidFill>
-            <a:schemeClr val="phClr"/>
-          </a:solidFill>
-          <a:prstDash val="solid"/>
-        </a:ln>
-      </a:lnStyleLst>
-      <a:effectStyleLst>
-        <a:effectStyle>
-          <a:effectLst>
-            <a:outerShdw blurRad="40000" dist="20000" dir="5400000" rotWithShape="0">
-              <a:srgbClr val="000000">
-                <a:alpha val="38000"/>
-              </a:srgbClr>
-            </a:outerShdw>
-          </a:effectLst>
-        </a:effectStyle>
-        <a:effectStyle>
-          <a:effectLst>
-            <a:outerShdw blurRad="40000" dist="23000" dir="5400000" rotWithShape="0">
-              <a:srgbClr val="000000">
-                <a:alpha val="35000"/>
-              </a:srgbClr>
-            </a:outerShdw>
-          </a:effectLst>
-        </a:effectStyle>
-        <a:effectStyle>
-          <a:effectLst>
-            <a:outerShdw blurRad="40000" dist="23000" dir="5400000" rotWithShape="0">
-              <a:srgbClr val="000000">
-                <a:alpha val="35000"/>
-              </a:srgbClr>
-            </a:outerShdw>
-          </a:effectLst>
-          <a:scene3d>
-            <a:camera prst="orthographicFront">
-              <a:rot lat="0" lon="0" rev="0"/>
-            </a:camera>
-            <a:lightRig rig="threePt" dir="t">
-              <a:rot lat="0" lon="0" rev="1200000"/>
-            </a:lightRig>
-          </a:scene3d>
-          <a:sp3d>
-            <a:bevelT w="63500" h="25400"/>
-          </a:sp3d>
-        </a:effectStyle>
-      </a:effectStyleLst>
-      <a:bgFillStyleLst>
-        <a:solidFill>
-          <a:schemeClr val="phClr"/>
-        </a:solidFill>
-        <a:gradFill rotWithShape="1">
-          <a:gsLst>
-            <a:gs pos="0">
-              <a:schemeClr val="phClr">
-                <a:tint val="40000"/>
-                <a:satMod val="350000"/>
-              </a:schemeClr>
-            </a:gs>
-            <a:gs pos="40000">
-              <a:schemeClr val="phClr">
-                <a:tint val="45000"/>
-                <a:shade val="99000"/>
-                <a:satMod val="350000"/>
-              </a:schemeClr>
-            </a:gs>
-            <a:gs pos="100000">
-              <a:schemeClr val="phClr">
-                <a:shade val="20000"/>
-                <a:satMod val="255000"/>
-              </a:schemeClr>
-            </a:gs>
-          </a:gsLst>
-          <a:path path="circle">
-            <a:fillToRect l="50000" t="-80000" r="50000" b="180000"/>
-          </a:path>
-        </a:gradFill>
-        <a:gradFill rotWithShape="1">
-          <a:gsLst>
-            <a:gs pos="0">
-              <a:schemeClr val="phClr">
-                <a:tint val="80000"/>
-                <a:satMod val="300000"/>
-              </a:schemeClr>
-            </a:gs>
-            <a:gs pos="100000">
-              <a:schemeClr val="phClr">
-                <a:shade val="30000"/>
-                <a:satMod val="200000"/>
-              </a:schemeClr>
-            </a:gs>
-          </a:gsLst>
-          <a:path path="circle">
-            <a:fillToRect l="50000" t="50000" r="50000" b="50000"/>
-          </a:path>
-        </a:gradFill>
-      </a:bgFillStyleLst>
-    </a:fmtScheme>
-  </a:themeElements>
+  <a:objectDefaults/>
+  <a:extraClrSchemeLst/>
 </a:theme>
 </file>
 
 <file path=ppt/theme/theme3.xml><?xml version="1.0" encoding="utf-8"?>
-<a:theme xmlns:a="http://schemas.openxmlformats.org/drawingml/2006/main" xmlns:r="http://schemas.openxmlformats.org/officeDocument/2006/relationships" name="Custom Theme">
+<a:theme xmlns:a="http://schemas.openxmlformats.org/drawingml/2006/main" name="Custom Theme">
   <a:themeElements>
     <a:clrScheme name="Default">
       <a:dk1>
@@ -10774,5 +10812,7 @@
       </a:bgFillStyleLst>
     </a:fmtScheme>
   </a:themeElements>
+  <a:objectDefaults/>
+  <a:extraClrSchemeLst/>
 </a:theme>
 </file>